--- a/slides/klasse1.pptx
+++ b/slides/klasse1.pptx
@@ -4,19 +4,24 @@
   <p:sldMasterIdLst>
     <p:sldMasterId id="2147483973" r:id="rId1"/>
   </p:sldMasterIdLst>
+  <p:notesMasterIdLst>
+    <p:notesMasterId r:id="rId16"/>
+  </p:notesMasterIdLst>
   <p:sldIdLst>
     <p:sldId id="256" r:id="rId2"/>
-    <p:sldId id="257" r:id="rId3"/>
-    <p:sldId id="258" r:id="rId4"/>
-    <p:sldId id="259" r:id="rId5"/>
-    <p:sldId id="265" r:id="rId6"/>
-    <p:sldId id="266" r:id="rId7"/>
-    <p:sldId id="260" r:id="rId8"/>
-    <p:sldId id="261" r:id="rId9"/>
-    <p:sldId id="262" r:id="rId10"/>
-    <p:sldId id="263" r:id="rId11"/>
-    <p:sldId id="264" r:id="rId12"/>
-    <p:sldId id="267" r:id="rId13"/>
+    <p:sldId id="268" r:id="rId3"/>
+    <p:sldId id="269" r:id="rId4"/>
+    <p:sldId id="257" r:id="rId5"/>
+    <p:sldId id="258" r:id="rId6"/>
+    <p:sldId id="259" r:id="rId7"/>
+    <p:sldId id="265" r:id="rId8"/>
+    <p:sldId id="266" r:id="rId9"/>
+    <p:sldId id="260" r:id="rId10"/>
+    <p:sldId id="261" r:id="rId11"/>
+    <p:sldId id="262" r:id="rId12"/>
+    <p:sldId id="263" r:id="rId13"/>
+    <p:sldId id="264" r:id="rId14"/>
+    <p:sldId id="267" r:id="rId15"/>
   </p:sldIdLst>
   <p:sldSz cx="9144000" cy="6858000" type="screen4x3"/>
   <p:notesSz cx="6858000" cy="9144000"/>
@@ -132,6 +137,585 @@
     </p:ext>
   </p:extLst>
 </p:presentation>
+</file>
+
+<file path=ppt/notesMasters/notesMaster1.xml><?xml version="1.0" encoding="utf-8"?>
+<p:notesMaster xmlns:a="http://schemas.openxmlformats.org/drawingml/2006/main" xmlns:r="http://schemas.openxmlformats.org/officeDocument/2006/relationships" xmlns:p="http://schemas.openxmlformats.org/presentationml/2006/main">
+  <p:cSld>
+    <p:bg>
+      <p:bgRef idx="1001">
+        <a:schemeClr val="bg1"/>
+      </p:bgRef>
+    </p:bg>
+    <p:spTree>
+      <p:nvGrpSpPr>
+        <p:cNvPr id="1" name=""/>
+        <p:cNvGrpSpPr/>
+        <p:nvPr/>
+      </p:nvGrpSpPr>
+      <p:grpSpPr>
+        <a:xfrm>
+          <a:off x="0" y="0"/>
+          <a:ext cx="0" cy="0"/>
+          <a:chOff x="0" y="0"/>
+          <a:chExt cx="0" cy="0"/>
+        </a:xfrm>
+      </p:grpSpPr>
+      <p:sp>
+        <p:nvSpPr>
+          <p:cNvPr id="2" name="Header Placeholder 1"/>
+          <p:cNvSpPr>
+            <a:spLocks noGrp="1"/>
+          </p:cNvSpPr>
+          <p:nvPr>
+            <p:ph type="hdr" sz="quarter"/>
+          </p:nvPr>
+        </p:nvSpPr>
+        <p:spPr>
+          <a:xfrm>
+            <a:off x="0" y="0"/>
+            <a:ext cx="2971800" cy="458788"/>
+          </a:xfrm>
+          <a:prstGeom prst="rect">
+            <a:avLst/>
+          </a:prstGeom>
+        </p:spPr>
+        <p:txBody>
+          <a:bodyPr vert="horz" lIns="91440" tIns="45720" rIns="91440" bIns="45720" rtlCol="0"/>
+          <a:lstStyle>
+            <a:lvl1pPr algn="l">
+              <a:defRPr sz="1200"/>
+            </a:lvl1pPr>
+          </a:lstStyle>
+          <a:p>
+            <a:endParaRPr lang="en-DE"/>
+          </a:p>
+        </p:txBody>
+      </p:sp>
+      <p:sp>
+        <p:nvSpPr>
+          <p:cNvPr id="3" name="Date Placeholder 2"/>
+          <p:cNvSpPr>
+            <a:spLocks noGrp="1"/>
+          </p:cNvSpPr>
+          <p:nvPr>
+            <p:ph type="dt" idx="1"/>
+          </p:nvPr>
+        </p:nvSpPr>
+        <p:spPr>
+          <a:xfrm>
+            <a:off x="3884613" y="0"/>
+            <a:ext cx="2971800" cy="458788"/>
+          </a:xfrm>
+          <a:prstGeom prst="rect">
+            <a:avLst/>
+          </a:prstGeom>
+        </p:spPr>
+        <p:txBody>
+          <a:bodyPr vert="horz" lIns="91440" tIns="45720" rIns="91440" bIns="45720" rtlCol="0"/>
+          <a:lstStyle>
+            <a:lvl1pPr algn="r">
+              <a:defRPr sz="1200"/>
+            </a:lvl1pPr>
+          </a:lstStyle>
+          <a:p>
+            <a:fld id="{83888932-C931-B243-9ECE-6D6A4DBC212C}" type="datetimeFigureOut">
+              <a:rPr lang="en-DE" smtClean="0"/>
+              <a:t>25.01.21</a:t>
+            </a:fld>
+            <a:endParaRPr lang="en-DE"/>
+          </a:p>
+        </p:txBody>
+      </p:sp>
+      <p:sp>
+        <p:nvSpPr>
+          <p:cNvPr id="4" name="Slide Image Placeholder 3"/>
+          <p:cNvSpPr>
+            <a:spLocks noGrp="1" noRot="1" noChangeAspect="1"/>
+          </p:cNvSpPr>
+          <p:nvPr>
+            <p:ph type="sldImg" idx="2"/>
+          </p:nvPr>
+        </p:nvSpPr>
+        <p:spPr>
+          <a:xfrm>
+            <a:off x="1371600" y="1143000"/>
+            <a:ext cx="4114800" cy="3086100"/>
+          </a:xfrm>
+          <a:prstGeom prst="rect">
+            <a:avLst/>
+          </a:prstGeom>
+          <a:noFill/>
+          <a:ln w="12700">
+            <a:solidFill>
+              <a:prstClr val="black"/>
+            </a:solidFill>
+          </a:ln>
+        </p:spPr>
+        <p:txBody>
+          <a:bodyPr vert="horz" lIns="91440" tIns="45720" rIns="91440" bIns="45720" rtlCol="0" anchor="ctr"/>
+          <a:lstStyle/>
+          <a:p>
+            <a:endParaRPr lang="en-DE"/>
+          </a:p>
+        </p:txBody>
+      </p:sp>
+      <p:sp>
+        <p:nvSpPr>
+          <p:cNvPr id="5" name="Notes Placeholder 4"/>
+          <p:cNvSpPr>
+            <a:spLocks noGrp="1"/>
+          </p:cNvSpPr>
+          <p:nvPr>
+            <p:ph type="body" sz="quarter" idx="3"/>
+          </p:nvPr>
+        </p:nvSpPr>
+        <p:spPr>
+          <a:xfrm>
+            <a:off x="685800" y="4400550"/>
+            <a:ext cx="5486400" cy="3600450"/>
+          </a:xfrm>
+          <a:prstGeom prst="rect">
+            <a:avLst/>
+          </a:prstGeom>
+        </p:spPr>
+        <p:txBody>
+          <a:bodyPr vert="horz" lIns="91440" tIns="45720" rIns="91440" bIns="45720" rtlCol="0"/>
+          <a:lstStyle/>
+          <a:p>
+            <a:pPr lvl="0"/>
+            <a:r>
+              <a:rPr lang="en-GB"/>
+              <a:t>Click to edit Master text styles</a:t>
+            </a:r>
+          </a:p>
+          <a:p>
+            <a:pPr lvl="1"/>
+            <a:r>
+              <a:rPr lang="en-GB"/>
+              <a:t>Second level</a:t>
+            </a:r>
+          </a:p>
+          <a:p>
+            <a:pPr lvl="2"/>
+            <a:r>
+              <a:rPr lang="en-GB"/>
+              <a:t>Third level</a:t>
+            </a:r>
+          </a:p>
+          <a:p>
+            <a:pPr lvl="3"/>
+            <a:r>
+              <a:rPr lang="en-GB"/>
+              <a:t>Fourth level</a:t>
+            </a:r>
+          </a:p>
+          <a:p>
+            <a:pPr lvl="4"/>
+            <a:r>
+              <a:rPr lang="en-GB"/>
+              <a:t>Fifth level</a:t>
+            </a:r>
+            <a:endParaRPr lang="en-DE"/>
+          </a:p>
+        </p:txBody>
+      </p:sp>
+      <p:sp>
+        <p:nvSpPr>
+          <p:cNvPr id="6" name="Footer Placeholder 5"/>
+          <p:cNvSpPr>
+            <a:spLocks noGrp="1"/>
+          </p:cNvSpPr>
+          <p:nvPr>
+            <p:ph type="ftr" sz="quarter" idx="4"/>
+          </p:nvPr>
+        </p:nvSpPr>
+        <p:spPr>
+          <a:xfrm>
+            <a:off x="0" y="8685213"/>
+            <a:ext cx="2971800" cy="458787"/>
+          </a:xfrm>
+          <a:prstGeom prst="rect">
+            <a:avLst/>
+          </a:prstGeom>
+        </p:spPr>
+        <p:txBody>
+          <a:bodyPr vert="horz" lIns="91440" tIns="45720" rIns="91440" bIns="45720" rtlCol="0" anchor="b"/>
+          <a:lstStyle>
+            <a:lvl1pPr algn="l">
+              <a:defRPr sz="1200"/>
+            </a:lvl1pPr>
+          </a:lstStyle>
+          <a:p>
+            <a:endParaRPr lang="en-DE"/>
+          </a:p>
+        </p:txBody>
+      </p:sp>
+      <p:sp>
+        <p:nvSpPr>
+          <p:cNvPr id="7" name="Slide Number Placeholder 6"/>
+          <p:cNvSpPr>
+            <a:spLocks noGrp="1"/>
+          </p:cNvSpPr>
+          <p:nvPr>
+            <p:ph type="sldNum" sz="quarter" idx="5"/>
+          </p:nvPr>
+        </p:nvSpPr>
+        <p:spPr>
+          <a:xfrm>
+            <a:off x="3884613" y="8685213"/>
+            <a:ext cx="2971800" cy="458787"/>
+          </a:xfrm>
+          <a:prstGeom prst="rect">
+            <a:avLst/>
+          </a:prstGeom>
+        </p:spPr>
+        <p:txBody>
+          <a:bodyPr vert="horz" lIns="91440" tIns="45720" rIns="91440" bIns="45720" rtlCol="0" anchor="b"/>
+          <a:lstStyle>
+            <a:lvl1pPr algn="r">
+              <a:defRPr sz="1200"/>
+            </a:lvl1pPr>
+          </a:lstStyle>
+          <a:p>
+            <a:fld id="{341C1E79-F2BC-EA47-96F7-0291464DD073}" type="slidenum">
+              <a:rPr lang="en-DE" smtClean="0"/>
+              <a:t>‹#›</a:t>
+            </a:fld>
+            <a:endParaRPr lang="en-DE"/>
+          </a:p>
+        </p:txBody>
+      </p:sp>
+    </p:spTree>
+    <p:extLst>
+      <p:ext uri="{BB962C8B-B14F-4D97-AF65-F5344CB8AC3E}">
+        <p14:creationId xmlns:p14="http://schemas.microsoft.com/office/powerpoint/2010/main" val="3209119124"/>
+      </p:ext>
+    </p:extLst>
+  </p:cSld>
+  <p:clrMap bg1="lt1" tx1="dk1" bg2="lt2" tx2="dk2" accent1="accent1" accent2="accent2" accent3="accent3" accent4="accent4" accent5="accent5" accent6="accent6" hlink="hlink" folHlink="folHlink"/>
+  <p:notesStyle>
+    <a:lvl1pPr marL="0" algn="l" defTabSz="914400" rtl="0" eaLnBrk="1" latinLnBrk="0" hangingPunct="1">
+      <a:defRPr sz="1200" kern="1200">
+        <a:solidFill>
+          <a:schemeClr val="tx1"/>
+        </a:solidFill>
+        <a:latin typeface="+mn-lt"/>
+        <a:ea typeface="+mn-ea"/>
+        <a:cs typeface="+mn-cs"/>
+      </a:defRPr>
+    </a:lvl1pPr>
+    <a:lvl2pPr marL="457200" algn="l" defTabSz="914400" rtl="0" eaLnBrk="1" latinLnBrk="0" hangingPunct="1">
+      <a:defRPr sz="1200" kern="1200">
+        <a:solidFill>
+          <a:schemeClr val="tx1"/>
+        </a:solidFill>
+        <a:latin typeface="+mn-lt"/>
+        <a:ea typeface="+mn-ea"/>
+        <a:cs typeface="+mn-cs"/>
+      </a:defRPr>
+    </a:lvl2pPr>
+    <a:lvl3pPr marL="914400" algn="l" defTabSz="914400" rtl="0" eaLnBrk="1" latinLnBrk="0" hangingPunct="1">
+      <a:defRPr sz="1200" kern="1200">
+        <a:solidFill>
+          <a:schemeClr val="tx1"/>
+        </a:solidFill>
+        <a:latin typeface="+mn-lt"/>
+        <a:ea typeface="+mn-ea"/>
+        <a:cs typeface="+mn-cs"/>
+      </a:defRPr>
+    </a:lvl3pPr>
+    <a:lvl4pPr marL="1371600" algn="l" defTabSz="914400" rtl="0" eaLnBrk="1" latinLnBrk="0" hangingPunct="1">
+      <a:defRPr sz="1200" kern="1200">
+        <a:solidFill>
+          <a:schemeClr val="tx1"/>
+        </a:solidFill>
+        <a:latin typeface="+mn-lt"/>
+        <a:ea typeface="+mn-ea"/>
+        <a:cs typeface="+mn-cs"/>
+      </a:defRPr>
+    </a:lvl4pPr>
+    <a:lvl5pPr marL="1828800" algn="l" defTabSz="914400" rtl="0" eaLnBrk="1" latinLnBrk="0" hangingPunct="1">
+      <a:defRPr sz="1200" kern="1200">
+        <a:solidFill>
+          <a:schemeClr val="tx1"/>
+        </a:solidFill>
+        <a:latin typeface="+mn-lt"/>
+        <a:ea typeface="+mn-ea"/>
+        <a:cs typeface="+mn-cs"/>
+      </a:defRPr>
+    </a:lvl5pPr>
+    <a:lvl6pPr marL="2286000" algn="l" defTabSz="914400" rtl="0" eaLnBrk="1" latinLnBrk="0" hangingPunct="1">
+      <a:defRPr sz="1200" kern="1200">
+        <a:solidFill>
+          <a:schemeClr val="tx1"/>
+        </a:solidFill>
+        <a:latin typeface="+mn-lt"/>
+        <a:ea typeface="+mn-ea"/>
+        <a:cs typeface="+mn-cs"/>
+      </a:defRPr>
+    </a:lvl6pPr>
+    <a:lvl7pPr marL="2743200" algn="l" defTabSz="914400" rtl="0" eaLnBrk="1" latinLnBrk="0" hangingPunct="1">
+      <a:defRPr sz="1200" kern="1200">
+        <a:solidFill>
+          <a:schemeClr val="tx1"/>
+        </a:solidFill>
+        <a:latin typeface="+mn-lt"/>
+        <a:ea typeface="+mn-ea"/>
+        <a:cs typeface="+mn-cs"/>
+      </a:defRPr>
+    </a:lvl7pPr>
+    <a:lvl8pPr marL="3200400" algn="l" defTabSz="914400" rtl="0" eaLnBrk="1" latinLnBrk="0" hangingPunct="1">
+      <a:defRPr sz="1200" kern="1200">
+        <a:solidFill>
+          <a:schemeClr val="tx1"/>
+        </a:solidFill>
+        <a:latin typeface="+mn-lt"/>
+        <a:ea typeface="+mn-ea"/>
+        <a:cs typeface="+mn-cs"/>
+      </a:defRPr>
+    </a:lvl8pPr>
+    <a:lvl9pPr marL="3657600" algn="l" defTabSz="914400" rtl="0" eaLnBrk="1" latinLnBrk="0" hangingPunct="1">
+      <a:defRPr sz="1200" kern="1200">
+        <a:solidFill>
+          <a:schemeClr val="tx1"/>
+        </a:solidFill>
+        <a:latin typeface="+mn-lt"/>
+        <a:ea typeface="+mn-ea"/>
+        <a:cs typeface="+mn-cs"/>
+      </a:defRPr>
+    </a:lvl9pPr>
+  </p:notesStyle>
+</p:notesMaster>
+</file>
+
+<file path=ppt/notesSlides/notesSlide1.xml><?xml version="1.0" encoding="utf-8"?>
+<p:notes xmlns:a="http://schemas.openxmlformats.org/drawingml/2006/main" xmlns:r="http://schemas.openxmlformats.org/officeDocument/2006/relationships" xmlns:p="http://schemas.openxmlformats.org/presentationml/2006/main">
+  <p:cSld>
+    <p:spTree>
+      <p:nvGrpSpPr>
+        <p:cNvPr id="1" name=""/>
+        <p:cNvGrpSpPr/>
+        <p:nvPr/>
+      </p:nvGrpSpPr>
+      <p:grpSpPr>
+        <a:xfrm>
+          <a:off x="0" y="0"/>
+          <a:ext cx="0" cy="0"/>
+          <a:chOff x="0" y="0"/>
+          <a:chExt cx="0" cy="0"/>
+        </a:xfrm>
+      </p:grpSpPr>
+      <p:sp>
+        <p:nvSpPr>
+          <p:cNvPr id="2" name="Slide Image Placeholder 1"/>
+          <p:cNvSpPr>
+            <a:spLocks noGrp="1" noRot="1" noChangeAspect="1"/>
+          </p:cNvSpPr>
+          <p:nvPr>
+            <p:ph type="sldImg"/>
+          </p:nvPr>
+        </p:nvSpPr>
+        <p:spPr/>
+      </p:sp>
+      <p:sp>
+        <p:nvSpPr>
+          <p:cNvPr id="3" name="Notes Placeholder 2"/>
+          <p:cNvSpPr>
+            <a:spLocks noGrp="1"/>
+          </p:cNvSpPr>
+          <p:nvPr>
+            <p:ph type="body" idx="1"/>
+          </p:nvPr>
+        </p:nvSpPr>
+        <p:spPr/>
+        <p:txBody>
+          <a:bodyPr/>
+          <a:lstStyle/>
+          <a:p>
+            <a:r>
+              <a:rPr lang="en-GB" dirty="0"/>
+              <a:t>brew install </a:t>
+            </a:r>
+            <a:r>
+              <a:rPr lang="en-GB" dirty="0" err="1"/>
+              <a:t>zlib</a:t>
+            </a:r>
+            <a:r>
+              <a:rPr lang="en-GB" dirty="0"/>
+              <a:t> bzip2 </a:t>
+            </a:r>
+            <a:r>
+              <a:rPr lang="en-GB" dirty="0" err="1"/>
+              <a:t>openssl</a:t>
+            </a:r>
+            <a:r>
+              <a:rPr lang="en-GB" dirty="0"/>
+              <a:t> </a:t>
+            </a:r>
+            <a:r>
+              <a:rPr lang="en-GB" dirty="0" err="1"/>
+              <a:t>readline</a:t>
+            </a:r>
+            <a:r>
+              <a:rPr lang="en-GB" dirty="0"/>
+              <a:t> sqlite3 </a:t>
+            </a:r>
+            <a:r>
+              <a:rPr lang="en-GB" dirty="0" err="1"/>
+              <a:t>xz</a:t>
+            </a:r>
+            <a:endParaRPr lang="en-GB" dirty="0"/>
+          </a:p>
+          <a:p>
+            <a:r>
+              <a:rPr lang="en-GB" dirty="0">
+                <a:effectLst/>
+              </a:rPr>
+              <a:t>export</a:t>
+            </a:r>
+            <a:r>
+              <a:rPr lang="en-GB" dirty="0"/>
+              <a:t> LDFLAGS=</a:t>
+            </a:r>
+            <a:r>
+              <a:rPr lang="en-GB" dirty="0">
+                <a:effectLst/>
+              </a:rPr>
+              <a:t>"-L/</a:t>
+            </a:r>
+            <a:r>
+              <a:rPr lang="en-GB" dirty="0" err="1">
+                <a:effectLst/>
+              </a:rPr>
+              <a:t>usr</a:t>
+            </a:r>
+            <a:r>
+              <a:rPr lang="en-GB" dirty="0">
+                <a:effectLst/>
+              </a:rPr>
+              <a:t>/local/opt/bzip2/lib -L/</a:t>
+            </a:r>
+            <a:r>
+              <a:rPr lang="en-GB" dirty="0" err="1">
+                <a:effectLst/>
+              </a:rPr>
+              <a:t>usr</a:t>
+            </a:r>
+            <a:r>
+              <a:rPr lang="en-GB" dirty="0">
+                <a:effectLst/>
+              </a:rPr>
+              <a:t>/local/opt/</a:t>
+            </a:r>
+            <a:r>
+              <a:rPr lang="en-GB" dirty="0" err="1">
+                <a:effectLst/>
+              </a:rPr>
+              <a:t>zlib</a:t>
+            </a:r>
+            <a:r>
+              <a:rPr lang="en-GB" dirty="0">
+                <a:effectLst/>
+              </a:rPr>
+              <a:t>/lib"</a:t>
+            </a:r>
+            <a:r>
+              <a:rPr lang="en-GB" dirty="0"/>
+              <a:t> </a:t>
+            </a:r>
+          </a:p>
+          <a:p>
+            <a:r>
+              <a:rPr lang="en-GB" dirty="0">
+                <a:effectLst/>
+              </a:rPr>
+              <a:t>export</a:t>
+            </a:r>
+            <a:r>
+              <a:rPr lang="en-GB" dirty="0"/>
+              <a:t> CPPFLAGS=</a:t>
+            </a:r>
+            <a:r>
+              <a:rPr lang="en-GB" dirty="0">
+                <a:effectLst/>
+              </a:rPr>
+              <a:t>"-I/</a:t>
+            </a:r>
+            <a:r>
+              <a:rPr lang="en-GB" dirty="0" err="1">
+                <a:effectLst/>
+              </a:rPr>
+              <a:t>usr</a:t>
+            </a:r>
+            <a:r>
+              <a:rPr lang="en-GB" dirty="0">
+                <a:effectLst/>
+              </a:rPr>
+              <a:t>/local/opt/bzip2/include -I/</a:t>
+            </a:r>
+            <a:r>
+              <a:rPr lang="en-GB" dirty="0" err="1">
+                <a:effectLst/>
+              </a:rPr>
+              <a:t>usr</a:t>
+            </a:r>
+            <a:r>
+              <a:rPr lang="en-GB" dirty="0">
+                <a:effectLst/>
+              </a:rPr>
+              <a:t>/local/opt/</a:t>
+            </a:r>
+            <a:r>
+              <a:rPr lang="en-GB" dirty="0" err="1">
+                <a:effectLst/>
+              </a:rPr>
+              <a:t>zlib</a:t>
+            </a:r>
+            <a:r>
+              <a:rPr lang="en-GB" dirty="0">
+                <a:effectLst/>
+              </a:rPr>
+              <a:t>/include"</a:t>
+            </a:r>
+            <a:endParaRPr lang="en-DE" dirty="0"/>
+          </a:p>
+        </p:txBody>
+      </p:sp>
+      <p:sp>
+        <p:nvSpPr>
+          <p:cNvPr id="4" name="Slide Number Placeholder 3"/>
+          <p:cNvSpPr>
+            <a:spLocks noGrp="1"/>
+          </p:cNvSpPr>
+          <p:nvPr>
+            <p:ph type="sldNum" sz="quarter" idx="5"/>
+          </p:nvPr>
+        </p:nvSpPr>
+        <p:spPr/>
+        <p:txBody>
+          <a:bodyPr/>
+          <a:lstStyle/>
+          <a:p>
+            <a:fld id="{341C1E79-F2BC-EA47-96F7-0291464DD073}" type="slidenum">
+              <a:rPr lang="en-DE" smtClean="0"/>
+              <a:t>3</a:t>
+            </a:fld>
+            <a:endParaRPr lang="en-DE"/>
+          </a:p>
+        </p:txBody>
+      </p:sp>
+    </p:spTree>
+    <p:extLst>
+      <p:ext uri="{BB962C8B-B14F-4D97-AF65-F5344CB8AC3E}">
+        <p14:creationId xmlns:p14="http://schemas.microsoft.com/office/powerpoint/2010/main" val="2955066027"/>
+      </p:ext>
+    </p:extLst>
+  </p:cSld>
+  <p:clrMapOvr>
+    <a:masterClrMapping/>
+  </p:clrMapOvr>
+</p:notes>
 </file>
 
 <file path=ppt/slideLayouts/slideLayout1.xml><?xml version="1.0" encoding="utf-8"?>
@@ -370,7 +954,7 @@
           </a:lstStyle>
           <a:p>
             <a:r>
-              <a:rPr lang="de-DE" smtClean="0"/>
+              <a:rPr lang="de-DE"/>
               <a:t>Click to edit Master title style</a:t>
             </a:r>
             <a:endParaRPr lang="en-US" dirty="0"/>
@@ -491,7 +1075,7 @@
           </a:lstStyle>
           <a:p>
             <a:r>
-              <a:rPr lang="de-DE" smtClean="0"/>
+              <a:rPr lang="de-DE"/>
               <a:t>Click to edit Master subtitle style</a:t>
             </a:r>
             <a:endParaRPr lang="en-US" dirty="0"/>
@@ -516,7 +1100,7 @@
             <a:fld id="{E30E2307-1E40-4E12-8716-25BFDA8E7013}" type="datetime1">
               <a:rPr lang="en-US" smtClean="0"/>
               <a:pPr/>
-              <a:t>10/28/15</a:t>
+              <a:t>1/25/21</a:t>
             </a:fld>
             <a:endParaRPr lang="en-US"/>
           </a:p>
@@ -615,7 +1199,7 @@
           <a:lstStyle/>
           <a:p>
             <a:r>
-              <a:rPr lang="de-DE" smtClean="0"/>
+              <a:rPr lang="de-DE"/>
               <a:t>Click to edit Master title style</a:t>
             </a:r>
             <a:endParaRPr lang="en-US" dirty="0"/>
@@ -702,7 +1286,7 @@
           </a:lstStyle>
           <a:p>
             <a:r>
-              <a:rPr lang="de-DE" smtClean="0"/>
+              <a:rPr lang="de-DE"/>
               <a:t>Drag picture to placeholder or click icon to add</a:t>
             </a:r>
             <a:endParaRPr lang="en-US" dirty="0"/>
@@ -759,7 +1343,7 @@
           <a:p>
             <a:pPr lvl="0"/>
             <a:r>
-              <a:rPr lang="de-DE" smtClean="0"/>
+              <a:rPr lang="de-DE"/>
               <a:t>Click to edit Master text styles</a:t>
             </a:r>
           </a:p>
@@ -782,7 +1366,7 @@
           <a:p>
             <a:fld id="{B0C4986D-6BE9-4264-908F-02DB36FD8D6C}" type="datetime1">
               <a:rPr lang="en-US" smtClean="0"/>
-              <a:t>10/28/15</a:t>
+              <a:t>1/25/21</a:t>
             </a:fld>
             <a:endParaRPr lang="en-US" dirty="0"/>
           </a:p>
@@ -804,7 +1388,7 @@
           <a:lstStyle/>
           <a:p>
             <a:r>
-              <a:rPr lang="en-US" smtClean="0"/>
+              <a:rPr lang="en-US"/>
               <a:t>Footer Text</a:t>
             </a:r>
             <a:endParaRPr lang="en-US" dirty="0"/>
@@ -893,7 +1477,7 @@
           </a:lstStyle>
           <a:p>
             <a:r>
-              <a:rPr lang="de-DE" smtClean="0"/>
+              <a:rPr lang="de-DE"/>
               <a:t>Click to edit Master title style</a:t>
             </a:r>
             <a:endParaRPr lang="en-US" dirty="0"/>
@@ -1015,7 +1599,7 @@
           <a:p>
             <a:pPr lvl="0"/>
             <a:r>
-              <a:rPr lang="de-DE" smtClean="0"/>
+              <a:rPr lang="de-DE"/>
               <a:t>Click to edit Master text styles</a:t>
             </a:r>
           </a:p>
@@ -1038,7 +1622,7 @@
           <a:p>
             <a:fld id="{B0C4986D-6BE9-4264-908F-02DB36FD8D6C}" type="datetime1">
               <a:rPr lang="en-US" smtClean="0"/>
-              <a:t>10/28/15</a:t>
+              <a:t>1/25/21</a:t>
             </a:fld>
             <a:endParaRPr lang="en-US" dirty="0"/>
           </a:p>
@@ -1060,7 +1644,7 @@
           <a:lstStyle/>
           <a:p>
             <a:r>
-              <a:rPr lang="en-US" smtClean="0"/>
+              <a:rPr lang="en-US"/>
               <a:t>Footer Text</a:t>
             </a:r>
             <a:endParaRPr lang="en-US" dirty="0"/>
@@ -1153,7 +1737,7 @@
           </a:lstStyle>
           <a:p>
             <a:r>
-              <a:rPr lang="de-DE" smtClean="0"/>
+              <a:rPr lang="de-DE"/>
               <a:t>Click to edit Master title style</a:t>
             </a:r>
             <a:endParaRPr lang="en-US" dirty="0"/>
@@ -1208,7 +1792,7 @@
           <a:p>
             <a:pPr lvl="0"/>
             <a:r>
-              <a:rPr lang="de-DE" smtClean="0"/>
+              <a:rPr lang="de-DE"/>
               <a:t>Click to edit Master text styles</a:t>
             </a:r>
           </a:p>
@@ -1329,7 +1913,7 @@
           <a:p>
             <a:pPr lvl="0"/>
             <a:r>
-              <a:rPr lang="de-DE" smtClean="0"/>
+              <a:rPr lang="de-DE"/>
               <a:t>Click to edit Master text styles</a:t>
             </a:r>
           </a:p>
@@ -1352,7 +1936,7 @@
           <a:p>
             <a:fld id="{B0C4986D-6BE9-4264-908F-02DB36FD8D6C}" type="datetime1">
               <a:rPr lang="en-US" smtClean="0"/>
-              <a:t>10/28/15</a:t>
+              <a:t>1/25/21</a:t>
             </a:fld>
             <a:endParaRPr lang="en-US" dirty="0"/>
           </a:p>
@@ -1374,7 +1958,7 @@
           <a:lstStyle/>
           <a:p>
             <a:r>
-              <a:rPr lang="en-US" smtClean="0"/>
+              <a:rPr lang="en-US"/>
               <a:t>Footer Text</a:t>
             </a:r>
             <a:endParaRPr lang="en-US" dirty="0"/>
@@ -1531,7 +2115,7 @@
           </a:lstStyle>
           <a:p>
             <a:r>
-              <a:rPr lang="de-DE" smtClean="0"/>
+              <a:rPr lang="de-DE"/>
               <a:t>Click to edit Master title style</a:t>
             </a:r>
             <a:endParaRPr lang="en-US" dirty="0"/>
@@ -1653,7 +2237,7 @@
           <a:p>
             <a:pPr lvl="0"/>
             <a:r>
-              <a:rPr lang="de-DE" smtClean="0"/>
+              <a:rPr lang="de-DE"/>
               <a:t>Click to edit Master text styles</a:t>
             </a:r>
           </a:p>
@@ -1676,7 +2260,7 @@
           <a:p>
             <a:fld id="{B0C4986D-6BE9-4264-908F-02DB36FD8D6C}" type="datetime1">
               <a:rPr lang="en-US" smtClean="0"/>
-              <a:t>10/28/15</a:t>
+              <a:t>1/25/21</a:t>
             </a:fld>
             <a:endParaRPr lang="en-US" dirty="0"/>
           </a:p>
@@ -1698,7 +2282,7 @@
           <a:lstStyle/>
           <a:p>
             <a:r>
-              <a:rPr lang="en-US" smtClean="0"/>
+              <a:rPr lang="en-US"/>
               <a:t>Footer Text</a:t>
             </a:r>
             <a:endParaRPr lang="en-US" dirty="0"/>
@@ -1791,7 +2375,7 @@
           </a:lstStyle>
           <a:p>
             <a:r>
-              <a:rPr lang="de-DE" smtClean="0"/>
+              <a:rPr lang="de-DE"/>
               <a:t>Click to edit Master title style</a:t>
             </a:r>
             <a:endParaRPr lang="en-US" dirty="0"/>
@@ -1840,7 +2424,7 @@
               <a:buNone/>
             </a:pPr>
             <a:r>
-              <a:rPr lang="de-DE" smtClean="0"/>
+              <a:rPr lang="de-DE"/>
               <a:t>Click to edit Master text styles</a:t>
             </a:r>
           </a:p>
@@ -1961,7 +2545,7 @@
           <a:p>
             <a:pPr lvl="0"/>
             <a:r>
-              <a:rPr lang="de-DE" smtClean="0"/>
+              <a:rPr lang="de-DE"/>
               <a:t>Click to edit Master text styles</a:t>
             </a:r>
           </a:p>
@@ -1984,7 +2568,7 @@
           <a:p>
             <a:fld id="{B0C4986D-6BE9-4264-908F-02DB36FD8D6C}" type="datetime1">
               <a:rPr lang="en-US" smtClean="0"/>
-              <a:t>10/28/15</a:t>
+              <a:t>1/25/21</a:t>
             </a:fld>
             <a:endParaRPr lang="en-US" dirty="0"/>
           </a:p>
@@ -2006,7 +2590,7 @@
           <a:lstStyle/>
           <a:p>
             <a:r>
-              <a:rPr lang="en-US" smtClean="0"/>
+              <a:rPr lang="en-US"/>
               <a:t>Footer Text</a:t>
             </a:r>
             <a:endParaRPr lang="en-US" dirty="0"/>
@@ -2164,7 +2748,7 @@
           <a:p>
             <a:pPr marL="0" lvl="0"/>
             <a:r>
-              <a:rPr lang="de-DE" smtClean="0"/>
+              <a:rPr lang="de-DE"/>
               <a:t>Click to edit Master title style</a:t>
             </a:r>
             <a:endParaRPr lang="en-US" dirty="0"/>
@@ -2213,7 +2797,7 @@
               <a:buNone/>
             </a:pPr>
             <a:r>
-              <a:rPr lang="de-DE" smtClean="0"/>
+              <a:rPr lang="de-DE"/>
               <a:t>Click to edit Master text styles</a:t>
             </a:r>
           </a:p>
@@ -2334,7 +2918,7 @@
           <a:p>
             <a:pPr lvl="0"/>
             <a:r>
-              <a:rPr lang="de-DE" smtClean="0"/>
+              <a:rPr lang="de-DE"/>
               <a:t>Click to edit Master text styles</a:t>
             </a:r>
           </a:p>
@@ -2357,7 +2941,7 @@
           <a:p>
             <a:fld id="{B0C4986D-6BE9-4264-908F-02DB36FD8D6C}" type="datetime1">
               <a:rPr lang="en-US" smtClean="0"/>
-              <a:t>10/28/15</a:t>
+              <a:t>1/25/21</a:t>
             </a:fld>
             <a:endParaRPr lang="en-US" dirty="0"/>
           </a:p>
@@ -2379,7 +2963,7 @@
           <a:lstStyle/>
           <a:p>
             <a:r>
-              <a:rPr lang="en-US" smtClean="0"/>
+              <a:rPr lang="en-US"/>
               <a:t>Footer Text</a:t>
             </a:r>
             <a:endParaRPr lang="en-US" dirty="0"/>
@@ -2468,7 +3052,7 @@
           </a:lstStyle>
           <a:p>
             <a:r>
-              <a:rPr lang="de-DE" smtClean="0"/>
+              <a:rPr lang="de-DE"/>
               <a:t>Click to edit Master title style</a:t>
             </a:r>
             <a:endParaRPr lang="en-US" dirty="0"/>
@@ -2497,35 +3081,35 @@
           <a:p>
             <a:pPr lvl="0"/>
             <a:r>
-              <a:rPr lang="de-DE" smtClean="0"/>
+              <a:rPr lang="de-DE"/>
               <a:t>Click to edit Master text styles</a:t>
             </a:r>
           </a:p>
           <a:p>
             <a:pPr lvl="1"/>
             <a:r>
-              <a:rPr lang="de-DE" smtClean="0"/>
+              <a:rPr lang="de-DE"/>
               <a:t>Second level</a:t>
             </a:r>
           </a:p>
           <a:p>
             <a:pPr lvl="2"/>
             <a:r>
-              <a:rPr lang="de-DE" smtClean="0"/>
+              <a:rPr lang="de-DE"/>
               <a:t>Third level</a:t>
             </a:r>
           </a:p>
           <a:p>
             <a:pPr lvl="3"/>
             <a:r>
-              <a:rPr lang="de-DE" smtClean="0"/>
+              <a:rPr lang="de-DE"/>
               <a:t>Fourth level</a:t>
             </a:r>
           </a:p>
           <a:p>
             <a:pPr lvl="4"/>
             <a:r>
-              <a:rPr lang="de-DE" smtClean="0"/>
+              <a:rPr lang="de-DE"/>
               <a:t>Fifth level</a:t>
             </a:r>
             <a:endParaRPr lang="en-US" dirty="0"/>
@@ -2549,7 +3133,7 @@
           <a:p>
             <a:fld id="{EA051B39-B140-43FE-96DB-472A2B59CE7C}" type="datetime1">
               <a:rPr lang="en-US" smtClean="0"/>
-              <a:t>10/28/15</a:t>
+              <a:t>1/25/21</a:t>
             </a:fld>
             <a:endParaRPr lang="en-US"/>
           </a:p>
@@ -2571,10 +3155,9 @@
           <a:lstStyle/>
           <a:p>
             <a:r>
-              <a:rPr lang="en-US" smtClean="0"/>
+              <a:rPr lang="en-US"/>
               <a:t>Footer Text</a:t>
             </a:r>
-            <a:endParaRPr lang="en-US"/>
           </a:p>
         </p:txBody>
       </p:sp>
@@ -2659,7 +3242,7 @@
           </a:lstStyle>
           <a:p>
             <a:r>
-              <a:rPr lang="de-DE" smtClean="0"/>
+              <a:rPr lang="de-DE"/>
               <a:t>Click to edit Master title style</a:t>
             </a:r>
             <a:endParaRPr lang="en-US" dirty="0"/>
@@ -2688,35 +3271,35 @@
           <a:p>
             <a:pPr lvl="0"/>
             <a:r>
-              <a:rPr lang="de-DE" smtClean="0"/>
+              <a:rPr lang="de-DE"/>
               <a:t>Click to edit Master text styles</a:t>
             </a:r>
           </a:p>
           <a:p>
             <a:pPr lvl="1"/>
             <a:r>
-              <a:rPr lang="de-DE" smtClean="0"/>
+              <a:rPr lang="de-DE"/>
               <a:t>Second level</a:t>
             </a:r>
           </a:p>
           <a:p>
             <a:pPr lvl="2"/>
             <a:r>
-              <a:rPr lang="de-DE" smtClean="0"/>
+              <a:rPr lang="de-DE"/>
               <a:t>Third level</a:t>
             </a:r>
           </a:p>
           <a:p>
             <a:pPr lvl="3"/>
             <a:r>
-              <a:rPr lang="de-DE" smtClean="0"/>
+              <a:rPr lang="de-DE"/>
               <a:t>Fourth level</a:t>
             </a:r>
           </a:p>
           <a:p>
             <a:pPr lvl="4"/>
             <a:r>
-              <a:rPr lang="de-DE" smtClean="0"/>
+              <a:rPr lang="de-DE"/>
               <a:t>Fifth level</a:t>
             </a:r>
             <a:endParaRPr lang="en-US" dirty="0"/>
@@ -2740,7 +3323,7 @@
           <a:p>
             <a:fld id="{DA600BB2-27C5-458B-ABCE-839C88CF47CE}" type="datetime1">
               <a:rPr lang="en-US" smtClean="0"/>
-              <a:t>10/28/15</a:t>
+              <a:t>1/25/21</a:t>
             </a:fld>
             <a:endParaRPr lang="en-US"/>
           </a:p>
@@ -2762,10 +3345,9 @@
           <a:lstStyle/>
           <a:p>
             <a:r>
-              <a:rPr lang="en-US" smtClean="0"/>
+              <a:rPr lang="en-US"/>
               <a:t>Footer Text</a:t>
             </a:r>
-            <a:endParaRPr lang="en-US"/>
           </a:p>
         </p:txBody>
       </p:sp>
@@ -2844,7 +3426,7 @@
           <a:lstStyle/>
           <a:p>
             <a:r>
-              <a:rPr lang="de-DE" smtClean="0"/>
+              <a:rPr lang="de-DE"/>
               <a:t>Click to edit Master title style</a:t>
             </a:r>
             <a:endParaRPr lang="en-US" dirty="0"/>
@@ -2873,35 +3455,35 @@
           <a:p>
             <a:pPr lvl="0"/>
             <a:r>
-              <a:rPr lang="de-DE" smtClean="0"/>
+              <a:rPr lang="de-DE"/>
               <a:t>Click to edit Master text styles</a:t>
             </a:r>
           </a:p>
           <a:p>
             <a:pPr lvl="1"/>
             <a:r>
-              <a:rPr lang="de-DE" smtClean="0"/>
+              <a:rPr lang="de-DE"/>
               <a:t>Second level</a:t>
             </a:r>
           </a:p>
           <a:p>
             <a:pPr lvl="2"/>
             <a:r>
-              <a:rPr lang="de-DE" smtClean="0"/>
+              <a:rPr lang="de-DE"/>
               <a:t>Third level</a:t>
             </a:r>
           </a:p>
           <a:p>
             <a:pPr lvl="3"/>
             <a:r>
-              <a:rPr lang="de-DE" smtClean="0"/>
+              <a:rPr lang="de-DE"/>
               <a:t>Fourth level</a:t>
             </a:r>
           </a:p>
           <a:p>
             <a:pPr lvl="4"/>
             <a:r>
-              <a:rPr lang="de-DE" smtClean="0"/>
+              <a:rPr lang="de-DE"/>
               <a:t>Fifth level</a:t>
             </a:r>
             <a:endParaRPr lang="en-US" dirty="0"/>
@@ -2925,7 +3507,7 @@
           <a:p>
             <a:fld id="{B11D738E-8962-435F-8C43-147B8DD7E819}" type="datetime1">
               <a:rPr lang="en-US" smtClean="0"/>
-              <a:t>10/28/15</a:t>
+              <a:t>1/25/21</a:t>
             </a:fld>
             <a:endParaRPr lang="en-US"/>
           </a:p>
@@ -2947,10 +3529,9 @@
           <a:lstStyle/>
           <a:p>
             <a:r>
-              <a:rPr lang="en-US" smtClean="0"/>
+              <a:rPr lang="en-US"/>
               <a:t>Footer Text</a:t>
             </a:r>
-            <a:endParaRPr lang="en-US"/>
           </a:p>
         </p:txBody>
       </p:sp>
@@ -3035,7 +3616,7 @@
           </a:lstStyle>
           <a:p>
             <a:r>
-              <a:rPr lang="de-DE" smtClean="0"/>
+              <a:rPr lang="de-DE"/>
               <a:t>Click to edit Master title style</a:t>
             </a:r>
             <a:endParaRPr lang="en-US" dirty="0"/>
@@ -3157,7 +3738,7 @@
           <a:p>
             <a:pPr lvl="0"/>
             <a:r>
-              <a:rPr lang="de-DE" smtClean="0"/>
+              <a:rPr lang="de-DE"/>
               <a:t>Click to edit Master text styles</a:t>
             </a:r>
           </a:p>
@@ -3181,7 +3762,7 @@
             <a:fld id="{7B8AEBBE-F8B2-42CF-9895-E86A608384EB}" type="datetime1">
               <a:rPr lang="en-US" smtClean="0"/>
               <a:pPr/>
-              <a:t>10/28/15</a:t>
+              <a:t>1/25/21</a:t>
             </a:fld>
             <a:endParaRPr lang="en-US"/>
           </a:p>
@@ -3287,7 +3868,7 @@
           </a:lstStyle>
           <a:p>
             <a:r>
-              <a:rPr lang="de-DE" smtClean="0"/>
+              <a:rPr lang="de-DE"/>
               <a:t>Click to edit Master title style</a:t>
             </a:r>
             <a:endParaRPr lang="en-US" dirty="0"/>
@@ -3318,35 +3899,35 @@
           <a:p>
             <a:pPr lvl="0"/>
             <a:r>
-              <a:rPr lang="de-DE" smtClean="0"/>
+              <a:rPr lang="de-DE"/>
               <a:t>Click to edit Master text styles</a:t>
             </a:r>
           </a:p>
           <a:p>
             <a:pPr lvl="1"/>
             <a:r>
-              <a:rPr lang="de-DE" smtClean="0"/>
+              <a:rPr lang="de-DE"/>
               <a:t>Second level</a:t>
             </a:r>
           </a:p>
           <a:p>
             <a:pPr lvl="2"/>
             <a:r>
-              <a:rPr lang="de-DE" smtClean="0"/>
+              <a:rPr lang="de-DE"/>
               <a:t>Third level</a:t>
             </a:r>
           </a:p>
           <a:p>
             <a:pPr lvl="3"/>
             <a:r>
-              <a:rPr lang="de-DE" smtClean="0"/>
+              <a:rPr lang="de-DE"/>
               <a:t>Fourth level</a:t>
             </a:r>
           </a:p>
           <a:p>
             <a:pPr lvl="4"/>
             <a:r>
-              <a:rPr lang="de-DE" smtClean="0"/>
+              <a:rPr lang="de-DE"/>
               <a:t>Fifth level</a:t>
             </a:r>
             <a:endParaRPr lang="en-US" dirty="0"/>
@@ -3377,35 +3958,35 @@
           <a:p>
             <a:pPr lvl="0"/>
             <a:r>
-              <a:rPr lang="de-DE" smtClean="0"/>
+              <a:rPr lang="de-DE"/>
               <a:t>Click to edit Master text styles</a:t>
             </a:r>
           </a:p>
           <a:p>
             <a:pPr lvl="1"/>
             <a:r>
-              <a:rPr lang="de-DE" smtClean="0"/>
+              <a:rPr lang="de-DE"/>
               <a:t>Second level</a:t>
             </a:r>
           </a:p>
           <a:p>
             <a:pPr lvl="2"/>
             <a:r>
-              <a:rPr lang="de-DE" smtClean="0"/>
+              <a:rPr lang="de-DE"/>
               <a:t>Third level</a:t>
             </a:r>
           </a:p>
           <a:p>
             <a:pPr lvl="3"/>
             <a:r>
-              <a:rPr lang="de-DE" smtClean="0"/>
+              <a:rPr lang="de-DE"/>
               <a:t>Fourth level</a:t>
             </a:r>
           </a:p>
           <a:p>
             <a:pPr lvl="4"/>
             <a:r>
-              <a:rPr lang="de-DE" smtClean="0"/>
+              <a:rPr lang="de-DE"/>
               <a:t>Fifth level</a:t>
             </a:r>
             <a:endParaRPr lang="en-US" dirty="0"/>
@@ -3429,7 +4010,7 @@
           <a:p>
             <a:fld id="{E34CF3C7-6809-4F39-BD67-A75817BDDE0A}" type="datetime1">
               <a:rPr lang="en-US" smtClean="0"/>
-              <a:t>10/28/15</a:t>
+              <a:t>1/25/21</a:t>
             </a:fld>
             <a:endParaRPr lang="en-US"/>
           </a:p>
@@ -3451,10 +4032,9 @@
           <a:lstStyle/>
           <a:p>
             <a:r>
-              <a:rPr lang="en-US" smtClean="0"/>
+              <a:rPr lang="en-US"/>
               <a:t>Footer Text</a:t>
             </a:r>
-            <a:endParaRPr lang="en-US"/>
           </a:p>
         </p:txBody>
       </p:sp>
@@ -3539,7 +4119,7 @@
           </a:lstStyle>
           <a:p>
             <a:r>
-              <a:rPr lang="de-DE" smtClean="0"/>
+              <a:rPr lang="de-DE"/>
               <a:t>Click to edit Master title style</a:t>
             </a:r>
             <a:endParaRPr lang="en-US" dirty="0"/>
@@ -3611,7 +4191,7 @@
           <a:p>
             <a:pPr lvl="0"/>
             <a:r>
-              <a:rPr lang="de-DE" smtClean="0"/>
+              <a:rPr lang="de-DE"/>
               <a:t>Click to edit Master text styles</a:t>
             </a:r>
           </a:p>
@@ -3641,35 +4221,35 @@
           <a:p>
             <a:pPr lvl="0"/>
             <a:r>
-              <a:rPr lang="de-DE" smtClean="0"/>
+              <a:rPr lang="de-DE"/>
               <a:t>Click to edit Master text styles</a:t>
             </a:r>
           </a:p>
           <a:p>
             <a:pPr lvl="1"/>
             <a:r>
-              <a:rPr lang="de-DE" smtClean="0"/>
+              <a:rPr lang="de-DE"/>
               <a:t>Second level</a:t>
             </a:r>
           </a:p>
           <a:p>
             <a:pPr lvl="2"/>
             <a:r>
-              <a:rPr lang="de-DE" smtClean="0"/>
+              <a:rPr lang="de-DE"/>
               <a:t>Third level</a:t>
             </a:r>
           </a:p>
           <a:p>
             <a:pPr lvl="3"/>
             <a:r>
-              <a:rPr lang="de-DE" smtClean="0"/>
+              <a:rPr lang="de-DE"/>
               <a:t>Fourth level</a:t>
             </a:r>
           </a:p>
           <a:p>
             <a:pPr lvl="4"/>
             <a:r>
-              <a:rPr lang="de-DE" smtClean="0"/>
+              <a:rPr lang="de-DE"/>
               <a:t>Fifth level</a:t>
             </a:r>
             <a:endParaRPr lang="en-US" dirty="0"/>
@@ -3741,7 +4321,7 @@
           <a:p>
             <a:pPr lvl="0"/>
             <a:r>
-              <a:rPr lang="de-DE" smtClean="0"/>
+              <a:rPr lang="de-DE"/>
               <a:t>Click to edit Master text styles</a:t>
             </a:r>
           </a:p>
@@ -3771,35 +4351,35 @@
           <a:p>
             <a:pPr lvl="0"/>
             <a:r>
-              <a:rPr lang="de-DE" smtClean="0"/>
+              <a:rPr lang="de-DE"/>
               <a:t>Click to edit Master text styles</a:t>
             </a:r>
           </a:p>
           <a:p>
             <a:pPr lvl="1"/>
             <a:r>
-              <a:rPr lang="de-DE" smtClean="0"/>
+              <a:rPr lang="de-DE"/>
               <a:t>Second level</a:t>
             </a:r>
           </a:p>
           <a:p>
             <a:pPr lvl="2"/>
             <a:r>
-              <a:rPr lang="de-DE" smtClean="0"/>
+              <a:rPr lang="de-DE"/>
               <a:t>Third level</a:t>
             </a:r>
           </a:p>
           <a:p>
             <a:pPr lvl="3"/>
             <a:r>
-              <a:rPr lang="de-DE" smtClean="0"/>
+              <a:rPr lang="de-DE"/>
               <a:t>Fourth level</a:t>
             </a:r>
           </a:p>
           <a:p>
             <a:pPr lvl="4"/>
             <a:r>
-              <a:rPr lang="de-DE" smtClean="0"/>
+              <a:rPr lang="de-DE"/>
               <a:t>Fifth level</a:t>
             </a:r>
             <a:endParaRPr lang="en-US" dirty="0"/>
@@ -3823,7 +4403,7 @@
           <a:p>
             <a:fld id="{F7EAEB24-CE78-465C-A726-91D0868FA48F}" type="datetime1">
               <a:rPr lang="en-US" smtClean="0"/>
-              <a:t>10/28/15</a:t>
+              <a:t>1/25/21</a:t>
             </a:fld>
             <a:endParaRPr lang="en-US"/>
           </a:p>
@@ -3845,10 +4425,9 @@
           <a:lstStyle/>
           <a:p>
             <a:r>
-              <a:rPr lang="en-US" smtClean="0"/>
+              <a:rPr lang="en-US"/>
               <a:t>Footer Text</a:t>
             </a:r>
-            <a:endParaRPr lang="en-US"/>
           </a:p>
         </p:txBody>
       </p:sp>
@@ -3933,7 +4512,7 @@
           </a:lstStyle>
           <a:p>
             <a:r>
-              <a:rPr lang="de-DE" smtClean="0"/>
+              <a:rPr lang="de-DE"/>
               <a:t>Click to edit Master title style</a:t>
             </a:r>
             <a:endParaRPr lang="en-US" dirty="0"/>
@@ -3957,7 +4536,7 @@
           <a:p>
             <a:fld id="{40BAADF0-1749-4E8B-9691-B44A5F8C0895}" type="datetime1">
               <a:rPr lang="en-US" smtClean="0"/>
-              <a:t>10/28/15</a:t>
+              <a:t>1/25/21</a:t>
             </a:fld>
             <a:endParaRPr lang="en-US"/>
           </a:p>
@@ -3979,10 +4558,9 @@
           <a:lstStyle/>
           <a:p>
             <a:r>
-              <a:rPr lang="en-US" smtClean="0"/>
+              <a:rPr lang="en-US"/>
               <a:t>Footer Text</a:t>
             </a:r>
-            <a:endParaRPr lang="en-US"/>
           </a:p>
         </p:txBody>
       </p:sp>
@@ -4057,7 +4635,7 @@
           <a:p>
             <a:fld id="{A8AF628A-A867-4937-BBE5-207DB6F9C51A}" type="datetime1">
               <a:rPr lang="en-US" smtClean="0"/>
-              <a:t>10/28/15</a:t>
+              <a:t>1/25/21</a:t>
             </a:fld>
             <a:endParaRPr lang="en-US"/>
           </a:p>
@@ -4079,10 +4657,9 @@
           <a:lstStyle/>
           <a:p>
             <a:r>
-              <a:rPr lang="en-US" smtClean="0"/>
+              <a:rPr lang="en-US"/>
               <a:t>Footer Text</a:t>
             </a:r>
-            <a:endParaRPr lang="en-US"/>
           </a:p>
         </p:txBody>
       </p:sp>
@@ -4167,7 +4744,7 @@
           </a:lstStyle>
           <a:p>
             <a:r>
-              <a:rPr lang="de-DE" smtClean="0"/>
+              <a:rPr lang="de-DE"/>
               <a:t>Click to edit Master title style</a:t>
             </a:r>
             <a:endParaRPr lang="en-US" dirty="0"/>
@@ -4198,35 +4775,35 @@
           <a:p>
             <a:pPr lvl="0"/>
             <a:r>
-              <a:rPr lang="de-DE" smtClean="0"/>
+              <a:rPr lang="de-DE"/>
               <a:t>Click to edit Master text styles</a:t>
             </a:r>
           </a:p>
           <a:p>
             <a:pPr lvl="1"/>
             <a:r>
-              <a:rPr lang="de-DE" smtClean="0"/>
+              <a:rPr lang="de-DE"/>
               <a:t>Second level</a:t>
             </a:r>
           </a:p>
           <a:p>
             <a:pPr lvl="2"/>
             <a:r>
-              <a:rPr lang="de-DE" smtClean="0"/>
+              <a:rPr lang="de-DE"/>
               <a:t>Third level</a:t>
             </a:r>
           </a:p>
           <a:p>
             <a:pPr lvl="3"/>
             <a:r>
-              <a:rPr lang="de-DE" smtClean="0"/>
+              <a:rPr lang="de-DE"/>
               <a:t>Fourth level</a:t>
             </a:r>
           </a:p>
           <a:p>
             <a:pPr lvl="4"/>
             <a:r>
-              <a:rPr lang="de-DE" smtClean="0"/>
+              <a:rPr lang="de-DE"/>
               <a:t>Fifth level</a:t>
             </a:r>
             <a:endParaRPr lang="en-US" dirty="0"/>
@@ -4294,7 +4871,7 @@
           <a:p>
             <a:pPr lvl="0"/>
             <a:r>
-              <a:rPr lang="de-DE" smtClean="0"/>
+              <a:rPr lang="de-DE"/>
               <a:t>Click to edit Master text styles</a:t>
             </a:r>
           </a:p>
@@ -4317,7 +4894,7 @@
           <a:p>
             <a:fld id="{118BBB94-68E6-4675-A946-F1C5994EDBD7}" type="datetime1">
               <a:rPr lang="en-US" smtClean="0"/>
-              <a:t>10/28/15</a:t>
+              <a:t>1/25/21</a:t>
             </a:fld>
             <a:endParaRPr lang="en-US"/>
           </a:p>
@@ -4339,10 +4916,9 @@
           <a:lstStyle/>
           <a:p>
             <a:r>
-              <a:rPr lang="en-US" smtClean="0"/>
+              <a:rPr lang="en-US"/>
               <a:t>Footer Text</a:t>
             </a:r>
-            <a:endParaRPr lang="en-US"/>
           </a:p>
         </p:txBody>
       </p:sp>
@@ -4427,7 +5003,7 @@
           </a:lstStyle>
           <a:p>
             <a:r>
-              <a:rPr lang="de-DE" smtClean="0"/>
+              <a:rPr lang="de-DE"/>
               <a:t>Click to edit Master title style</a:t>
             </a:r>
             <a:endParaRPr lang="en-US" dirty="0"/>
@@ -4514,7 +5090,7 @@
           </a:lstStyle>
           <a:p>
             <a:r>
-              <a:rPr lang="de-DE" smtClean="0"/>
+              <a:rPr lang="de-DE"/>
               <a:t>Drag picture to placeholder or click icon to add</a:t>
             </a:r>
             <a:endParaRPr lang="en-US" dirty="0"/>
@@ -4582,7 +5158,7 @@
           <a:p>
             <a:pPr lvl="0"/>
             <a:r>
-              <a:rPr lang="de-DE" smtClean="0"/>
+              <a:rPr lang="de-DE"/>
               <a:t>Click to edit Master text styles</a:t>
             </a:r>
           </a:p>
@@ -4605,7 +5181,7 @@
           <a:p>
             <a:fld id="{DC3B8377-21E3-4835-B75D-4E2847E2750F}" type="datetime1">
               <a:rPr lang="en-US" smtClean="0"/>
-              <a:t>10/28/15</a:t>
+              <a:t>1/25/21</a:t>
             </a:fld>
             <a:endParaRPr lang="en-US"/>
           </a:p>
@@ -4632,10 +5208,9 @@
           <a:lstStyle/>
           <a:p>
             <a:r>
-              <a:rPr lang="en-US" smtClean="0"/>
+              <a:rPr lang="en-US"/>
               <a:t>Footer Text</a:t>
             </a:r>
-            <a:endParaRPr lang="en-US"/>
           </a:p>
         </p:txBody>
       </p:sp>
@@ -4915,7 +5490,7 @@
           <a:lstStyle/>
           <a:p>
             <a:r>
-              <a:rPr lang="de-DE" smtClean="0"/>
+              <a:rPr lang="de-DE"/>
               <a:t>Click to edit Master title style</a:t>
             </a:r>
             <a:endParaRPr lang="en-US" dirty="0"/>
@@ -4949,35 +5524,35 @@
           <a:p>
             <a:pPr lvl="0"/>
             <a:r>
-              <a:rPr lang="de-DE" smtClean="0"/>
+              <a:rPr lang="de-DE"/>
               <a:t>Click to edit Master text styles</a:t>
             </a:r>
           </a:p>
           <a:p>
             <a:pPr lvl="1"/>
             <a:r>
-              <a:rPr lang="de-DE" smtClean="0"/>
+              <a:rPr lang="de-DE"/>
               <a:t>Second level</a:t>
             </a:r>
           </a:p>
           <a:p>
             <a:pPr lvl="2"/>
             <a:r>
-              <a:rPr lang="de-DE" smtClean="0"/>
+              <a:rPr lang="de-DE"/>
               <a:t>Third level</a:t>
             </a:r>
           </a:p>
           <a:p>
             <a:pPr lvl="3"/>
             <a:r>
-              <a:rPr lang="de-DE" smtClean="0"/>
+              <a:rPr lang="de-DE"/>
               <a:t>Fourth level</a:t>
             </a:r>
           </a:p>
           <a:p>
             <a:pPr lvl="4"/>
             <a:r>
-              <a:rPr lang="de-DE" smtClean="0"/>
+              <a:rPr lang="de-DE"/>
               <a:t>Fifth level</a:t>
             </a:r>
             <a:endParaRPr lang="en-US" dirty="0"/>
@@ -5021,7 +5596,7 @@
           <a:p>
             <a:fld id="{B0C4986D-6BE9-4264-908F-02DB36FD8D6C}" type="datetime1">
               <a:rPr lang="en-US" smtClean="0"/>
-              <a:t>10/28/15</a:t>
+              <a:t>1/25/21</a:t>
             </a:fld>
             <a:endParaRPr lang="en-US" dirty="0"/>
           </a:p>
@@ -5063,7 +5638,7 @@
           </a:lstStyle>
           <a:p>
             <a:r>
-              <a:rPr lang="en-US" smtClean="0"/>
+              <a:rPr lang="en-US"/>
               <a:t>Footer Text</a:t>
             </a:r>
             <a:endParaRPr lang="en-US" dirty="0"/>
@@ -5578,10 +6153,9 @@
           <a:lstStyle/>
           <a:p>
             <a:r>
-              <a:rPr lang="en-US" dirty="0" smtClean="0"/>
+              <a:rPr lang="en-US" dirty="0"/>
               <a:t>Python</a:t>
             </a:r>
-            <a:endParaRPr lang="en-US" dirty="0"/>
           </a:p>
         </p:txBody>
       </p:sp>
@@ -5603,16 +6177,15 @@
           <a:lstStyle/>
           <a:p>
             <a:r>
-              <a:rPr lang="en-US" dirty="0" smtClean="0"/>
+              <a:rPr lang="en-US" dirty="0"/>
               <a:t>Session 1</a:t>
             </a:r>
           </a:p>
           <a:p>
             <a:r>
-              <a:rPr lang="en-US" dirty="0" smtClean="0"/>
+              <a:rPr lang="en-US" dirty="0"/>
               <a:t>Values and Variables</a:t>
             </a:r>
-            <a:endParaRPr lang="en-US" dirty="0"/>
           </a:p>
         </p:txBody>
       </p:sp>
@@ -5626,21 +6199,6 @@
   <p:clrMapOvr>
     <a:masterClrMapping/>
   </p:clrMapOvr>
-  <mc:AlternateContent xmlns:mc="http://schemas.openxmlformats.org/markup-compatibility/2006" xmlns:p14="http://schemas.microsoft.com/office/powerpoint/2010/main">
-    <mc:Choice Requires="p14">
-      <p:transition spd="slow" p14:dur="2000"/>
-    </mc:Choice>
-    <mc:Fallback xmlns="">
-      <p:transition xmlns:p14="http://schemas.microsoft.com/office/powerpoint/2010/main" spd="slow"/>
-    </mc:Fallback>
-  </mc:AlternateContent>
-  <p:timing>
-    <p:tnLst>
-      <p:par>
-        <p:cTn id="1" dur="indefinite" restart="never" nodeType="tmRoot"/>
-      </p:par>
-    </p:tnLst>
-  </p:timing>
 </p:sld>
 </file>
 
@@ -5677,14 +6235,1283 @@
           <a:lstStyle/>
           <a:p>
             <a:r>
-              <a:rPr lang="en-US" dirty="0" err="1" smtClean="0"/>
+              <a:rPr lang="en-US" dirty="0"/>
+              <a:t>Print()</a:t>
+            </a:r>
+          </a:p>
+        </p:txBody>
+      </p:sp>
+      <p:sp>
+        <p:nvSpPr>
+          <p:cNvPr id="3" name="Content Placeholder 2"/>
+          <p:cNvSpPr>
+            <a:spLocks noGrp="1"/>
+          </p:cNvSpPr>
+          <p:nvPr>
+            <p:ph idx="1"/>
+          </p:nvPr>
+        </p:nvSpPr>
+        <p:spPr>
+          <a:xfrm>
+            <a:off x="533400" y="761663"/>
+            <a:ext cx="8229600" cy="1314237"/>
+          </a:xfrm>
+        </p:spPr>
+        <p:txBody>
+          <a:bodyPr>
+            <a:normAutofit/>
+          </a:bodyPr>
+          <a:lstStyle/>
+          <a:p>
+            <a:r>
+              <a:rPr lang="en-US" dirty="0"/>
+              <a:t>In 3.x. print is a function</a:t>
+            </a:r>
+          </a:p>
+          <a:p>
+            <a:endParaRPr lang="en-US" dirty="0"/>
+          </a:p>
+        </p:txBody>
+      </p:sp>
+      <p:sp>
+        <p:nvSpPr>
+          <p:cNvPr id="4" name="TextBox 3"/>
+          <p:cNvSpPr txBox="1"/>
+          <p:nvPr/>
+        </p:nvSpPr>
+        <p:spPr>
+          <a:xfrm>
+            <a:off x="1697978" y="2309942"/>
+            <a:ext cx="1819654" cy="1200329"/>
+          </a:xfrm>
+          <a:prstGeom prst="rect">
+            <a:avLst/>
+          </a:prstGeom>
+          <a:noFill/>
+        </p:spPr>
+        <p:txBody>
+          <a:bodyPr wrap="none" rtlCol="0">
+            <a:spAutoFit/>
+          </a:bodyPr>
+          <a:lstStyle/>
+          <a:p>
+            <a:r>
+              <a:rPr lang="en-US" dirty="0"/>
+              <a:t>Try:</a:t>
+            </a:r>
+          </a:p>
+          <a:p>
+            <a:endParaRPr lang="en-US" dirty="0"/>
+          </a:p>
+          <a:p>
+            <a:r>
+              <a:rPr lang="en-US" dirty="0"/>
+              <a:t>&gt;&gt;&gt; x = “Hello”</a:t>
+            </a:r>
+          </a:p>
+          <a:p>
+            <a:r>
+              <a:rPr lang="en-US" dirty="0"/>
+              <a:t>&gt;&gt;&gt; y = “World” </a:t>
+            </a:r>
+          </a:p>
+        </p:txBody>
+      </p:sp>
+      <p:sp>
+        <p:nvSpPr>
+          <p:cNvPr id="5" name="Right Arrow 4"/>
+          <p:cNvSpPr/>
+          <p:nvPr/>
+        </p:nvSpPr>
+        <p:spPr>
+          <a:xfrm>
+            <a:off x="4021629" y="2928404"/>
+            <a:ext cx="1462813" cy="328866"/>
+          </a:xfrm>
+          <a:prstGeom prst="rightArrow">
+            <a:avLst/>
+          </a:prstGeom>
+        </p:spPr>
+        <p:style>
+          <a:lnRef idx="1">
+            <a:schemeClr val="accent1"/>
+          </a:lnRef>
+          <a:fillRef idx="3">
+            <a:schemeClr val="accent1"/>
+          </a:fillRef>
+          <a:effectRef idx="2">
+            <a:schemeClr val="accent1"/>
+          </a:effectRef>
+          <a:fontRef idx="minor">
+            <a:schemeClr val="lt1"/>
+          </a:fontRef>
+        </p:style>
+        <p:txBody>
+          <a:bodyPr rtlCol="0" anchor="ctr"/>
+          <a:lstStyle/>
+          <a:p>
+            <a:pPr algn="ctr"/>
+            <a:endParaRPr lang="en-US"/>
+          </a:p>
+        </p:txBody>
+      </p:sp>
+      <p:sp>
+        <p:nvSpPr>
+          <p:cNvPr id="6" name="TextBox 5"/>
+          <p:cNvSpPr txBox="1"/>
+          <p:nvPr/>
+        </p:nvSpPr>
+        <p:spPr>
+          <a:xfrm>
+            <a:off x="6035178" y="2769671"/>
+            <a:ext cx="1755609" cy="646331"/>
+          </a:xfrm>
+          <a:prstGeom prst="rect">
+            <a:avLst/>
+          </a:prstGeom>
+          <a:noFill/>
+        </p:spPr>
+        <p:txBody>
+          <a:bodyPr wrap="none" rtlCol="0">
+            <a:spAutoFit/>
+          </a:bodyPr>
+          <a:lstStyle/>
+          <a:p>
+            <a:r>
+              <a:rPr lang="en-US" dirty="0"/>
+              <a:t>&gt;&gt;&gt; print (x)</a:t>
+            </a:r>
+          </a:p>
+          <a:p>
+            <a:r>
+              <a:rPr lang="en-US" dirty="0"/>
+              <a:t>&gt;&gt;&gt; print (x, y)</a:t>
+            </a:r>
+          </a:p>
+        </p:txBody>
+      </p:sp>
+    </p:spTree>
+    <p:extLst>
+      <p:ext uri="{BB962C8B-B14F-4D97-AF65-F5344CB8AC3E}">
+        <p14:creationId xmlns:p14="http://schemas.microsoft.com/office/powerpoint/2010/main" val="754215452"/>
+      </p:ext>
+    </p:extLst>
+  </p:cSld>
+  <p:clrMapOvr>
+    <a:masterClrMapping/>
+  </p:clrMapOvr>
+  <p:timing>
+    <p:tnLst>
+      <p:par>
+        <p:cTn id="1" dur="indefinite" restart="never" nodeType="tmRoot">
+          <p:childTnLst>
+            <p:seq concurrent="1" nextAc="seek">
+              <p:cTn id="2" dur="indefinite" nodeType="mainSeq">
+                <p:childTnLst>
+                  <p:par>
+                    <p:cTn id="3" fill="hold">
+                      <p:stCondLst>
+                        <p:cond delay="indefinite"/>
+                      </p:stCondLst>
+                      <p:childTnLst>
+                        <p:par>
+                          <p:cTn id="4" fill="hold">
+                            <p:stCondLst>
+                              <p:cond delay="0"/>
+                            </p:stCondLst>
+                            <p:childTnLst>
+                              <p:par>
+                                <p:cTn id="5" presetID="12" presetClass="entr" presetSubtype="4" fill="hold" grpId="0" nodeType="clickEffect">
+                                  <p:stCondLst>
+                                    <p:cond delay="0"/>
+                                  </p:stCondLst>
+                                  <p:childTnLst>
+                                    <p:set>
+                                      <p:cBhvr>
+                                        <p:cTn id="6" dur="1" fill="hold">
+                                          <p:stCondLst>
+                                            <p:cond delay="0"/>
+                                          </p:stCondLst>
+                                        </p:cTn>
+                                        <p:tgtEl>
+                                          <p:spTgt spid="3">
+                                            <p:txEl>
+                                              <p:pRg st="0" end="0"/>
+                                            </p:txEl>
+                                          </p:spTgt>
+                                        </p:tgtEl>
+                                        <p:attrNameLst>
+                                          <p:attrName>style.visibility</p:attrName>
+                                        </p:attrNameLst>
+                                      </p:cBhvr>
+                                      <p:to>
+                                        <p:strVal val="visible"/>
+                                      </p:to>
+                                    </p:set>
+                                    <p:anim calcmode="lin" valueType="num">
+                                      <p:cBhvr additive="base">
+                                        <p:cTn id="7" dur="500"/>
+                                        <p:tgtEl>
+                                          <p:spTgt spid="3">
+                                            <p:txEl>
+                                              <p:pRg st="0" end="0"/>
+                                            </p:txEl>
+                                          </p:spTgt>
+                                        </p:tgtEl>
+                                        <p:attrNameLst>
+                                          <p:attrName>ppt_y</p:attrName>
+                                        </p:attrNameLst>
+                                      </p:cBhvr>
+                                      <p:tavLst>
+                                        <p:tav tm="0">
+                                          <p:val>
+                                            <p:strVal val="#ppt_y+#ppt_h*1.125000"/>
+                                          </p:val>
+                                        </p:tav>
+                                        <p:tav tm="100000">
+                                          <p:val>
+                                            <p:strVal val="#ppt_y"/>
+                                          </p:val>
+                                        </p:tav>
+                                      </p:tavLst>
+                                    </p:anim>
+                                    <p:animEffect transition="in" filter="wipe(up)">
+                                      <p:cBhvr>
+                                        <p:cTn id="8" dur="500"/>
+                                        <p:tgtEl>
+                                          <p:spTgt spid="3">
+                                            <p:txEl>
+                                              <p:pRg st="0" end="0"/>
+                                            </p:txEl>
+                                          </p:spTgt>
+                                        </p:tgtEl>
+                                      </p:cBhvr>
+                                    </p:animEffect>
+                                  </p:childTnLst>
+                                </p:cTn>
+                              </p:par>
+                            </p:childTnLst>
+                          </p:cTn>
+                        </p:par>
+                      </p:childTnLst>
+                    </p:cTn>
+                  </p:par>
+                  <p:par>
+                    <p:cTn id="9" fill="hold">
+                      <p:stCondLst>
+                        <p:cond delay="indefinite"/>
+                      </p:stCondLst>
+                      <p:childTnLst>
+                        <p:par>
+                          <p:cTn id="10" fill="hold">
+                            <p:stCondLst>
+                              <p:cond delay="0"/>
+                            </p:stCondLst>
+                            <p:childTnLst>
+                              <p:par>
+                                <p:cTn id="11" presetID="2" presetClass="entr" presetSubtype="4" fill="hold" grpId="0" nodeType="clickEffect">
+                                  <p:stCondLst>
+                                    <p:cond delay="0"/>
+                                  </p:stCondLst>
+                                  <p:childTnLst>
+                                    <p:set>
+                                      <p:cBhvr>
+                                        <p:cTn id="12" dur="1" fill="hold">
+                                          <p:stCondLst>
+                                            <p:cond delay="0"/>
+                                          </p:stCondLst>
+                                        </p:cTn>
+                                        <p:tgtEl>
+                                          <p:spTgt spid="4"/>
+                                        </p:tgtEl>
+                                        <p:attrNameLst>
+                                          <p:attrName>style.visibility</p:attrName>
+                                        </p:attrNameLst>
+                                      </p:cBhvr>
+                                      <p:to>
+                                        <p:strVal val="visible"/>
+                                      </p:to>
+                                    </p:set>
+                                    <p:anim calcmode="lin" valueType="num">
+                                      <p:cBhvr additive="base">
+                                        <p:cTn id="13" dur="500" fill="hold"/>
+                                        <p:tgtEl>
+                                          <p:spTgt spid="4"/>
+                                        </p:tgtEl>
+                                        <p:attrNameLst>
+                                          <p:attrName>ppt_x</p:attrName>
+                                        </p:attrNameLst>
+                                      </p:cBhvr>
+                                      <p:tavLst>
+                                        <p:tav tm="0">
+                                          <p:val>
+                                            <p:strVal val="#ppt_x"/>
+                                          </p:val>
+                                        </p:tav>
+                                        <p:tav tm="100000">
+                                          <p:val>
+                                            <p:strVal val="#ppt_x"/>
+                                          </p:val>
+                                        </p:tav>
+                                      </p:tavLst>
+                                    </p:anim>
+                                    <p:anim calcmode="lin" valueType="num">
+                                      <p:cBhvr additive="base">
+                                        <p:cTn id="14" dur="500" fill="hold"/>
+                                        <p:tgtEl>
+                                          <p:spTgt spid="4"/>
+                                        </p:tgtEl>
+                                        <p:attrNameLst>
+                                          <p:attrName>ppt_y</p:attrName>
+                                        </p:attrNameLst>
+                                      </p:cBhvr>
+                                      <p:tavLst>
+                                        <p:tav tm="0">
+                                          <p:val>
+                                            <p:strVal val="1+#ppt_h/2"/>
+                                          </p:val>
+                                        </p:tav>
+                                        <p:tav tm="100000">
+                                          <p:val>
+                                            <p:strVal val="#ppt_y"/>
+                                          </p:val>
+                                        </p:tav>
+                                      </p:tavLst>
+                                    </p:anim>
+                                  </p:childTnLst>
+                                </p:cTn>
+                              </p:par>
+                            </p:childTnLst>
+                          </p:cTn>
+                        </p:par>
+                        <p:par>
+                          <p:cTn id="15" fill="hold">
+                            <p:stCondLst>
+                              <p:cond delay="500"/>
+                            </p:stCondLst>
+                            <p:childTnLst>
+                              <p:par>
+                                <p:cTn id="16" presetID="2" presetClass="entr" presetSubtype="4" fill="hold" grpId="0" nodeType="afterEffect">
+                                  <p:stCondLst>
+                                    <p:cond delay="0"/>
+                                  </p:stCondLst>
+                                  <p:childTnLst>
+                                    <p:set>
+                                      <p:cBhvr>
+                                        <p:cTn id="17" dur="1" fill="hold">
+                                          <p:stCondLst>
+                                            <p:cond delay="0"/>
+                                          </p:stCondLst>
+                                        </p:cTn>
+                                        <p:tgtEl>
+                                          <p:spTgt spid="5">
+                                            <p:bg/>
+                                          </p:spTgt>
+                                        </p:tgtEl>
+                                        <p:attrNameLst>
+                                          <p:attrName>style.visibility</p:attrName>
+                                        </p:attrNameLst>
+                                      </p:cBhvr>
+                                      <p:to>
+                                        <p:strVal val="visible"/>
+                                      </p:to>
+                                    </p:set>
+                                    <p:anim calcmode="lin" valueType="num">
+                                      <p:cBhvr additive="base">
+                                        <p:cTn id="18" dur="500" fill="hold"/>
+                                        <p:tgtEl>
+                                          <p:spTgt spid="5">
+                                            <p:bg/>
+                                          </p:spTgt>
+                                        </p:tgtEl>
+                                        <p:attrNameLst>
+                                          <p:attrName>ppt_x</p:attrName>
+                                        </p:attrNameLst>
+                                      </p:cBhvr>
+                                      <p:tavLst>
+                                        <p:tav tm="0">
+                                          <p:val>
+                                            <p:strVal val="#ppt_x"/>
+                                          </p:val>
+                                        </p:tav>
+                                        <p:tav tm="100000">
+                                          <p:val>
+                                            <p:strVal val="#ppt_x"/>
+                                          </p:val>
+                                        </p:tav>
+                                      </p:tavLst>
+                                    </p:anim>
+                                    <p:anim calcmode="lin" valueType="num">
+                                      <p:cBhvr additive="base">
+                                        <p:cTn id="19" dur="500" fill="hold"/>
+                                        <p:tgtEl>
+                                          <p:spTgt spid="5">
+                                            <p:bg/>
+                                          </p:spTgt>
+                                        </p:tgtEl>
+                                        <p:attrNameLst>
+                                          <p:attrName>ppt_y</p:attrName>
+                                        </p:attrNameLst>
+                                      </p:cBhvr>
+                                      <p:tavLst>
+                                        <p:tav tm="0">
+                                          <p:val>
+                                            <p:strVal val="1+#ppt_h/2"/>
+                                          </p:val>
+                                        </p:tav>
+                                        <p:tav tm="100000">
+                                          <p:val>
+                                            <p:strVal val="#ppt_y"/>
+                                          </p:val>
+                                        </p:tav>
+                                      </p:tavLst>
+                                    </p:anim>
+                                  </p:childTnLst>
+                                </p:cTn>
+                              </p:par>
+                              <p:par>
+                                <p:cTn id="20" presetID="2" presetClass="entr" presetSubtype="4" fill="hold" grpId="0" nodeType="withEffect" nodePh="1">
+                                  <p:stCondLst>
+                                    <p:cond delay="0"/>
+                                  </p:stCondLst>
+                                  <p:endCondLst>
+                                    <p:cond evt="begin" delay="0">
+                                      <p:tn val="20"/>
+                                    </p:cond>
+                                  </p:endCondLst>
+                                  <p:childTnLst>
+                                    <p:set>
+                                      <p:cBhvr>
+                                        <p:cTn id="21" dur="1" fill="hold">
+                                          <p:stCondLst>
+                                            <p:cond delay="0"/>
+                                          </p:stCondLst>
+                                        </p:cTn>
+                                        <p:tgtEl>
+                                          <p:spTgt spid="5">
+                                            <p:txEl>
+                                              <p:pRg st="0" end="0"/>
+                                            </p:txEl>
+                                          </p:spTgt>
+                                        </p:tgtEl>
+                                        <p:attrNameLst>
+                                          <p:attrName>style.visibility</p:attrName>
+                                        </p:attrNameLst>
+                                      </p:cBhvr>
+                                      <p:to>
+                                        <p:strVal val="visible"/>
+                                      </p:to>
+                                    </p:set>
+                                    <p:anim calcmode="lin" valueType="num">
+                                      <p:cBhvr additive="base">
+                                        <p:cTn id="22" dur="500" fill="hold"/>
+                                        <p:tgtEl>
+                                          <p:spTgt spid="5">
+                                            <p:txEl>
+                                              <p:pRg st="0" end="0"/>
+                                            </p:txEl>
+                                          </p:spTgt>
+                                        </p:tgtEl>
+                                        <p:attrNameLst>
+                                          <p:attrName>ppt_x</p:attrName>
+                                        </p:attrNameLst>
+                                      </p:cBhvr>
+                                      <p:tavLst>
+                                        <p:tav tm="0">
+                                          <p:val>
+                                            <p:strVal val="#ppt_x"/>
+                                          </p:val>
+                                        </p:tav>
+                                        <p:tav tm="100000">
+                                          <p:val>
+                                            <p:strVal val="#ppt_x"/>
+                                          </p:val>
+                                        </p:tav>
+                                      </p:tavLst>
+                                    </p:anim>
+                                    <p:anim calcmode="lin" valueType="num">
+                                      <p:cBhvr additive="base">
+                                        <p:cTn id="23" dur="500" fill="hold"/>
+                                        <p:tgtEl>
+                                          <p:spTgt spid="5">
+                                            <p:txEl>
+                                              <p:pRg st="0" end="0"/>
+                                            </p:txEl>
+                                          </p:spTgt>
+                                        </p:tgtEl>
+                                        <p:attrNameLst>
+                                          <p:attrName>ppt_y</p:attrName>
+                                        </p:attrNameLst>
+                                      </p:cBhvr>
+                                      <p:tavLst>
+                                        <p:tav tm="0">
+                                          <p:val>
+                                            <p:strVal val="1+#ppt_h/2"/>
+                                          </p:val>
+                                        </p:tav>
+                                        <p:tav tm="100000">
+                                          <p:val>
+                                            <p:strVal val="#ppt_y"/>
+                                          </p:val>
+                                        </p:tav>
+                                      </p:tavLst>
+                                    </p:anim>
+                                  </p:childTnLst>
+                                </p:cTn>
+                              </p:par>
+                              <p:par>
+                                <p:cTn id="24" presetID="2" presetClass="entr" presetSubtype="4" fill="hold" grpId="0" nodeType="withEffect">
+                                  <p:stCondLst>
+                                    <p:cond delay="0"/>
+                                  </p:stCondLst>
+                                  <p:childTnLst>
+                                    <p:set>
+                                      <p:cBhvr>
+                                        <p:cTn id="25" dur="1" fill="hold">
+                                          <p:stCondLst>
+                                            <p:cond delay="0"/>
+                                          </p:stCondLst>
+                                        </p:cTn>
+                                        <p:tgtEl>
+                                          <p:spTgt spid="6"/>
+                                        </p:tgtEl>
+                                        <p:attrNameLst>
+                                          <p:attrName>style.visibility</p:attrName>
+                                        </p:attrNameLst>
+                                      </p:cBhvr>
+                                      <p:to>
+                                        <p:strVal val="visible"/>
+                                      </p:to>
+                                    </p:set>
+                                    <p:anim calcmode="lin" valueType="num">
+                                      <p:cBhvr additive="base">
+                                        <p:cTn id="26" dur="500" fill="hold"/>
+                                        <p:tgtEl>
+                                          <p:spTgt spid="6"/>
+                                        </p:tgtEl>
+                                        <p:attrNameLst>
+                                          <p:attrName>ppt_x</p:attrName>
+                                        </p:attrNameLst>
+                                      </p:cBhvr>
+                                      <p:tavLst>
+                                        <p:tav tm="0">
+                                          <p:val>
+                                            <p:strVal val="#ppt_x"/>
+                                          </p:val>
+                                        </p:tav>
+                                        <p:tav tm="100000">
+                                          <p:val>
+                                            <p:strVal val="#ppt_x"/>
+                                          </p:val>
+                                        </p:tav>
+                                      </p:tavLst>
+                                    </p:anim>
+                                    <p:anim calcmode="lin" valueType="num">
+                                      <p:cBhvr additive="base">
+                                        <p:cTn id="27" dur="500" fill="hold"/>
+                                        <p:tgtEl>
+                                          <p:spTgt spid="6"/>
+                                        </p:tgtEl>
+                                        <p:attrNameLst>
+                                          <p:attrName>ppt_y</p:attrName>
+                                        </p:attrNameLst>
+                                      </p:cBhvr>
+                                      <p:tavLst>
+                                        <p:tav tm="0">
+                                          <p:val>
+                                            <p:strVal val="1+#ppt_h/2"/>
+                                          </p:val>
+                                        </p:tav>
+                                        <p:tav tm="100000">
+                                          <p:val>
+                                            <p:strVal val="#ppt_y"/>
+                                          </p:val>
+                                        </p:tav>
+                                      </p:tavLst>
+                                    </p:anim>
+                                  </p:childTnLst>
+                                </p:cTn>
+                              </p:par>
+                            </p:childTnLst>
+                          </p:cTn>
+                        </p:par>
+                      </p:childTnLst>
+                    </p:cTn>
+                  </p:par>
+                </p:childTnLst>
+              </p:cTn>
+              <p:prevCondLst>
+                <p:cond evt="onPrev" delay="0">
+                  <p:tgtEl>
+                    <p:sldTgt/>
+                  </p:tgtEl>
+                </p:cond>
+              </p:prevCondLst>
+              <p:nextCondLst>
+                <p:cond evt="onNext" delay="0">
+                  <p:tgtEl>
+                    <p:sldTgt/>
+                  </p:tgtEl>
+                </p:cond>
+              </p:nextCondLst>
+            </p:seq>
+          </p:childTnLst>
+        </p:cTn>
+      </p:par>
+    </p:tnLst>
+    <p:bldLst>
+      <p:bldP spid="3" grpId="0" build="allAtOnce" bldLvl="2"/>
+      <p:bldP spid="4" grpId="0"/>
+      <p:bldP spid="5" grpId="0" build="allAtOnce" bldLvl="2" animBg="1"/>
+      <p:bldP spid="6" grpId="0"/>
+    </p:bldLst>
+  </p:timing>
+</p:sld>
+</file>
+
+<file path=ppt/slides/slide11.xml><?xml version="1.0" encoding="utf-8"?>
+<p:sld xmlns:a="http://schemas.openxmlformats.org/drawingml/2006/main" xmlns:r="http://schemas.openxmlformats.org/officeDocument/2006/relationships" xmlns:p="http://schemas.openxmlformats.org/presentationml/2006/main">
+  <p:cSld>
+    <p:spTree>
+      <p:nvGrpSpPr>
+        <p:cNvPr id="1" name=""/>
+        <p:cNvGrpSpPr/>
+        <p:nvPr/>
+      </p:nvGrpSpPr>
+      <p:grpSpPr>
+        <a:xfrm>
+          <a:off x="0" y="0"/>
+          <a:ext cx="0" cy="0"/>
+          <a:chOff x="0" y="0"/>
+          <a:chExt cx="0" cy="0"/>
+        </a:xfrm>
+      </p:grpSpPr>
+      <p:sp>
+        <p:nvSpPr>
+          <p:cNvPr id="2" name="Title 1"/>
+          <p:cNvSpPr>
+            <a:spLocks noGrp="1"/>
+          </p:cNvSpPr>
+          <p:nvPr>
+            <p:ph type="title"/>
+          </p:nvPr>
+        </p:nvSpPr>
+        <p:spPr/>
+        <p:txBody>
+          <a:bodyPr/>
+          <a:lstStyle/>
+          <a:p>
+            <a:r>
+              <a:rPr lang="en-US" dirty="0"/>
+              <a:t>Type()</a:t>
+            </a:r>
+          </a:p>
+        </p:txBody>
+      </p:sp>
+      <p:sp>
+        <p:nvSpPr>
+          <p:cNvPr id="3" name="Content Placeholder 2"/>
+          <p:cNvSpPr>
+            <a:spLocks noGrp="1"/>
+          </p:cNvSpPr>
+          <p:nvPr>
+            <p:ph idx="1"/>
+          </p:nvPr>
+        </p:nvSpPr>
+        <p:spPr>
+          <a:xfrm>
+            <a:off x="727038" y="965914"/>
+            <a:ext cx="8229600" cy="871969"/>
+          </a:xfrm>
+        </p:spPr>
+        <p:txBody>
+          <a:bodyPr>
+            <a:normAutofit/>
+          </a:bodyPr>
+          <a:lstStyle/>
+          <a:p>
+            <a:r>
+              <a:rPr lang="en-US" dirty="0"/>
+              <a:t>Displays the </a:t>
+            </a:r>
+            <a:r>
+              <a:rPr lang="en-US" dirty="0" err="1"/>
+              <a:t>datatype</a:t>
+            </a:r>
+            <a:r>
+              <a:rPr lang="en-US" dirty="0"/>
+              <a:t> of a given variable or value</a:t>
+            </a:r>
+          </a:p>
+          <a:p>
+            <a:pPr marL="0" indent="0">
+              <a:buNone/>
+            </a:pPr>
+            <a:endParaRPr lang="en-US" dirty="0"/>
+          </a:p>
+        </p:txBody>
+      </p:sp>
+      <p:sp>
+        <p:nvSpPr>
+          <p:cNvPr id="4" name="TextBox 3"/>
+          <p:cNvSpPr txBox="1"/>
+          <p:nvPr/>
+        </p:nvSpPr>
+        <p:spPr>
+          <a:xfrm>
+            <a:off x="727038" y="2233995"/>
+            <a:ext cx="2491525" cy="1754327"/>
+          </a:xfrm>
+          <a:prstGeom prst="rect">
+            <a:avLst/>
+          </a:prstGeom>
+          <a:noFill/>
+        </p:spPr>
+        <p:txBody>
+          <a:bodyPr wrap="none" rtlCol="0">
+            <a:spAutoFit/>
+          </a:bodyPr>
+          <a:lstStyle/>
+          <a:p>
+            <a:r>
+              <a:rPr lang="en-US" dirty="0"/>
+              <a:t>Try:</a:t>
+            </a:r>
+          </a:p>
+          <a:p>
+            <a:endParaRPr lang="en-US" dirty="0"/>
+          </a:p>
+          <a:p>
+            <a:r>
+              <a:rPr lang="en-US" dirty="0"/>
+              <a:t>&gt;&gt;&gt; a = “Hello World!”</a:t>
+            </a:r>
+          </a:p>
+          <a:p>
+            <a:r>
+              <a:rPr lang="en-US" dirty="0"/>
+              <a:t>&gt;&gt;&gt; b = 5</a:t>
+            </a:r>
+          </a:p>
+          <a:p>
+            <a:r>
+              <a:rPr lang="en-US" dirty="0"/>
+              <a:t>&gt;&gt;&gt; c = 2</a:t>
+            </a:r>
+          </a:p>
+          <a:p>
+            <a:r>
+              <a:rPr lang="en-US" dirty="0"/>
+              <a:t>&gt;&gt;&gt; d = 3.0 </a:t>
+            </a:r>
+          </a:p>
+        </p:txBody>
+      </p:sp>
+      <p:sp>
+        <p:nvSpPr>
+          <p:cNvPr id="5" name="Right Arrow 4"/>
+          <p:cNvSpPr/>
+          <p:nvPr/>
+        </p:nvSpPr>
+        <p:spPr>
+          <a:xfrm>
+            <a:off x="3720979" y="3032158"/>
+            <a:ext cx="1462813" cy="328866"/>
+          </a:xfrm>
+          <a:prstGeom prst="rightArrow">
+            <a:avLst/>
+          </a:prstGeom>
+        </p:spPr>
+        <p:style>
+          <a:lnRef idx="1">
+            <a:schemeClr val="accent1"/>
+          </a:lnRef>
+          <a:fillRef idx="3">
+            <a:schemeClr val="accent1"/>
+          </a:fillRef>
+          <a:effectRef idx="2">
+            <a:schemeClr val="accent1"/>
+          </a:effectRef>
+          <a:fontRef idx="minor">
+            <a:schemeClr val="lt1"/>
+          </a:fontRef>
+        </p:style>
+        <p:txBody>
+          <a:bodyPr rtlCol="0" anchor="ctr"/>
+          <a:lstStyle/>
+          <a:p>
+            <a:pPr algn="ctr"/>
+            <a:endParaRPr lang="en-US"/>
+          </a:p>
+        </p:txBody>
+      </p:sp>
+      <p:sp>
+        <p:nvSpPr>
+          <p:cNvPr id="6" name="TextBox 5"/>
+          <p:cNvSpPr txBox="1"/>
+          <p:nvPr/>
+        </p:nvSpPr>
+        <p:spPr>
+          <a:xfrm>
+            <a:off x="5686208" y="2622360"/>
+            <a:ext cx="1595697" cy="1477328"/>
+          </a:xfrm>
+          <a:prstGeom prst="rect">
+            <a:avLst/>
+          </a:prstGeom>
+          <a:noFill/>
+        </p:spPr>
+        <p:txBody>
+          <a:bodyPr wrap="none" rtlCol="0">
+            <a:spAutoFit/>
+          </a:bodyPr>
+          <a:lstStyle/>
+          <a:p>
+            <a:r>
+              <a:rPr lang="en-US" dirty="0"/>
+              <a:t>&gt;&gt;&gt; type (a)</a:t>
+            </a:r>
+          </a:p>
+          <a:p>
+            <a:r>
+              <a:rPr lang="en-US" dirty="0"/>
+              <a:t>&gt;&gt;&gt; type (b)</a:t>
+            </a:r>
+          </a:p>
+          <a:p>
+            <a:r>
+              <a:rPr lang="en-US" dirty="0"/>
+              <a:t>&gt;&gt;&gt; type (d)</a:t>
+            </a:r>
+          </a:p>
+          <a:p>
+            <a:r>
+              <a:rPr lang="en-US" dirty="0"/>
+              <a:t>&gt;&gt;&gt; type (b/c)</a:t>
+            </a:r>
+          </a:p>
+          <a:p>
+            <a:r>
+              <a:rPr lang="en-US" dirty="0"/>
+              <a:t>&gt;&gt;&gt; type (b/d)</a:t>
+            </a:r>
+          </a:p>
+        </p:txBody>
+      </p:sp>
+    </p:spTree>
+    <p:extLst>
+      <p:ext uri="{BB962C8B-B14F-4D97-AF65-F5344CB8AC3E}">
+        <p14:creationId xmlns:p14="http://schemas.microsoft.com/office/powerpoint/2010/main" val="4113767863"/>
+      </p:ext>
+    </p:extLst>
+  </p:cSld>
+  <p:clrMapOvr>
+    <a:masterClrMapping/>
+  </p:clrMapOvr>
+  <p:timing>
+    <p:tnLst>
+      <p:par>
+        <p:cTn id="1" dur="indefinite" restart="never" nodeType="tmRoot">
+          <p:childTnLst>
+            <p:seq concurrent="1" nextAc="seek">
+              <p:cTn id="2" dur="indefinite" nodeType="mainSeq">
+                <p:childTnLst>
+                  <p:par>
+                    <p:cTn id="3" fill="hold">
+                      <p:stCondLst>
+                        <p:cond delay="indefinite"/>
+                      </p:stCondLst>
+                      <p:childTnLst>
+                        <p:par>
+                          <p:cTn id="4" fill="hold">
+                            <p:stCondLst>
+                              <p:cond delay="0"/>
+                            </p:stCondLst>
+                            <p:childTnLst>
+                              <p:par>
+                                <p:cTn id="5" presetID="12" presetClass="entr" presetSubtype="4" fill="hold" grpId="0" nodeType="clickEffect">
+                                  <p:stCondLst>
+                                    <p:cond delay="0"/>
+                                  </p:stCondLst>
+                                  <p:childTnLst>
+                                    <p:set>
+                                      <p:cBhvr>
+                                        <p:cTn id="6" dur="1" fill="hold">
+                                          <p:stCondLst>
+                                            <p:cond delay="0"/>
+                                          </p:stCondLst>
+                                        </p:cTn>
+                                        <p:tgtEl>
+                                          <p:spTgt spid="3">
+                                            <p:txEl>
+                                              <p:pRg st="0" end="0"/>
+                                            </p:txEl>
+                                          </p:spTgt>
+                                        </p:tgtEl>
+                                        <p:attrNameLst>
+                                          <p:attrName>style.visibility</p:attrName>
+                                        </p:attrNameLst>
+                                      </p:cBhvr>
+                                      <p:to>
+                                        <p:strVal val="visible"/>
+                                      </p:to>
+                                    </p:set>
+                                    <p:anim calcmode="lin" valueType="num">
+                                      <p:cBhvr additive="base">
+                                        <p:cTn id="7" dur="500"/>
+                                        <p:tgtEl>
+                                          <p:spTgt spid="3">
+                                            <p:txEl>
+                                              <p:pRg st="0" end="0"/>
+                                            </p:txEl>
+                                          </p:spTgt>
+                                        </p:tgtEl>
+                                        <p:attrNameLst>
+                                          <p:attrName>ppt_y</p:attrName>
+                                        </p:attrNameLst>
+                                      </p:cBhvr>
+                                      <p:tavLst>
+                                        <p:tav tm="0">
+                                          <p:val>
+                                            <p:strVal val="#ppt_y+#ppt_h*1.125000"/>
+                                          </p:val>
+                                        </p:tav>
+                                        <p:tav tm="100000">
+                                          <p:val>
+                                            <p:strVal val="#ppt_y"/>
+                                          </p:val>
+                                        </p:tav>
+                                      </p:tavLst>
+                                    </p:anim>
+                                    <p:animEffect transition="in" filter="wipe(up)">
+                                      <p:cBhvr>
+                                        <p:cTn id="8" dur="500"/>
+                                        <p:tgtEl>
+                                          <p:spTgt spid="3">
+                                            <p:txEl>
+                                              <p:pRg st="0" end="0"/>
+                                            </p:txEl>
+                                          </p:spTgt>
+                                        </p:tgtEl>
+                                      </p:cBhvr>
+                                    </p:animEffect>
+                                  </p:childTnLst>
+                                </p:cTn>
+                              </p:par>
+                            </p:childTnLst>
+                          </p:cTn>
+                        </p:par>
+                      </p:childTnLst>
+                    </p:cTn>
+                  </p:par>
+                  <p:par>
+                    <p:cTn id="9" fill="hold">
+                      <p:stCondLst>
+                        <p:cond delay="indefinite"/>
+                      </p:stCondLst>
+                      <p:childTnLst>
+                        <p:par>
+                          <p:cTn id="10" fill="hold">
+                            <p:stCondLst>
+                              <p:cond delay="0"/>
+                            </p:stCondLst>
+                            <p:childTnLst>
+                              <p:par>
+                                <p:cTn id="11" presetID="2" presetClass="entr" presetSubtype="4" fill="hold" grpId="0" nodeType="clickEffect">
+                                  <p:stCondLst>
+                                    <p:cond delay="0"/>
+                                  </p:stCondLst>
+                                  <p:childTnLst>
+                                    <p:set>
+                                      <p:cBhvr>
+                                        <p:cTn id="12" dur="1" fill="hold">
+                                          <p:stCondLst>
+                                            <p:cond delay="0"/>
+                                          </p:stCondLst>
+                                        </p:cTn>
+                                        <p:tgtEl>
+                                          <p:spTgt spid="4"/>
+                                        </p:tgtEl>
+                                        <p:attrNameLst>
+                                          <p:attrName>style.visibility</p:attrName>
+                                        </p:attrNameLst>
+                                      </p:cBhvr>
+                                      <p:to>
+                                        <p:strVal val="visible"/>
+                                      </p:to>
+                                    </p:set>
+                                    <p:anim calcmode="lin" valueType="num">
+                                      <p:cBhvr additive="base">
+                                        <p:cTn id="13" dur="500" fill="hold"/>
+                                        <p:tgtEl>
+                                          <p:spTgt spid="4"/>
+                                        </p:tgtEl>
+                                        <p:attrNameLst>
+                                          <p:attrName>ppt_x</p:attrName>
+                                        </p:attrNameLst>
+                                      </p:cBhvr>
+                                      <p:tavLst>
+                                        <p:tav tm="0">
+                                          <p:val>
+                                            <p:strVal val="#ppt_x"/>
+                                          </p:val>
+                                        </p:tav>
+                                        <p:tav tm="100000">
+                                          <p:val>
+                                            <p:strVal val="#ppt_x"/>
+                                          </p:val>
+                                        </p:tav>
+                                      </p:tavLst>
+                                    </p:anim>
+                                    <p:anim calcmode="lin" valueType="num">
+                                      <p:cBhvr additive="base">
+                                        <p:cTn id="14" dur="500" fill="hold"/>
+                                        <p:tgtEl>
+                                          <p:spTgt spid="4"/>
+                                        </p:tgtEl>
+                                        <p:attrNameLst>
+                                          <p:attrName>ppt_y</p:attrName>
+                                        </p:attrNameLst>
+                                      </p:cBhvr>
+                                      <p:tavLst>
+                                        <p:tav tm="0">
+                                          <p:val>
+                                            <p:strVal val="1+#ppt_h/2"/>
+                                          </p:val>
+                                        </p:tav>
+                                        <p:tav tm="100000">
+                                          <p:val>
+                                            <p:strVal val="#ppt_y"/>
+                                          </p:val>
+                                        </p:tav>
+                                      </p:tavLst>
+                                    </p:anim>
+                                  </p:childTnLst>
+                                </p:cTn>
+                              </p:par>
+                              <p:par>
+                                <p:cTn id="15" presetID="2" presetClass="entr" presetSubtype="4" fill="hold" grpId="0" nodeType="withEffect">
+                                  <p:stCondLst>
+                                    <p:cond delay="0"/>
+                                  </p:stCondLst>
+                                  <p:childTnLst>
+                                    <p:set>
+                                      <p:cBhvr>
+                                        <p:cTn id="16" dur="1" fill="hold">
+                                          <p:stCondLst>
+                                            <p:cond delay="0"/>
+                                          </p:stCondLst>
+                                        </p:cTn>
+                                        <p:tgtEl>
+                                          <p:spTgt spid="5"/>
+                                        </p:tgtEl>
+                                        <p:attrNameLst>
+                                          <p:attrName>style.visibility</p:attrName>
+                                        </p:attrNameLst>
+                                      </p:cBhvr>
+                                      <p:to>
+                                        <p:strVal val="visible"/>
+                                      </p:to>
+                                    </p:set>
+                                    <p:anim calcmode="lin" valueType="num">
+                                      <p:cBhvr additive="base">
+                                        <p:cTn id="17" dur="500" fill="hold"/>
+                                        <p:tgtEl>
+                                          <p:spTgt spid="5"/>
+                                        </p:tgtEl>
+                                        <p:attrNameLst>
+                                          <p:attrName>ppt_x</p:attrName>
+                                        </p:attrNameLst>
+                                      </p:cBhvr>
+                                      <p:tavLst>
+                                        <p:tav tm="0">
+                                          <p:val>
+                                            <p:strVal val="#ppt_x"/>
+                                          </p:val>
+                                        </p:tav>
+                                        <p:tav tm="100000">
+                                          <p:val>
+                                            <p:strVal val="#ppt_x"/>
+                                          </p:val>
+                                        </p:tav>
+                                      </p:tavLst>
+                                    </p:anim>
+                                    <p:anim calcmode="lin" valueType="num">
+                                      <p:cBhvr additive="base">
+                                        <p:cTn id="18" dur="500" fill="hold"/>
+                                        <p:tgtEl>
+                                          <p:spTgt spid="5"/>
+                                        </p:tgtEl>
+                                        <p:attrNameLst>
+                                          <p:attrName>ppt_y</p:attrName>
+                                        </p:attrNameLst>
+                                      </p:cBhvr>
+                                      <p:tavLst>
+                                        <p:tav tm="0">
+                                          <p:val>
+                                            <p:strVal val="1+#ppt_h/2"/>
+                                          </p:val>
+                                        </p:tav>
+                                        <p:tav tm="100000">
+                                          <p:val>
+                                            <p:strVal val="#ppt_y"/>
+                                          </p:val>
+                                        </p:tav>
+                                      </p:tavLst>
+                                    </p:anim>
+                                  </p:childTnLst>
+                                </p:cTn>
+                              </p:par>
+                              <p:par>
+                                <p:cTn id="19" presetID="2" presetClass="entr" presetSubtype="4" fill="hold" grpId="0" nodeType="withEffect">
+                                  <p:stCondLst>
+                                    <p:cond delay="0"/>
+                                  </p:stCondLst>
+                                  <p:childTnLst>
+                                    <p:set>
+                                      <p:cBhvr>
+                                        <p:cTn id="20" dur="1" fill="hold">
+                                          <p:stCondLst>
+                                            <p:cond delay="0"/>
+                                          </p:stCondLst>
+                                        </p:cTn>
+                                        <p:tgtEl>
+                                          <p:spTgt spid="6"/>
+                                        </p:tgtEl>
+                                        <p:attrNameLst>
+                                          <p:attrName>style.visibility</p:attrName>
+                                        </p:attrNameLst>
+                                      </p:cBhvr>
+                                      <p:to>
+                                        <p:strVal val="visible"/>
+                                      </p:to>
+                                    </p:set>
+                                    <p:anim calcmode="lin" valueType="num">
+                                      <p:cBhvr additive="base">
+                                        <p:cTn id="21" dur="500" fill="hold"/>
+                                        <p:tgtEl>
+                                          <p:spTgt spid="6"/>
+                                        </p:tgtEl>
+                                        <p:attrNameLst>
+                                          <p:attrName>ppt_x</p:attrName>
+                                        </p:attrNameLst>
+                                      </p:cBhvr>
+                                      <p:tavLst>
+                                        <p:tav tm="0">
+                                          <p:val>
+                                            <p:strVal val="#ppt_x"/>
+                                          </p:val>
+                                        </p:tav>
+                                        <p:tav tm="100000">
+                                          <p:val>
+                                            <p:strVal val="#ppt_x"/>
+                                          </p:val>
+                                        </p:tav>
+                                      </p:tavLst>
+                                    </p:anim>
+                                    <p:anim calcmode="lin" valueType="num">
+                                      <p:cBhvr additive="base">
+                                        <p:cTn id="22" dur="500" fill="hold"/>
+                                        <p:tgtEl>
+                                          <p:spTgt spid="6"/>
+                                        </p:tgtEl>
+                                        <p:attrNameLst>
+                                          <p:attrName>ppt_y</p:attrName>
+                                        </p:attrNameLst>
+                                      </p:cBhvr>
+                                      <p:tavLst>
+                                        <p:tav tm="0">
+                                          <p:val>
+                                            <p:strVal val="1+#ppt_h/2"/>
+                                          </p:val>
+                                        </p:tav>
+                                        <p:tav tm="100000">
+                                          <p:val>
+                                            <p:strVal val="#ppt_y"/>
+                                          </p:val>
+                                        </p:tav>
+                                      </p:tavLst>
+                                    </p:anim>
+                                  </p:childTnLst>
+                                </p:cTn>
+                              </p:par>
+                            </p:childTnLst>
+                          </p:cTn>
+                        </p:par>
+                      </p:childTnLst>
+                    </p:cTn>
+                  </p:par>
+                </p:childTnLst>
+              </p:cTn>
+              <p:prevCondLst>
+                <p:cond evt="onPrev" delay="0">
+                  <p:tgtEl>
+                    <p:sldTgt/>
+                  </p:tgtEl>
+                </p:cond>
+              </p:prevCondLst>
+              <p:nextCondLst>
+                <p:cond evt="onNext" delay="0">
+                  <p:tgtEl>
+                    <p:sldTgt/>
+                  </p:tgtEl>
+                </p:cond>
+              </p:nextCondLst>
+            </p:seq>
+          </p:childTnLst>
+        </p:cTn>
+      </p:par>
+    </p:tnLst>
+    <p:bldLst>
+      <p:bldP spid="3" grpId="0" build="p"/>
+      <p:bldP spid="4" grpId="0"/>
+      <p:bldP spid="5" grpId="0" uiExpand="1" bldLvl="2" animBg="1"/>
+      <p:bldP spid="6" grpId="0"/>
+    </p:bldLst>
+  </p:timing>
+</p:sld>
+</file>
+
+<file path=ppt/slides/slide12.xml><?xml version="1.0" encoding="utf-8"?>
+<p:sld xmlns:a="http://schemas.openxmlformats.org/drawingml/2006/main" xmlns:r="http://schemas.openxmlformats.org/officeDocument/2006/relationships" xmlns:p="http://schemas.openxmlformats.org/presentationml/2006/main">
+  <p:cSld>
+    <p:spTree>
+      <p:nvGrpSpPr>
+        <p:cNvPr id="1" name=""/>
+        <p:cNvGrpSpPr/>
+        <p:nvPr/>
+      </p:nvGrpSpPr>
+      <p:grpSpPr>
+        <a:xfrm>
+          <a:off x="0" y="0"/>
+          <a:ext cx="0" cy="0"/>
+          <a:chOff x="0" y="0"/>
+          <a:chExt cx="0" cy="0"/>
+        </a:xfrm>
+      </p:grpSpPr>
+      <p:sp>
+        <p:nvSpPr>
+          <p:cNvPr id="2" name="Title 1"/>
+          <p:cNvSpPr>
+            <a:spLocks noGrp="1"/>
+          </p:cNvSpPr>
+          <p:nvPr>
+            <p:ph type="title"/>
+          </p:nvPr>
+        </p:nvSpPr>
+        <p:spPr/>
+        <p:txBody>
+          <a:bodyPr/>
+          <a:lstStyle/>
+          <a:p>
+            <a:r>
+              <a:rPr lang="en-US" dirty="0" err="1"/>
               <a:t>Raw_input</a:t>
             </a:r>
             <a:r>
-              <a:rPr lang="en-US" dirty="0" smtClean="0"/>
+              <a:rPr lang="en-US" dirty="0"/>
               <a:t>()</a:t>
             </a:r>
-            <a:endParaRPr lang="en-US" dirty="0"/>
           </a:p>
         </p:txBody>
       </p:sp>
@@ -5709,7 +7536,7 @@
           <a:lstStyle/>
           <a:p>
             <a:r>
-              <a:rPr lang="en-US" dirty="0" smtClean="0"/>
+              <a:rPr lang="en-US" dirty="0"/>
               <a:t>Obtains a value from the user</a:t>
             </a:r>
           </a:p>
@@ -5744,7 +7571,7 @@
           <a:lstStyle/>
           <a:p>
             <a:r>
-              <a:rPr lang="en-US" dirty="0" smtClean="0"/>
+              <a:rPr lang="en-US" dirty="0"/>
               <a:t>Try:</a:t>
             </a:r>
           </a:p>
@@ -5753,24 +7580,15 @@
           </a:p>
           <a:p>
             <a:r>
-              <a:rPr lang="en-US" dirty="0" smtClean="0"/>
-              <a:t>&gt;&gt;&gt; input = </a:t>
-            </a:r>
-            <a:r>
-              <a:rPr lang="en-US" dirty="0" err="1" smtClean="0"/>
-              <a:t>raw_input</a:t>
-            </a:r>
-            <a:r>
-              <a:rPr lang="en-US" dirty="0" smtClean="0"/>
-              <a:t>(“enter a value: “)</a:t>
-            </a:r>
-          </a:p>
-          <a:p>
-            <a:r>
-              <a:rPr lang="en-US" dirty="0" smtClean="0"/>
-              <a:t>&gt;&gt;&gt; type(input)</a:t>
-            </a:r>
-            <a:endParaRPr lang="en-US" dirty="0"/>
+              <a:rPr lang="en-US" dirty="0"/>
+              <a:t>&gt;&gt;&gt; value = input(“enter a value: “)</a:t>
+            </a:r>
+          </a:p>
+          <a:p>
+            <a:r>
+              <a:rPr lang="en-US" dirty="0"/>
+              <a:t>&gt;&gt;&gt; type(value)</a:t>
+            </a:r>
           </a:p>
         </p:txBody>
       </p:sp>
@@ -5961,13 +7779,13 @@
           </a:lstStyle>
           <a:p>
             <a:r>
-              <a:rPr lang="en-US" sz="1800" dirty="0" smtClean="0"/>
+              <a:rPr lang="en-US" sz="1800" dirty="0"/>
               <a:t>What happens if the value is: Hello?</a:t>
             </a:r>
           </a:p>
           <a:p>
             <a:r>
-              <a:rPr lang="en-US" sz="1800" dirty="0" smtClean="0"/>
+              <a:rPr lang="en-US" sz="1800" dirty="0"/>
               <a:t>What happens if the value is: 44 ?</a:t>
             </a:r>
           </a:p>
@@ -5990,14 +7808,6 @@
   <p:clrMapOvr>
     <a:masterClrMapping/>
   </p:clrMapOvr>
-  <mc:AlternateContent xmlns:mc="http://schemas.openxmlformats.org/markup-compatibility/2006" xmlns:p14="http://schemas.microsoft.com/office/powerpoint/2010/main">
-    <mc:Choice Requires="p14">
-      <p:transition spd="slow" p14:dur="2000"/>
-    </mc:Choice>
-    <mc:Fallback xmlns="">
-      <p:transition xmlns:p14="http://schemas.microsoft.com/office/powerpoint/2010/main" spd="slow"/>
-    </mc:Fallback>
-  </mc:AlternateContent>
   <p:timing>
     <p:tnLst>
       <p:par>
@@ -6376,7 +8186,7 @@
 </p:sld>
 </file>
 
-<file path=ppt/slides/slide11.xml><?xml version="1.0" encoding="utf-8"?>
+<file path=ppt/slides/slide13.xml><?xml version="1.0" encoding="utf-8"?>
 <p:sld xmlns:a="http://schemas.openxmlformats.org/drawingml/2006/main" xmlns:r="http://schemas.openxmlformats.org/officeDocument/2006/relationships" xmlns:p="http://schemas.openxmlformats.org/presentationml/2006/main">
   <p:cSld>
     <p:spTree>
@@ -6411,10 +8221,9 @@
           <a:lstStyle/>
           <a:p>
             <a:r>
-              <a:rPr lang="en-US" dirty="0" smtClean="0"/>
+              <a:rPr lang="en-US" dirty="0"/>
               <a:t>Type Conversion Functions</a:t>
             </a:r>
-            <a:endParaRPr lang="en-US" dirty="0"/>
           </a:p>
         </p:txBody>
       </p:sp>
@@ -6442,51 +8251,34 @@
           <a:p>
             <a:r>
               <a:rPr lang="en-US" dirty="0" err="1"/>
-              <a:t>i</a:t>
-            </a:r>
-            <a:r>
-              <a:rPr lang="en-US" dirty="0" err="1" smtClean="0"/>
-              <a:t>nt</a:t>
-            </a:r>
-            <a:r>
-              <a:rPr lang="en-US" dirty="0" smtClean="0"/>
+              <a:t>int</a:t>
+            </a:r>
+            <a:r>
+              <a:rPr lang="en-US" dirty="0"/>
               <a:t>(): Converts value to Integer</a:t>
             </a:r>
           </a:p>
           <a:p>
             <a:r>
               <a:rPr lang="en-US" dirty="0"/>
-              <a:t>f</a:t>
-            </a:r>
-            <a:r>
-              <a:rPr lang="en-US" dirty="0" smtClean="0"/>
-              <a:t>loat(): Converts value to Floating Point </a:t>
+              <a:t>float(): Converts value to Floating Point </a:t>
             </a:r>
           </a:p>
           <a:p>
             <a:r>
               <a:rPr lang="en-US" dirty="0"/>
-              <a:t>l</a:t>
-            </a:r>
-            <a:r>
-              <a:rPr lang="en-US" dirty="0" smtClean="0"/>
-              <a:t>ong(): Converts value to long integer</a:t>
+              <a:t>long(): Converts value to long integer</a:t>
             </a:r>
           </a:p>
           <a:p>
             <a:r>
               <a:rPr lang="en-US" dirty="0" err="1"/>
-              <a:t>s</a:t>
-            </a:r>
-            <a:r>
-              <a:rPr lang="en-US" dirty="0" err="1" smtClean="0"/>
-              <a:t>tr</a:t>
-            </a:r>
-            <a:r>
-              <a:rPr lang="en-US" dirty="0" smtClean="0"/>
+              <a:t>str</a:t>
+            </a:r>
+            <a:r>
+              <a:rPr lang="en-US" dirty="0"/>
               <a:t>(): Returns a string representation of an object</a:t>
             </a:r>
-            <a:endParaRPr lang="en-US" dirty="0"/>
           </a:p>
         </p:txBody>
       </p:sp>
@@ -6500,14 +8292,6 @@
   <p:clrMapOvr>
     <a:masterClrMapping/>
   </p:clrMapOvr>
-  <mc:AlternateContent xmlns:mc="http://schemas.openxmlformats.org/markup-compatibility/2006" xmlns:p14="http://schemas.microsoft.com/office/powerpoint/2010/main">
-    <mc:Choice Requires="p14">
-      <p:transition spd="slow" p14:dur="2000"/>
-    </mc:Choice>
-    <mc:Fallback xmlns="">
-      <p:transition xmlns:p14="http://schemas.microsoft.com/office/powerpoint/2010/main" spd="slow"/>
-    </mc:Fallback>
-  </mc:AlternateContent>
   <p:timing>
     <p:tnLst>
       <p:par>
@@ -6896,7 +8680,7 @@
 </p:sld>
 </file>
 
-<file path=ppt/slides/slide12.xml><?xml version="1.0" encoding="utf-8"?>
+<file path=ppt/slides/slide14.xml><?xml version="1.0" encoding="utf-8"?>
 <p:sld xmlns:a="http://schemas.openxmlformats.org/drawingml/2006/main" xmlns:r="http://schemas.openxmlformats.org/officeDocument/2006/relationships" xmlns:p="http://schemas.openxmlformats.org/presentationml/2006/main">
   <p:cSld>
     <p:spTree>
@@ -6929,10 +8713,9 @@
           <a:lstStyle/>
           <a:p>
             <a:r>
-              <a:rPr lang="en-US" dirty="0" smtClean="0"/>
+              <a:rPr lang="en-US" dirty="0"/>
               <a:t>Exercises</a:t>
             </a:r>
-            <a:endParaRPr lang="en-US" dirty="0"/>
           </a:p>
         </p:txBody>
       </p:sp>
@@ -6958,10 +8741,9 @@
               <a:buAutoNum type="arabicPeriod"/>
             </a:pPr>
             <a:r>
-              <a:rPr lang="en-US" dirty="0" smtClean="0"/>
+              <a:rPr lang="en-US" dirty="0"/>
               <a:t>Write a program that prompts the user for his name and his last name and then welcomes him/her. </a:t>
             </a:r>
-            <a:endParaRPr lang="en-US" dirty="0" smtClean="0"/>
           </a:p>
           <a:p>
             <a:pPr marL="457200" indent="-457200">
@@ -6969,16 +8751,8 @@
               <a:buAutoNum type="arabicPeriod"/>
             </a:pPr>
             <a:r>
-              <a:rPr lang="en-US" dirty="0" smtClean="0"/>
-              <a:t>Write </a:t>
-            </a:r>
-            <a:r>
-              <a:rPr lang="en-US" dirty="0" smtClean="0"/>
-              <a:t>a program that prompts the user for hours and rate per hour to compute gross </a:t>
-            </a:r>
-            <a:r>
-              <a:rPr lang="en-US" dirty="0" smtClean="0"/>
-              <a:t>pay.</a:t>
+              <a:rPr lang="en-US" dirty="0"/>
+              <a:t>Write a program that prompts the user for hours and rate per hour to compute gross pay.</a:t>
             </a:r>
           </a:p>
           <a:p>
@@ -6987,14 +8761,9 @@
               <a:buAutoNum type="arabicPeriod"/>
             </a:pPr>
             <a:r>
-              <a:rPr lang="en-US" dirty="0" smtClean="0"/>
-              <a:t>Write </a:t>
-            </a:r>
-            <a:r>
-              <a:rPr lang="en-US" dirty="0" smtClean="0"/>
-              <a:t>a program that prompts the user for a temperature in °C and returns the value in °F. </a:t>
-            </a:r>
-            <a:endParaRPr lang="en-US" dirty="0"/>
+              <a:rPr lang="en-US" dirty="0"/>
+              <a:t>Write a program that prompts the user for a temperature in °C and returns the value in °F. </a:t>
+            </a:r>
           </a:p>
         </p:txBody>
       </p:sp>
@@ -7020,7 +8789,7 @@
           <a:graphicData uri="http://schemas.openxmlformats.org/presentationml/2006/ole">
             <mc:AlternateContent xmlns:mc="http://schemas.openxmlformats.org/markup-compatibility/2006">
               <mc:Choice xmlns:v="urn:schemas-microsoft-com:vml" Requires="v">
-                <p:oleObj spid="_x0000_s1036" name="Equation" r:id="rId3" imgW="914400" imgH="393700" progId="Equation.3">
+                <p:oleObj spid="_x0000_s1037" name="Equation" r:id="rId3" imgW="914400" imgH="393700" progId="Equation.3">
                   <p:embed/>
                 </p:oleObj>
               </mc:Choice>
@@ -7070,14 +8839,6 @@
   <p:clrMapOvr>
     <a:masterClrMapping/>
   </p:clrMapOvr>
-  <mc:AlternateContent xmlns:mc="http://schemas.openxmlformats.org/markup-compatibility/2006" xmlns:p14="http://schemas.microsoft.com/office/powerpoint/2010/main">
-    <mc:Choice Requires="p14">
-      <p:transition spd="slow" p14:dur="2000"/>
-    </mc:Choice>
-    <mc:Fallback xmlns="">
-      <p:transition xmlns:p14="http://schemas.microsoft.com/office/powerpoint/2010/main" spd="slow"/>
-    </mc:Fallback>
-  </mc:AlternateContent>
   <p:timing>
     <p:tnLst>
       <p:par>
@@ -7479,6 +9240,222 @@
       </p:grpSpPr>
       <p:sp>
         <p:nvSpPr>
+          <p:cNvPr id="2" name="Title 1">
+            <a:extLst>
+              <a:ext uri="{FF2B5EF4-FFF2-40B4-BE49-F238E27FC236}">
+                <a16:creationId xmlns:a16="http://schemas.microsoft.com/office/drawing/2014/main" id="{2002A8D2-9E82-184A-85CC-0B315AA5D047}"/>
+              </a:ext>
+            </a:extLst>
+          </p:cNvPr>
+          <p:cNvSpPr>
+            <a:spLocks noGrp="1"/>
+          </p:cNvSpPr>
+          <p:nvPr>
+            <p:ph type="title"/>
+          </p:nvPr>
+        </p:nvSpPr>
+        <p:spPr/>
+        <p:txBody>
+          <a:bodyPr/>
+          <a:lstStyle/>
+          <a:p>
+            <a:r>
+              <a:rPr lang="en-GB" dirty="0"/>
+              <a:t>I</a:t>
+            </a:r>
+            <a:r>
+              <a:rPr lang="en-DE" dirty="0"/>
+              <a:t>mportant concepts</a:t>
+            </a:r>
+          </a:p>
+        </p:txBody>
+      </p:sp>
+      <p:sp>
+        <p:nvSpPr>
+          <p:cNvPr id="3" name="Content Placeholder 2">
+            <a:extLst>
+              <a:ext uri="{FF2B5EF4-FFF2-40B4-BE49-F238E27FC236}">
+                <a16:creationId xmlns:a16="http://schemas.microsoft.com/office/drawing/2014/main" id="{3D443219-520B-CB4F-BE35-4DCEAEFB1AA2}"/>
+              </a:ext>
+            </a:extLst>
+          </p:cNvPr>
+          <p:cNvSpPr>
+            <a:spLocks noGrp="1"/>
+          </p:cNvSpPr>
+          <p:nvPr>
+            <p:ph idx="1"/>
+          </p:nvPr>
+        </p:nvSpPr>
+        <p:spPr/>
+        <p:txBody>
+          <a:bodyPr/>
+          <a:lstStyle/>
+          <a:p>
+            <a:r>
+              <a:rPr lang="en-DE" dirty="0"/>
+              <a:t>Console</a:t>
+            </a:r>
+          </a:p>
+          <a:p>
+            <a:r>
+              <a:rPr lang="en-DE" dirty="0"/>
+              <a:t>Programming language</a:t>
+            </a:r>
+          </a:p>
+          <a:p>
+            <a:r>
+              <a:rPr lang="en-DE" dirty="0"/>
+              <a:t>Development environment</a:t>
+            </a:r>
+          </a:p>
+          <a:p>
+            <a:r>
+              <a:rPr lang="en-DE" dirty="0"/>
+              <a:t>Version control</a:t>
+            </a:r>
+          </a:p>
+        </p:txBody>
+      </p:sp>
+    </p:spTree>
+    <p:extLst>
+      <p:ext uri="{BB962C8B-B14F-4D97-AF65-F5344CB8AC3E}">
+        <p14:creationId xmlns:p14="http://schemas.microsoft.com/office/powerpoint/2010/main" val="2830009248"/>
+      </p:ext>
+    </p:extLst>
+  </p:cSld>
+  <p:clrMapOvr>
+    <a:masterClrMapping/>
+  </p:clrMapOvr>
+</p:sld>
+</file>
+
+<file path=ppt/slides/slide3.xml><?xml version="1.0" encoding="utf-8"?>
+<p:sld xmlns:a="http://schemas.openxmlformats.org/drawingml/2006/main" xmlns:r="http://schemas.openxmlformats.org/officeDocument/2006/relationships" xmlns:p="http://schemas.openxmlformats.org/presentationml/2006/main">
+  <p:cSld>
+    <p:spTree>
+      <p:nvGrpSpPr>
+        <p:cNvPr id="1" name=""/>
+        <p:cNvGrpSpPr/>
+        <p:nvPr/>
+      </p:nvGrpSpPr>
+      <p:grpSpPr>
+        <a:xfrm>
+          <a:off x="0" y="0"/>
+          <a:ext cx="0" cy="0"/>
+          <a:chOff x="0" y="0"/>
+          <a:chExt cx="0" cy="0"/>
+        </a:xfrm>
+      </p:grpSpPr>
+      <p:sp>
+        <p:nvSpPr>
+          <p:cNvPr id="2" name="Title 1">
+            <a:extLst>
+              <a:ext uri="{FF2B5EF4-FFF2-40B4-BE49-F238E27FC236}">
+                <a16:creationId xmlns:a16="http://schemas.microsoft.com/office/drawing/2014/main" id="{245084C9-95E4-6E48-A025-D6A4FC90C5A0}"/>
+              </a:ext>
+            </a:extLst>
+          </p:cNvPr>
+          <p:cNvSpPr>
+            <a:spLocks noGrp="1"/>
+          </p:cNvSpPr>
+          <p:nvPr>
+            <p:ph type="title"/>
+          </p:nvPr>
+        </p:nvSpPr>
+        <p:spPr/>
+        <p:txBody>
+          <a:bodyPr/>
+          <a:lstStyle/>
+          <a:p>
+            <a:r>
+              <a:rPr lang="en-GB" dirty="0"/>
+              <a:t>C</a:t>
+            </a:r>
+            <a:r>
+              <a:rPr lang="en-DE" dirty="0"/>
+              <a:t>ourse requirements</a:t>
+            </a:r>
+          </a:p>
+        </p:txBody>
+      </p:sp>
+      <p:sp>
+        <p:nvSpPr>
+          <p:cNvPr id="3" name="Content Placeholder 2">
+            <a:extLst>
+              <a:ext uri="{FF2B5EF4-FFF2-40B4-BE49-F238E27FC236}">
+                <a16:creationId xmlns:a16="http://schemas.microsoft.com/office/drawing/2014/main" id="{93FB63ED-0D69-3D4C-88C0-05DA5A375628}"/>
+              </a:ext>
+            </a:extLst>
+          </p:cNvPr>
+          <p:cNvSpPr>
+            <a:spLocks noGrp="1"/>
+          </p:cNvSpPr>
+          <p:nvPr>
+            <p:ph idx="1"/>
+          </p:nvPr>
+        </p:nvSpPr>
+        <p:spPr/>
+        <p:txBody>
+          <a:bodyPr/>
+          <a:lstStyle/>
+          <a:p>
+            <a:r>
+              <a:rPr lang="en-DE" dirty="0"/>
+              <a:t>Homebrew</a:t>
+            </a:r>
+          </a:p>
+          <a:p>
+            <a:r>
+              <a:rPr lang="en-DE" dirty="0"/>
+              <a:t>Pyenv</a:t>
+            </a:r>
+          </a:p>
+          <a:p>
+            <a:r>
+              <a:rPr lang="en-DE" dirty="0"/>
+              <a:t>Python 3.x</a:t>
+            </a:r>
+          </a:p>
+          <a:p>
+            <a:r>
+              <a:rPr lang="en-DE" dirty="0"/>
+              <a:t>Visual Studio Code</a:t>
+            </a:r>
+          </a:p>
+        </p:txBody>
+      </p:sp>
+    </p:spTree>
+    <p:extLst>
+      <p:ext uri="{BB962C8B-B14F-4D97-AF65-F5344CB8AC3E}">
+        <p14:creationId xmlns:p14="http://schemas.microsoft.com/office/powerpoint/2010/main" val="859573744"/>
+      </p:ext>
+    </p:extLst>
+  </p:cSld>
+  <p:clrMapOvr>
+    <a:masterClrMapping/>
+  </p:clrMapOvr>
+</p:sld>
+</file>
+
+<file path=ppt/slides/slide4.xml><?xml version="1.0" encoding="utf-8"?>
+<p:sld xmlns:a="http://schemas.openxmlformats.org/drawingml/2006/main" xmlns:r="http://schemas.openxmlformats.org/officeDocument/2006/relationships" xmlns:p="http://schemas.openxmlformats.org/presentationml/2006/main">
+  <p:cSld>
+    <p:spTree>
+      <p:nvGrpSpPr>
+        <p:cNvPr id="1" name=""/>
+        <p:cNvGrpSpPr/>
+        <p:nvPr/>
+      </p:nvGrpSpPr>
+      <p:grpSpPr>
+        <a:xfrm>
+          <a:off x="0" y="0"/>
+          <a:ext cx="0" cy="0"/>
+          <a:chOff x="0" y="0"/>
+          <a:chExt cx="0" cy="0"/>
+        </a:xfrm>
+      </p:grpSpPr>
+      <p:sp>
+        <p:nvSpPr>
           <p:cNvPr id="2" name="Title 1"/>
           <p:cNvSpPr>
             <a:spLocks noGrp="1"/>
@@ -7493,11 +9470,11 @@
           <a:lstStyle/>
           <a:p>
             <a:r>
-              <a:rPr lang="en-US" dirty="0" smtClean="0"/>
+              <a:rPr lang="en-US" dirty="0"/>
               <a:t>Basic </a:t>
             </a:r>
             <a:r>
-              <a:rPr lang="en-US" dirty="0" err="1" smtClean="0"/>
+              <a:rPr lang="en-US" dirty="0" err="1"/>
               <a:t>datatypes</a:t>
             </a:r>
             <a:endParaRPr lang="en-US" dirty="0"/>
@@ -7527,73 +9504,73 @@
           <a:lstStyle/>
           <a:p>
             <a:r>
-              <a:rPr lang="en-US" dirty="0" smtClean="0"/>
+              <a:rPr lang="en-US" dirty="0"/>
               <a:t>Strings</a:t>
             </a:r>
           </a:p>
           <a:p>
             <a:pPr lvl="1"/>
             <a:r>
-              <a:rPr lang="en-US" dirty="0" smtClean="0"/>
+              <a:rPr lang="en-US" dirty="0"/>
               <a:t>Values surrounded by “”</a:t>
             </a:r>
           </a:p>
           <a:p>
             <a:pPr lvl="1"/>
             <a:r>
-              <a:rPr lang="en-US" dirty="0" smtClean="0"/>
-              <a:t>8-bit characters in 2.x / Unicode in 3.x </a:t>
-            </a:r>
-          </a:p>
-          <a:p>
-            <a:r>
-              <a:rPr lang="en-US" dirty="0" err="1" smtClean="0"/>
+              <a:rPr lang="en-US" dirty="0"/>
+              <a:t>Unicode in 3.x </a:t>
+            </a:r>
+          </a:p>
+          <a:p>
+            <a:r>
+              <a:rPr lang="en-US" dirty="0" err="1"/>
               <a:t>Ints</a:t>
             </a:r>
             <a:r>
-              <a:rPr lang="en-US" dirty="0" smtClean="0"/>
+              <a:rPr lang="en-US" dirty="0"/>
               <a:t> and longs</a:t>
             </a:r>
           </a:p>
           <a:p>
             <a:pPr lvl="1"/>
             <a:r>
-              <a:rPr lang="en-US" dirty="0" smtClean="0"/>
+              <a:rPr lang="en-US" dirty="0"/>
               <a:t>Round values without decimal point</a:t>
             </a:r>
           </a:p>
           <a:p>
             <a:r>
-              <a:rPr lang="en-US" dirty="0" smtClean="0"/>
+              <a:rPr lang="en-US" dirty="0"/>
               <a:t>Floats</a:t>
             </a:r>
           </a:p>
           <a:p>
             <a:pPr lvl="1"/>
             <a:r>
-              <a:rPr lang="en-US" dirty="0" smtClean="0"/>
+              <a:rPr lang="en-US" dirty="0"/>
               <a:t>Decimal point values</a:t>
             </a:r>
           </a:p>
           <a:p>
             <a:r>
-              <a:rPr lang="en-US" dirty="0" smtClean="0"/>
+              <a:rPr lang="en-US" dirty="0"/>
               <a:t>Booleans</a:t>
             </a:r>
           </a:p>
           <a:p>
             <a:pPr lvl="1"/>
             <a:r>
-              <a:rPr lang="en-US" dirty="0" smtClean="0"/>
+              <a:rPr lang="en-US" dirty="0"/>
               <a:t>Can take the value of True or False</a:t>
             </a:r>
           </a:p>
           <a:p>
             <a:pPr lvl="1"/>
-            <a:endParaRPr lang="en-US" dirty="0" smtClean="0"/>
-          </a:p>
-          <a:p>
-            <a:endParaRPr lang="en-US" dirty="0" smtClean="0"/>
+            <a:endParaRPr lang="en-US" dirty="0"/>
+          </a:p>
+          <a:p>
+            <a:endParaRPr lang="en-US" dirty="0"/>
           </a:p>
           <a:p>
             <a:endParaRPr lang="en-US" dirty="0"/>
@@ -7610,14 +9587,6 @@
   <p:clrMapOvr>
     <a:masterClrMapping/>
   </p:clrMapOvr>
-  <mc:AlternateContent xmlns:mc="http://schemas.openxmlformats.org/markup-compatibility/2006" xmlns:p14="http://schemas.microsoft.com/office/powerpoint/2010/main">
-    <mc:Choice Requires="p14">
-      <p:transition spd="slow" p14:dur="2000"/>
-    </mc:Choice>
-    <mc:Fallback xmlns="">
-      <p:transition xmlns:p14="http://schemas.microsoft.com/office/powerpoint/2010/main" spd="slow"/>
-    </mc:Fallback>
-  </mc:AlternateContent>
   <p:timing>
     <p:tnLst>
       <p:par>
@@ -8356,7 +10325,7 @@
 </p:sld>
 </file>
 
-<file path=ppt/slides/slide3.xml><?xml version="1.0" encoding="utf-8"?>
+<file path=ppt/slides/slide5.xml><?xml version="1.0" encoding="utf-8"?>
 <p:sld xmlns:a="http://schemas.openxmlformats.org/drawingml/2006/main" xmlns:r="http://schemas.openxmlformats.org/officeDocument/2006/relationships" xmlns:p="http://schemas.openxmlformats.org/presentationml/2006/main">
   <p:cSld>
     <p:spTree>
@@ -8389,10 +10358,9 @@
           <a:lstStyle/>
           <a:p>
             <a:r>
-              <a:rPr lang="en-US" dirty="0" smtClean="0"/>
+              <a:rPr lang="en-US" dirty="0"/>
               <a:t>Variables</a:t>
             </a:r>
-            <a:endParaRPr lang="en-US" dirty="0"/>
           </a:p>
         </p:txBody>
       </p:sp>
@@ -8414,40 +10382,39 @@
           <a:lstStyle/>
           <a:p>
             <a:r>
-              <a:rPr lang="en-US" dirty="0" smtClean="0"/>
+              <a:rPr lang="en-US" dirty="0"/>
               <a:t>Can contain alphanumeric characters</a:t>
             </a:r>
           </a:p>
           <a:p>
             <a:r>
-              <a:rPr lang="en-US" dirty="0" smtClean="0"/>
+              <a:rPr lang="en-US" dirty="0"/>
               <a:t>Can be as long as you want</a:t>
             </a:r>
           </a:p>
           <a:p>
             <a:r>
-              <a:rPr lang="en-US" dirty="0" smtClean="0"/>
+              <a:rPr lang="en-US" dirty="0"/>
               <a:t>Must begin with a letter</a:t>
             </a:r>
           </a:p>
           <a:p>
             <a:r>
-              <a:rPr lang="en-US" dirty="0" smtClean="0"/>
+              <a:rPr lang="en-US" dirty="0"/>
               <a:t>Are case-sensitive</a:t>
             </a:r>
           </a:p>
           <a:p>
             <a:r>
-              <a:rPr lang="en-US" dirty="0" smtClean="0"/>
+              <a:rPr lang="en-US" dirty="0"/>
               <a:t>Are not type-safe</a:t>
             </a:r>
           </a:p>
           <a:p>
             <a:r>
-              <a:rPr lang="en-US" dirty="0" smtClean="0"/>
+              <a:rPr lang="en-US" dirty="0"/>
               <a:t>Must not be a reserved word (keyword)</a:t>
             </a:r>
-            <a:endParaRPr lang="en-US" dirty="0"/>
           </a:p>
         </p:txBody>
       </p:sp>
@@ -8461,14 +10428,6 @@
   <p:clrMapOvr>
     <a:masterClrMapping/>
   </p:clrMapOvr>
-  <mc:AlternateContent xmlns:mc="http://schemas.openxmlformats.org/markup-compatibility/2006" xmlns:p14="http://schemas.microsoft.com/office/powerpoint/2010/main">
-    <mc:Choice Requires="p14">
-      <p:transition spd="slow" p14:dur="2000"/>
-    </mc:Choice>
-    <mc:Fallback xmlns="">
-      <p:transition xmlns:p14="http://schemas.microsoft.com/office/powerpoint/2010/main" spd="slow"/>
-    </mc:Fallback>
-  </mc:AlternateContent>
   <p:timing>
     <p:tnLst>
       <p:par>
@@ -8991,1386 +10950,6 @@
                                           <p:spTgt spid="3">
                                             <p:txEl>
                                               <p:pRg st="5" end="5"/>
-                                            </p:txEl>
-                                          </p:spTgt>
-                                        </p:tgtEl>
-                                      </p:cBhvr>
-                                    </p:animEffect>
-                                  </p:childTnLst>
-                                </p:cTn>
-                              </p:par>
-                            </p:childTnLst>
-                          </p:cTn>
-                        </p:par>
-                      </p:childTnLst>
-                    </p:cTn>
-                  </p:par>
-                </p:childTnLst>
-              </p:cTn>
-              <p:prevCondLst>
-                <p:cond evt="onPrev" delay="0">
-                  <p:tgtEl>
-                    <p:sldTgt/>
-                  </p:tgtEl>
-                </p:cond>
-              </p:prevCondLst>
-              <p:nextCondLst>
-                <p:cond evt="onNext" delay="0">
-                  <p:tgtEl>
-                    <p:sldTgt/>
-                  </p:tgtEl>
-                </p:cond>
-              </p:nextCondLst>
-            </p:seq>
-          </p:childTnLst>
-        </p:cTn>
-      </p:par>
-    </p:tnLst>
-    <p:bldLst>
-      <p:bldP spid="3" grpId="0" build="p"/>
-    </p:bldLst>
-  </p:timing>
-</p:sld>
-</file>
-
-<file path=ppt/slides/slide4.xml><?xml version="1.0" encoding="utf-8"?>
-<p:sld xmlns:a="http://schemas.openxmlformats.org/drawingml/2006/main" xmlns:r="http://schemas.openxmlformats.org/officeDocument/2006/relationships" xmlns:p="http://schemas.openxmlformats.org/presentationml/2006/main">
-  <p:cSld>
-    <p:spTree>
-      <p:nvGrpSpPr>
-        <p:cNvPr id="1" name=""/>
-        <p:cNvGrpSpPr/>
-        <p:nvPr/>
-      </p:nvGrpSpPr>
-      <p:grpSpPr>
-        <a:xfrm>
-          <a:off x="0" y="0"/>
-          <a:ext cx="0" cy="0"/>
-          <a:chOff x="0" y="0"/>
-          <a:chExt cx="0" cy="0"/>
-        </a:xfrm>
-      </p:grpSpPr>
-      <p:sp>
-        <p:nvSpPr>
-          <p:cNvPr id="2" name="Title 1"/>
-          <p:cNvSpPr>
-            <a:spLocks noGrp="1"/>
-          </p:cNvSpPr>
-          <p:nvPr>
-            <p:ph type="title"/>
-          </p:nvPr>
-        </p:nvSpPr>
-        <p:spPr/>
-        <p:txBody>
-          <a:bodyPr>
-            <a:normAutofit/>
-          </a:bodyPr>
-          <a:lstStyle/>
-          <a:p>
-            <a:r>
-              <a:rPr lang="en-US" dirty="0" smtClean="0"/>
-              <a:t>Reserved Words - Keywords</a:t>
-            </a:r>
-            <a:endParaRPr lang="en-US" dirty="0"/>
-          </a:p>
-        </p:txBody>
-      </p:sp>
-      <p:sp>
-        <p:nvSpPr>
-          <p:cNvPr id="3" name="Content Placeholder 2"/>
-          <p:cNvSpPr>
-            <a:spLocks noGrp="1"/>
-          </p:cNvSpPr>
-          <p:nvPr>
-            <p:ph idx="1"/>
-          </p:nvPr>
-        </p:nvSpPr>
-        <p:spPr>
-          <a:xfrm>
-            <a:off x="533400" y="629323"/>
-            <a:ext cx="8404225" cy="3728916"/>
-          </a:xfrm>
-        </p:spPr>
-        <p:txBody>
-          <a:bodyPr numCol="4">
-            <a:noAutofit/>
-          </a:bodyPr>
-          <a:lstStyle/>
-          <a:p>
-            <a:r>
-              <a:rPr lang="en-US" sz="1400" dirty="0"/>
-              <a:t>and </a:t>
-            </a:r>
-            <a:endParaRPr lang="en-US" sz="1400" dirty="0" smtClean="0"/>
-          </a:p>
-          <a:p>
-            <a:r>
-              <a:rPr lang="en-US" sz="1400" dirty="0" smtClean="0"/>
-              <a:t>del </a:t>
-            </a:r>
-          </a:p>
-          <a:p>
-            <a:r>
-              <a:rPr lang="en-US" sz="1400" dirty="0" smtClean="0"/>
-              <a:t>from </a:t>
-            </a:r>
-          </a:p>
-          <a:p>
-            <a:r>
-              <a:rPr lang="en-US" sz="1400" dirty="0" smtClean="0"/>
-              <a:t>not </a:t>
-            </a:r>
-          </a:p>
-          <a:p>
-            <a:r>
-              <a:rPr lang="en-US" sz="1400" dirty="0" smtClean="0"/>
-              <a:t>while </a:t>
-            </a:r>
-          </a:p>
-          <a:p>
-            <a:r>
-              <a:rPr lang="en-US" sz="1400" dirty="0" smtClean="0"/>
-              <a:t>as </a:t>
-            </a:r>
-          </a:p>
-          <a:p>
-            <a:r>
-              <a:rPr lang="en-US" sz="1400" dirty="0" err="1" smtClean="0"/>
-              <a:t>elif</a:t>
-            </a:r>
-            <a:r>
-              <a:rPr lang="en-US" sz="1400" dirty="0" smtClean="0"/>
-              <a:t> </a:t>
-            </a:r>
-          </a:p>
-          <a:p>
-            <a:r>
-              <a:rPr lang="en-US" sz="1400" dirty="0" smtClean="0"/>
-              <a:t>global </a:t>
-            </a:r>
-          </a:p>
-          <a:p>
-            <a:r>
-              <a:rPr lang="en-US" sz="1400" dirty="0" smtClean="0"/>
-              <a:t>or </a:t>
-            </a:r>
-          </a:p>
-          <a:p>
-            <a:r>
-              <a:rPr lang="en-US" sz="1400" dirty="0" smtClean="0"/>
-              <a:t>with </a:t>
-            </a:r>
-          </a:p>
-          <a:p>
-            <a:r>
-              <a:rPr lang="en-US" sz="1400" dirty="0" smtClean="0"/>
-              <a:t>assert </a:t>
-            </a:r>
-          </a:p>
-          <a:p>
-            <a:r>
-              <a:rPr lang="en-US" sz="1400" dirty="0" smtClean="0"/>
-              <a:t>else </a:t>
-            </a:r>
-          </a:p>
-          <a:p>
-            <a:r>
-              <a:rPr lang="en-US" sz="1400" dirty="0" smtClean="0"/>
-              <a:t>if </a:t>
-            </a:r>
-          </a:p>
-          <a:p>
-            <a:r>
-              <a:rPr lang="en-US" sz="1400" dirty="0" smtClean="0"/>
-              <a:t>pass </a:t>
-            </a:r>
-          </a:p>
-          <a:p>
-            <a:r>
-              <a:rPr lang="en-US" sz="1400" dirty="0" smtClean="0"/>
-              <a:t>yield </a:t>
-            </a:r>
-          </a:p>
-          <a:p>
-            <a:r>
-              <a:rPr lang="en-US" sz="1400" dirty="0" smtClean="0"/>
-              <a:t>break </a:t>
-            </a:r>
-          </a:p>
-          <a:p>
-            <a:r>
-              <a:rPr lang="en-US" sz="1400" dirty="0" smtClean="0"/>
-              <a:t>except </a:t>
-            </a:r>
-          </a:p>
-          <a:p>
-            <a:r>
-              <a:rPr lang="en-US" sz="1400" dirty="0" smtClean="0"/>
-              <a:t>import </a:t>
-            </a:r>
-          </a:p>
-          <a:p>
-            <a:r>
-              <a:rPr lang="en-US" sz="1400" dirty="0" smtClean="0"/>
-              <a:t>print </a:t>
-            </a:r>
-          </a:p>
-          <a:p>
-            <a:r>
-              <a:rPr lang="en-US" sz="1400" dirty="0" smtClean="0"/>
-              <a:t>class </a:t>
-            </a:r>
-          </a:p>
-          <a:p>
-            <a:r>
-              <a:rPr lang="en-US" sz="1400" dirty="0" smtClean="0"/>
-              <a:t>exec </a:t>
-            </a:r>
-          </a:p>
-          <a:p>
-            <a:r>
-              <a:rPr lang="en-US" sz="1400" dirty="0" smtClean="0"/>
-              <a:t>in </a:t>
-            </a:r>
-          </a:p>
-          <a:p>
-            <a:r>
-              <a:rPr lang="en-US" sz="1400" dirty="0" smtClean="0"/>
-              <a:t>raise </a:t>
-            </a:r>
-          </a:p>
-          <a:p>
-            <a:r>
-              <a:rPr lang="en-US" sz="1400" dirty="0" smtClean="0"/>
-              <a:t>continue </a:t>
-            </a:r>
-          </a:p>
-          <a:p>
-            <a:r>
-              <a:rPr lang="en-US" sz="1400" dirty="0" smtClean="0"/>
-              <a:t>finally </a:t>
-            </a:r>
-          </a:p>
-          <a:p>
-            <a:r>
-              <a:rPr lang="en-US" sz="1400" dirty="0" smtClean="0"/>
-              <a:t>is </a:t>
-            </a:r>
-          </a:p>
-          <a:p>
-            <a:r>
-              <a:rPr lang="en-US" sz="1400" dirty="0" smtClean="0"/>
-              <a:t>return </a:t>
-            </a:r>
-          </a:p>
-          <a:p>
-            <a:r>
-              <a:rPr lang="en-US" sz="1400" dirty="0" err="1" smtClean="0"/>
-              <a:t>def</a:t>
-            </a:r>
-            <a:r>
-              <a:rPr lang="en-US" sz="1400" dirty="0" smtClean="0"/>
-              <a:t> </a:t>
-            </a:r>
-          </a:p>
-          <a:p>
-            <a:r>
-              <a:rPr lang="en-US" sz="1400" dirty="0" smtClean="0"/>
-              <a:t>for </a:t>
-            </a:r>
-          </a:p>
-          <a:p>
-            <a:r>
-              <a:rPr lang="en-US" sz="1400" dirty="0" smtClean="0"/>
-              <a:t>lambda </a:t>
-            </a:r>
-          </a:p>
-          <a:p>
-            <a:r>
-              <a:rPr lang="en-US" sz="1400" dirty="0" smtClean="0"/>
-              <a:t>try</a:t>
-            </a:r>
-            <a:endParaRPr lang="en-US" sz="1400" dirty="0"/>
-          </a:p>
-        </p:txBody>
-      </p:sp>
-    </p:spTree>
-    <p:extLst>
-      <p:ext uri="{BB962C8B-B14F-4D97-AF65-F5344CB8AC3E}">
-        <p14:creationId xmlns:p14="http://schemas.microsoft.com/office/powerpoint/2010/main" val="1969476062"/>
-      </p:ext>
-    </p:extLst>
-  </p:cSld>
-  <p:clrMapOvr>
-    <a:masterClrMapping/>
-  </p:clrMapOvr>
-  <mc:AlternateContent xmlns:mc="http://schemas.openxmlformats.org/markup-compatibility/2006" xmlns:p14="http://schemas.microsoft.com/office/powerpoint/2010/main">
-    <mc:Choice Requires="p14">
-      <p:transition spd="slow" p14:dur="2000"/>
-    </mc:Choice>
-    <mc:Fallback xmlns="">
-      <p:transition xmlns:p14="http://schemas.microsoft.com/office/powerpoint/2010/main" spd="slow"/>
-    </mc:Fallback>
-  </mc:AlternateContent>
-  <p:timing>
-    <p:tnLst>
-      <p:par>
-        <p:cTn id="1" dur="indefinite" restart="never" nodeType="tmRoot"/>
-      </p:par>
-    </p:tnLst>
-  </p:timing>
-</p:sld>
-</file>
-
-<file path=ppt/slides/slide5.xml><?xml version="1.0" encoding="utf-8"?>
-<p:sld xmlns:a="http://schemas.openxmlformats.org/drawingml/2006/main" xmlns:r="http://schemas.openxmlformats.org/officeDocument/2006/relationships" xmlns:p="http://schemas.openxmlformats.org/presentationml/2006/main">
-  <p:cSld>
-    <p:spTree>
-      <p:nvGrpSpPr>
-        <p:cNvPr id="1" name=""/>
-        <p:cNvGrpSpPr/>
-        <p:nvPr/>
-      </p:nvGrpSpPr>
-      <p:grpSpPr>
-        <a:xfrm>
-          <a:off x="0" y="0"/>
-          <a:ext cx="0" cy="0"/>
-          <a:chOff x="0" y="0"/>
-          <a:chExt cx="0" cy="0"/>
-        </a:xfrm>
-      </p:grpSpPr>
-      <p:sp>
-        <p:nvSpPr>
-          <p:cNvPr id="2" name="Title 1"/>
-          <p:cNvSpPr>
-            <a:spLocks noGrp="1"/>
-          </p:cNvSpPr>
-          <p:nvPr>
-            <p:ph type="title"/>
-          </p:nvPr>
-        </p:nvSpPr>
-        <p:spPr/>
-        <p:txBody>
-          <a:bodyPr/>
-          <a:lstStyle/>
-          <a:p>
-            <a:r>
-              <a:rPr lang="en-US" dirty="0" smtClean="0"/>
-              <a:t>Math Operators</a:t>
-            </a:r>
-            <a:endParaRPr lang="en-US" dirty="0"/>
-          </a:p>
-        </p:txBody>
-      </p:sp>
-      <p:sp>
-        <p:nvSpPr>
-          <p:cNvPr id="3" name="Content Placeholder 2"/>
-          <p:cNvSpPr>
-            <a:spLocks noGrp="1"/>
-          </p:cNvSpPr>
-          <p:nvPr>
-            <p:ph idx="1"/>
-          </p:nvPr>
-        </p:nvSpPr>
-        <p:spPr>
-          <a:xfrm>
-            <a:off x="664472" y="583814"/>
-            <a:ext cx="7662864" cy="3911986"/>
-          </a:xfrm>
-        </p:spPr>
-        <p:txBody>
-          <a:bodyPr>
-            <a:noAutofit/>
-          </a:bodyPr>
-          <a:lstStyle/>
-          <a:p>
-            <a:r>
-              <a:rPr lang="en-US" sz="1400" dirty="0" smtClean="0"/>
-              <a:t>Python includes all basic math operators ( +, - , *, / )</a:t>
-            </a:r>
-          </a:p>
-          <a:p>
-            <a:r>
-              <a:rPr lang="en-US" sz="1400" dirty="0" smtClean="0"/>
-              <a:t>There are additional operators available for exponentiation (**) and modulus (%)</a:t>
-            </a:r>
-          </a:p>
-          <a:p>
-            <a:r>
-              <a:rPr lang="en-US" sz="1400" dirty="0" smtClean="0"/>
-              <a:t>The result of a division operation depends on the </a:t>
-            </a:r>
-            <a:r>
-              <a:rPr lang="en-US" sz="1400" dirty="0" err="1" smtClean="0"/>
-              <a:t>datatype</a:t>
-            </a:r>
-            <a:r>
-              <a:rPr lang="en-US" sz="1400" dirty="0" smtClean="0"/>
-              <a:t> of the value (floor division).</a:t>
-            </a:r>
-          </a:p>
-          <a:p>
-            <a:r>
-              <a:rPr lang="en-US" sz="1400" dirty="0" smtClean="0"/>
-              <a:t>The addition operator can be used with strings as a </a:t>
-            </a:r>
-            <a:r>
-              <a:rPr lang="en-US" sz="1400" dirty="0" err="1" smtClean="0"/>
-              <a:t>concatenator</a:t>
-            </a:r>
-            <a:endParaRPr lang="en-US" sz="1400" dirty="0" smtClean="0"/>
-          </a:p>
-          <a:p>
-            <a:r>
-              <a:rPr lang="en-US" sz="1400" dirty="0" smtClean="0"/>
-              <a:t>Rules of Precedence:</a:t>
-            </a:r>
-          </a:p>
-          <a:p>
-            <a:pPr lvl="1"/>
-            <a:r>
-              <a:rPr lang="en-US" sz="1200" b="1" dirty="0" smtClean="0"/>
-              <a:t>P</a:t>
-            </a:r>
-            <a:r>
-              <a:rPr lang="en-US" sz="1400" dirty="0" smtClean="0"/>
-              <a:t>arenthesis</a:t>
-            </a:r>
-          </a:p>
-          <a:p>
-            <a:pPr lvl="1"/>
-            <a:r>
-              <a:rPr lang="en-US" sz="1200" b="1" dirty="0" smtClean="0"/>
-              <a:t>E</a:t>
-            </a:r>
-            <a:r>
-              <a:rPr lang="en-US" sz="1400" dirty="0" smtClean="0"/>
-              <a:t>xponentiation</a:t>
-            </a:r>
-          </a:p>
-          <a:p>
-            <a:pPr lvl="1"/>
-            <a:r>
-              <a:rPr lang="en-US" sz="1200" b="1" dirty="0" smtClean="0"/>
-              <a:t>M</a:t>
-            </a:r>
-            <a:r>
-              <a:rPr lang="en-US" sz="1400" dirty="0" smtClean="0"/>
-              <a:t>ultiplication</a:t>
-            </a:r>
-          </a:p>
-          <a:p>
-            <a:pPr lvl="1"/>
-            <a:r>
-              <a:rPr lang="en-US" sz="1200" b="1" dirty="0" smtClean="0"/>
-              <a:t>D</a:t>
-            </a:r>
-            <a:r>
-              <a:rPr lang="en-US" sz="1400" dirty="0" smtClean="0"/>
-              <a:t>ivision</a:t>
-            </a:r>
-          </a:p>
-          <a:p>
-            <a:pPr lvl="1"/>
-            <a:r>
-              <a:rPr lang="en-US" sz="1200" b="1" dirty="0" smtClean="0"/>
-              <a:t>A</a:t>
-            </a:r>
-            <a:r>
-              <a:rPr lang="en-US" sz="1400" dirty="0" smtClean="0"/>
-              <a:t>ddition</a:t>
-            </a:r>
-          </a:p>
-          <a:p>
-            <a:pPr lvl="1"/>
-            <a:r>
-              <a:rPr lang="en-US" sz="1200" b="1" dirty="0" err="1" smtClean="0"/>
-              <a:t>S</a:t>
-            </a:r>
-            <a:r>
-              <a:rPr lang="en-US" sz="1400" dirty="0" err="1" smtClean="0"/>
-              <a:t>ubstraction</a:t>
-            </a:r>
-            <a:r>
-              <a:rPr lang="en-US" sz="1400" dirty="0" smtClean="0"/>
-              <a:t> </a:t>
-            </a:r>
-            <a:endParaRPr lang="en-US" sz="1400" dirty="0"/>
-          </a:p>
-        </p:txBody>
-      </p:sp>
-    </p:spTree>
-    <p:extLst>
-      <p:ext uri="{BB962C8B-B14F-4D97-AF65-F5344CB8AC3E}">
-        <p14:creationId xmlns:p14="http://schemas.microsoft.com/office/powerpoint/2010/main" val="289255809"/>
-      </p:ext>
-    </p:extLst>
-  </p:cSld>
-  <p:clrMapOvr>
-    <a:masterClrMapping/>
-  </p:clrMapOvr>
-  <mc:AlternateContent xmlns:mc="http://schemas.openxmlformats.org/markup-compatibility/2006" xmlns:p14="http://schemas.microsoft.com/office/powerpoint/2010/main">
-    <mc:Choice Requires="p14">
-      <p:transition spd="slow" p14:dur="2000"/>
-    </mc:Choice>
-    <mc:Fallback xmlns="">
-      <p:transition xmlns:p14="http://schemas.microsoft.com/office/powerpoint/2010/main" spd="slow"/>
-    </mc:Fallback>
-  </mc:AlternateContent>
-  <p:timing>
-    <p:tnLst>
-      <p:par>
-        <p:cTn id="1" dur="indefinite" restart="never" nodeType="tmRoot">
-          <p:childTnLst>
-            <p:seq concurrent="1" nextAc="seek">
-              <p:cTn id="2" dur="indefinite" nodeType="mainSeq">
-                <p:childTnLst>
-                  <p:par>
-                    <p:cTn id="3" fill="hold">
-                      <p:stCondLst>
-                        <p:cond delay="indefinite"/>
-                      </p:stCondLst>
-                      <p:childTnLst>
-                        <p:par>
-                          <p:cTn id="4" fill="hold">
-                            <p:stCondLst>
-                              <p:cond delay="0"/>
-                            </p:stCondLst>
-                            <p:childTnLst>
-                              <p:par>
-                                <p:cTn id="5" presetID="12" presetClass="entr" presetSubtype="4" fill="hold" grpId="0" nodeType="clickEffect">
-                                  <p:stCondLst>
-                                    <p:cond delay="0"/>
-                                  </p:stCondLst>
-                                  <p:childTnLst>
-                                    <p:set>
-                                      <p:cBhvr>
-                                        <p:cTn id="6" dur="1" fill="hold">
-                                          <p:stCondLst>
-                                            <p:cond delay="0"/>
-                                          </p:stCondLst>
-                                        </p:cTn>
-                                        <p:tgtEl>
-                                          <p:spTgt spid="3">
-                                            <p:txEl>
-                                              <p:pRg st="0" end="0"/>
-                                            </p:txEl>
-                                          </p:spTgt>
-                                        </p:tgtEl>
-                                        <p:attrNameLst>
-                                          <p:attrName>style.visibility</p:attrName>
-                                        </p:attrNameLst>
-                                      </p:cBhvr>
-                                      <p:to>
-                                        <p:strVal val="visible"/>
-                                      </p:to>
-                                    </p:set>
-                                    <p:anim calcmode="lin" valueType="num">
-                                      <p:cBhvr additive="base">
-                                        <p:cTn id="7" dur="500"/>
-                                        <p:tgtEl>
-                                          <p:spTgt spid="3">
-                                            <p:txEl>
-                                              <p:pRg st="0" end="0"/>
-                                            </p:txEl>
-                                          </p:spTgt>
-                                        </p:tgtEl>
-                                        <p:attrNameLst>
-                                          <p:attrName>ppt_y</p:attrName>
-                                        </p:attrNameLst>
-                                      </p:cBhvr>
-                                      <p:tavLst>
-                                        <p:tav tm="0">
-                                          <p:val>
-                                            <p:strVal val="#ppt_y+#ppt_h*1.125000"/>
-                                          </p:val>
-                                        </p:tav>
-                                        <p:tav tm="100000">
-                                          <p:val>
-                                            <p:strVal val="#ppt_y"/>
-                                          </p:val>
-                                        </p:tav>
-                                      </p:tavLst>
-                                    </p:anim>
-                                    <p:animEffect transition="in" filter="wipe(up)">
-                                      <p:cBhvr>
-                                        <p:cTn id="8" dur="500"/>
-                                        <p:tgtEl>
-                                          <p:spTgt spid="3">
-                                            <p:txEl>
-                                              <p:pRg st="0" end="0"/>
-                                            </p:txEl>
-                                          </p:spTgt>
-                                        </p:tgtEl>
-                                      </p:cBhvr>
-                                    </p:animEffect>
-                                  </p:childTnLst>
-                                </p:cTn>
-                              </p:par>
-                            </p:childTnLst>
-                          </p:cTn>
-                        </p:par>
-                      </p:childTnLst>
-                    </p:cTn>
-                  </p:par>
-                  <p:par>
-                    <p:cTn id="9" fill="hold">
-                      <p:stCondLst>
-                        <p:cond delay="indefinite"/>
-                      </p:stCondLst>
-                      <p:childTnLst>
-                        <p:par>
-                          <p:cTn id="10" fill="hold">
-                            <p:stCondLst>
-                              <p:cond delay="0"/>
-                            </p:stCondLst>
-                            <p:childTnLst>
-                              <p:par>
-                                <p:cTn id="11" presetID="12" presetClass="entr" presetSubtype="4" fill="hold" grpId="0" nodeType="clickEffect">
-                                  <p:stCondLst>
-                                    <p:cond delay="0"/>
-                                  </p:stCondLst>
-                                  <p:childTnLst>
-                                    <p:set>
-                                      <p:cBhvr>
-                                        <p:cTn id="12" dur="1" fill="hold">
-                                          <p:stCondLst>
-                                            <p:cond delay="0"/>
-                                          </p:stCondLst>
-                                        </p:cTn>
-                                        <p:tgtEl>
-                                          <p:spTgt spid="3">
-                                            <p:txEl>
-                                              <p:pRg st="1" end="1"/>
-                                            </p:txEl>
-                                          </p:spTgt>
-                                        </p:tgtEl>
-                                        <p:attrNameLst>
-                                          <p:attrName>style.visibility</p:attrName>
-                                        </p:attrNameLst>
-                                      </p:cBhvr>
-                                      <p:to>
-                                        <p:strVal val="visible"/>
-                                      </p:to>
-                                    </p:set>
-                                    <p:anim calcmode="lin" valueType="num">
-                                      <p:cBhvr additive="base">
-                                        <p:cTn id="13" dur="500"/>
-                                        <p:tgtEl>
-                                          <p:spTgt spid="3">
-                                            <p:txEl>
-                                              <p:pRg st="1" end="1"/>
-                                            </p:txEl>
-                                          </p:spTgt>
-                                        </p:tgtEl>
-                                        <p:attrNameLst>
-                                          <p:attrName>ppt_y</p:attrName>
-                                        </p:attrNameLst>
-                                      </p:cBhvr>
-                                      <p:tavLst>
-                                        <p:tav tm="0">
-                                          <p:val>
-                                            <p:strVal val="#ppt_y+#ppt_h*1.125000"/>
-                                          </p:val>
-                                        </p:tav>
-                                        <p:tav tm="100000">
-                                          <p:val>
-                                            <p:strVal val="#ppt_y"/>
-                                          </p:val>
-                                        </p:tav>
-                                      </p:tavLst>
-                                    </p:anim>
-                                    <p:animEffect transition="in" filter="wipe(up)">
-                                      <p:cBhvr>
-                                        <p:cTn id="14" dur="500"/>
-                                        <p:tgtEl>
-                                          <p:spTgt spid="3">
-                                            <p:txEl>
-                                              <p:pRg st="1" end="1"/>
-                                            </p:txEl>
-                                          </p:spTgt>
-                                        </p:tgtEl>
-                                      </p:cBhvr>
-                                    </p:animEffect>
-                                  </p:childTnLst>
-                                </p:cTn>
-                              </p:par>
-                            </p:childTnLst>
-                          </p:cTn>
-                        </p:par>
-                      </p:childTnLst>
-                    </p:cTn>
-                  </p:par>
-                  <p:par>
-                    <p:cTn id="15" fill="hold">
-                      <p:stCondLst>
-                        <p:cond delay="indefinite"/>
-                      </p:stCondLst>
-                      <p:childTnLst>
-                        <p:par>
-                          <p:cTn id="16" fill="hold">
-                            <p:stCondLst>
-                              <p:cond delay="0"/>
-                            </p:stCondLst>
-                            <p:childTnLst>
-                              <p:par>
-                                <p:cTn id="17" presetID="12" presetClass="entr" presetSubtype="4" fill="hold" grpId="0" nodeType="clickEffect">
-                                  <p:stCondLst>
-                                    <p:cond delay="0"/>
-                                  </p:stCondLst>
-                                  <p:childTnLst>
-                                    <p:set>
-                                      <p:cBhvr>
-                                        <p:cTn id="18" dur="1" fill="hold">
-                                          <p:stCondLst>
-                                            <p:cond delay="0"/>
-                                          </p:stCondLst>
-                                        </p:cTn>
-                                        <p:tgtEl>
-                                          <p:spTgt spid="3">
-                                            <p:txEl>
-                                              <p:pRg st="2" end="2"/>
-                                            </p:txEl>
-                                          </p:spTgt>
-                                        </p:tgtEl>
-                                        <p:attrNameLst>
-                                          <p:attrName>style.visibility</p:attrName>
-                                        </p:attrNameLst>
-                                      </p:cBhvr>
-                                      <p:to>
-                                        <p:strVal val="visible"/>
-                                      </p:to>
-                                    </p:set>
-                                    <p:anim calcmode="lin" valueType="num">
-                                      <p:cBhvr additive="base">
-                                        <p:cTn id="19" dur="500"/>
-                                        <p:tgtEl>
-                                          <p:spTgt spid="3">
-                                            <p:txEl>
-                                              <p:pRg st="2" end="2"/>
-                                            </p:txEl>
-                                          </p:spTgt>
-                                        </p:tgtEl>
-                                        <p:attrNameLst>
-                                          <p:attrName>ppt_y</p:attrName>
-                                        </p:attrNameLst>
-                                      </p:cBhvr>
-                                      <p:tavLst>
-                                        <p:tav tm="0">
-                                          <p:val>
-                                            <p:strVal val="#ppt_y+#ppt_h*1.125000"/>
-                                          </p:val>
-                                        </p:tav>
-                                        <p:tav tm="100000">
-                                          <p:val>
-                                            <p:strVal val="#ppt_y"/>
-                                          </p:val>
-                                        </p:tav>
-                                      </p:tavLst>
-                                    </p:anim>
-                                    <p:animEffect transition="in" filter="wipe(up)">
-                                      <p:cBhvr>
-                                        <p:cTn id="20" dur="500"/>
-                                        <p:tgtEl>
-                                          <p:spTgt spid="3">
-                                            <p:txEl>
-                                              <p:pRg st="2" end="2"/>
-                                            </p:txEl>
-                                          </p:spTgt>
-                                        </p:tgtEl>
-                                      </p:cBhvr>
-                                    </p:animEffect>
-                                  </p:childTnLst>
-                                </p:cTn>
-                              </p:par>
-                            </p:childTnLst>
-                          </p:cTn>
-                        </p:par>
-                      </p:childTnLst>
-                    </p:cTn>
-                  </p:par>
-                  <p:par>
-                    <p:cTn id="21" fill="hold">
-                      <p:stCondLst>
-                        <p:cond delay="indefinite"/>
-                      </p:stCondLst>
-                      <p:childTnLst>
-                        <p:par>
-                          <p:cTn id="22" fill="hold">
-                            <p:stCondLst>
-                              <p:cond delay="0"/>
-                            </p:stCondLst>
-                            <p:childTnLst>
-                              <p:par>
-                                <p:cTn id="23" presetID="12" presetClass="entr" presetSubtype="4" fill="hold" grpId="0" nodeType="clickEffect">
-                                  <p:stCondLst>
-                                    <p:cond delay="0"/>
-                                  </p:stCondLst>
-                                  <p:childTnLst>
-                                    <p:set>
-                                      <p:cBhvr>
-                                        <p:cTn id="24" dur="1" fill="hold">
-                                          <p:stCondLst>
-                                            <p:cond delay="0"/>
-                                          </p:stCondLst>
-                                        </p:cTn>
-                                        <p:tgtEl>
-                                          <p:spTgt spid="3">
-                                            <p:txEl>
-                                              <p:pRg st="3" end="3"/>
-                                            </p:txEl>
-                                          </p:spTgt>
-                                        </p:tgtEl>
-                                        <p:attrNameLst>
-                                          <p:attrName>style.visibility</p:attrName>
-                                        </p:attrNameLst>
-                                      </p:cBhvr>
-                                      <p:to>
-                                        <p:strVal val="visible"/>
-                                      </p:to>
-                                    </p:set>
-                                    <p:anim calcmode="lin" valueType="num">
-                                      <p:cBhvr additive="base">
-                                        <p:cTn id="25" dur="500"/>
-                                        <p:tgtEl>
-                                          <p:spTgt spid="3">
-                                            <p:txEl>
-                                              <p:pRg st="3" end="3"/>
-                                            </p:txEl>
-                                          </p:spTgt>
-                                        </p:tgtEl>
-                                        <p:attrNameLst>
-                                          <p:attrName>ppt_y</p:attrName>
-                                        </p:attrNameLst>
-                                      </p:cBhvr>
-                                      <p:tavLst>
-                                        <p:tav tm="0">
-                                          <p:val>
-                                            <p:strVal val="#ppt_y+#ppt_h*1.125000"/>
-                                          </p:val>
-                                        </p:tav>
-                                        <p:tav tm="100000">
-                                          <p:val>
-                                            <p:strVal val="#ppt_y"/>
-                                          </p:val>
-                                        </p:tav>
-                                      </p:tavLst>
-                                    </p:anim>
-                                    <p:animEffect transition="in" filter="wipe(up)">
-                                      <p:cBhvr>
-                                        <p:cTn id="26" dur="500"/>
-                                        <p:tgtEl>
-                                          <p:spTgt spid="3">
-                                            <p:txEl>
-                                              <p:pRg st="3" end="3"/>
-                                            </p:txEl>
-                                          </p:spTgt>
-                                        </p:tgtEl>
-                                      </p:cBhvr>
-                                    </p:animEffect>
-                                  </p:childTnLst>
-                                </p:cTn>
-                              </p:par>
-                            </p:childTnLst>
-                          </p:cTn>
-                        </p:par>
-                      </p:childTnLst>
-                    </p:cTn>
-                  </p:par>
-                  <p:par>
-                    <p:cTn id="27" fill="hold">
-                      <p:stCondLst>
-                        <p:cond delay="indefinite"/>
-                      </p:stCondLst>
-                      <p:childTnLst>
-                        <p:par>
-                          <p:cTn id="28" fill="hold">
-                            <p:stCondLst>
-                              <p:cond delay="0"/>
-                            </p:stCondLst>
-                            <p:childTnLst>
-                              <p:par>
-                                <p:cTn id="29" presetID="12" presetClass="entr" presetSubtype="4" fill="hold" grpId="0" nodeType="clickEffect">
-                                  <p:stCondLst>
-                                    <p:cond delay="0"/>
-                                  </p:stCondLst>
-                                  <p:childTnLst>
-                                    <p:set>
-                                      <p:cBhvr>
-                                        <p:cTn id="30" dur="1" fill="hold">
-                                          <p:stCondLst>
-                                            <p:cond delay="0"/>
-                                          </p:stCondLst>
-                                        </p:cTn>
-                                        <p:tgtEl>
-                                          <p:spTgt spid="3">
-                                            <p:txEl>
-                                              <p:pRg st="4" end="4"/>
-                                            </p:txEl>
-                                          </p:spTgt>
-                                        </p:tgtEl>
-                                        <p:attrNameLst>
-                                          <p:attrName>style.visibility</p:attrName>
-                                        </p:attrNameLst>
-                                      </p:cBhvr>
-                                      <p:to>
-                                        <p:strVal val="visible"/>
-                                      </p:to>
-                                    </p:set>
-                                    <p:anim calcmode="lin" valueType="num">
-                                      <p:cBhvr additive="base">
-                                        <p:cTn id="31" dur="500"/>
-                                        <p:tgtEl>
-                                          <p:spTgt spid="3">
-                                            <p:txEl>
-                                              <p:pRg st="4" end="4"/>
-                                            </p:txEl>
-                                          </p:spTgt>
-                                        </p:tgtEl>
-                                        <p:attrNameLst>
-                                          <p:attrName>ppt_y</p:attrName>
-                                        </p:attrNameLst>
-                                      </p:cBhvr>
-                                      <p:tavLst>
-                                        <p:tav tm="0">
-                                          <p:val>
-                                            <p:strVal val="#ppt_y+#ppt_h*1.125000"/>
-                                          </p:val>
-                                        </p:tav>
-                                        <p:tav tm="100000">
-                                          <p:val>
-                                            <p:strVal val="#ppt_y"/>
-                                          </p:val>
-                                        </p:tav>
-                                      </p:tavLst>
-                                    </p:anim>
-                                    <p:animEffect transition="in" filter="wipe(up)">
-                                      <p:cBhvr>
-                                        <p:cTn id="32" dur="500"/>
-                                        <p:tgtEl>
-                                          <p:spTgt spid="3">
-                                            <p:txEl>
-                                              <p:pRg st="4" end="4"/>
-                                            </p:txEl>
-                                          </p:spTgt>
-                                        </p:tgtEl>
-                                      </p:cBhvr>
-                                    </p:animEffect>
-                                  </p:childTnLst>
-                                </p:cTn>
-                              </p:par>
-                              <p:par>
-                                <p:cTn id="33" presetID="12" presetClass="entr" presetSubtype="4" fill="hold" grpId="0" nodeType="withEffect">
-                                  <p:stCondLst>
-                                    <p:cond delay="0"/>
-                                  </p:stCondLst>
-                                  <p:childTnLst>
-                                    <p:set>
-                                      <p:cBhvr>
-                                        <p:cTn id="34" dur="1" fill="hold">
-                                          <p:stCondLst>
-                                            <p:cond delay="0"/>
-                                          </p:stCondLst>
-                                        </p:cTn>
-                                        <p:tgtEl>
-                                          <p:spTgt spid="3">
-                                            <p:txEl>
-                                              <p:pRg st="5" end="5"/>
-                                            </p:txEl>
-                                          </p:spTgt>
-                                        </p:tgtEl>
-                                        <p:attrNameLst>
-                                          <p:attrName>style.visibility</p:attrName>
-                                        </p:attrNameLst>
-                                      </p:cBhvr>
-                                      <p:to>
-                                        <p:strVal val="visible"/>
-                                      </p:to>
-                                    </p:set>
-                                    <p:anim calcmode="lin" valueType="num">
-                                      <p:cBhvr additive="base">
-                                        <p:cTn id="35" dur="500"/>
-                                        <p:tgtEl>
-                                          <p:spTgt spid="3">
-                                            <p:txEl>
-                                              <p:pRg st="5" end="5"/>
-                                            </p:txEl>
-                                          </p:spTgt>
-                                        </p:tgtEl>
-                                        <p:attrNameLst>
-                                          <p:attrName>ppt_y</p:attrName>
-                                        </p:attrNameLst>
-                                      </p:cBhvr>
-                                      <p:tavLst>
-                                        <p:tav tm="0">
-                                          <p:val>
-                                            <p:strVal val="#ppt_y+#ppt_h*1.125000"/>
-                                          </p:val>
-                                        </p:tav>
-                                        <p:tav tm="100000">
-                                          <p:val>
-                                            <p:strVal val="#ppt_y"/>
-                                          </p:val>
-                                        </p:tav>
-                                      </p:tavLst>
-                                    </p:anim>
-                                    <p:animEffect transition="in" filter="wipe(up)">
-                                      <p:cBhvr>
-                                        <p:cTn id="36" dur="500"/>
-                                        <p:tgtEl>
-                                          <p:spTgt spid="3">
-                                            <p:txEl>
-                                              <p:pRg st="5" end="5"/>
-                                            </p:txEl>
-                                          </p:spTgt>
-                                        </p:tgtEl>
-                                      </p:cBhvr>
-                                    </p:animEffect>
-                                  </p:childTnLst>
-                                </p:cTn>
-                              </p:par>
-                              <p:par>
-                                <p:cTn id="37" presetID="12" presetClass="entr" presetSubtype="4" fill="hold" grpId="0" nodeType="withEffect">
-                                  <p:stCondLst>
-                                    <p:cond delay="0"/>
-                                  </p:stCondLst>
-                                  <p:childTnLst>
-                                    <p:set>
-                                      <p:cBhvr>
-                                        <p:cTn id="38" dur="1" fill="hold">
-                                          <p:stCondLst>
-                                            <p:cond delay="0"/>
-                                          </p:stCondLst>
-                                        </p:cTn>
-                                        <p:tgtEl>
-                                          <p:spTgt spid="3">
-                                            <p:txEl>
-                                              <p:pRg st="6" end="6"/>
-                                            </p:txEl>
-                                          </p:spTgt>
-                                        </p:tgtEl>
-                                        <p:attrNameLst>
-                                          <p:attrName>style.visibility</p:attrName>
-                                        </p:attrNameLst>
-                                      </p:cBhvr>
-                                      <p:to>
-                                        <p:strVal val="visible"/>
-                                      </p:to>
-                                    </p:set>
-                                    <p:anim calcmode="lin" valueType="num">
-                                      <p:cBhvr additive="base">
-                                        <p:cTn id="39" dur="500"/>
-                                        <p:tgtEl>
-                                          <p:spTgt spid="3">
-                                            <p:txEl>
-                                              <p:pRg st="6" end="6"/>
-                                            </p:txEl>
-                                          </p:spTgt>
-                                        </p:tgtEl>
-                                        <p:attrNameLst>
-                                          <p:attrName>ppt_y</p:attrName>
-                                        </p:attrNameLst>
-                                      </p:cBhvr>
-                                      <p:tavLst>
-                                        <p:tav tm="0">
-                                          <p:val>
-                                            <p:strVal val="#ppt_y+#ppt_h*1.125000"/>
-                                          </p:val>
-                                        </p:tav>
-                                        <p:tav tm="100000">
-                                          <p:val>
-                                            <p:strVal val="#ppt_y"/>
-                                          </p:val>
-                                        </p:tav>
-                                      </p:tavLst>
-                                    </p:anim>
-                                    <p:animEffect transition="in" filter="wipe(up)">
-                                      <p:cBhvr>
-                                        <p:cTn id="40" dur="500"/>
-                                        <p:tgtEl>
-                                          <p:spTgt spid="3">
-                                            <p:txEl>
-                                              <p:pRg st="6" end="6"/>
-                                            </p:txEl>
-                                          </p:spTgt>
-                                        </p:tgtEl>
-                                      </p:cBhvr>
-                                    </p:animEffect>
-                                  </p:childTnLst>
-                                </p:cTn>
-                              </p:par>
-                              <p:par>
-                                <p:cTn id="41" presetID="12" presetClass="entr" presetSubtype="4" fill="hold" grpId="0" nodeType="withEffect">
-                                  <p:stCondLst>
-                                    <p:cond delay="0"/>
-                                  </p:stCondLst>
-                                  <p:childTnLst>
-                                    <p:set>
-                                      <p:cBhvr>
-                                        <p:cTn id="42" dur="1" fill="hold">
-                                          <p:stCondLst>
-                                            <p:cond delay="0"/>
-                                          </p:stCondLst>
-                                        </p:cTn>
-                                        <p:tgtEl>
-                                          <p:spTgt spid="3">
-                                            <p:txEl>
-                                              <p:pRg st="7" end="7"/>
-                                            </p:txEl>
-                                          </p:spTgt>
-                                        </p:tgtEl>
-                                        <p:attrNameLst>
-                                          <p:attrName>style.visibility</p:attrName>
-                                        </p:attrNameLst>
-                                      </p:cBhvr>
-                                      <p:to>
-                                        <p:strVal val="visible"/>
-                                      </p:to>
-                                    </p:set>
-                                    <p:anim calcmode="lin" valueType="num">
-                                      <p:cBhvr additive="base">
-                                        <p:cTn id="43" dur="500"/>
-                                        <p:tgtEl>
-                                          <p:spTgt spid="3">
-                                            <p:txEl>
-                                              <p:pRg st="7" end="7"/>
-                                            </p:txEl>
-                                          </p:spTgt>
-                                        </p:tgtEl>
-                                        <p:attrNameLst>
-                                          <p:attrName>ppt_y</p:attrName>
-                                        </p:attrNameLst>
-                                      </p:cBhvr>
-                                      <p:tavLst>
-                                        <p:tav tm="0">
-                                          <p:val>
-                                            <p:strVal val="#ppt_y+#ppt_h*1.125000"/>
-                                          </p:val>
-                                        </p:tav>
-                                        <p:tav tm="100000">
-                                          <p:val>
-                                            <p:strVal val="#ppt_y"/>
-                                          </p:val>
-                                        </p:tav>
-                                      </p:tavLst>
-                                    </p:anim>
-                                    <p:animEffect transition="in" filter="wipe(up)">
-                                      <p:cBhvr>
-                                        <p:cTn id="44" dur="500"/>
-                                        <p:tgtEl>
-                                          <p:spTgt spid="3">
-                                            <p:txEl>
-                                              <p:pRg st="7" end="7"/>
-                                            </p:txEl>
-                                          </p:spTgt>
-                                        </p:tgtEl>
-                                      </p:cBhvr>
-                                    </p:animEffect>
-                                  </p:childTnLst>
-                                </p:cTn>
-                              </p:par>
-                              <p:par>
-                                <p:cTn id="45" presetID="12" presetClass="entr" presetSubtype="4" fill="hold" grpId="0" nodeType="withEffect">
-                                  <p:stCondLst>
-                                    <p:cond delay="0"/>
-                                  </p:stCondLst>
-                                  <p:childTnLst>
-                                    <p:set>
-                                      <p:cBhvr>
-                                        <p:cTn id="46" dur="1" fill="hold">
-                                          <p:stCondLst>
-                                            <p:cond delay="0"/>
-                                          </p:stCondLst>
-                                        </p:cTn>
-                                        <p:tgtEl>
-                                          <p:spTgt spid="3">
-                                            <p:txEl>
-                                              <p:pRg st="8" end="8"/>
-                                            </p:txEl>
-                                          </p:spTgt>
-                                        </p:tgtEl>
-                                        <p:attrNameLst>
-                                          <p:attrName>style.visibility</p:attrName>
-                                        </p:attrNameLst>
-                                      </p:cBhvr>
-                                      <p:to>
-                                        <p:strVal val="visible"/>
-                                      </p:to>
-                                    </p:set>
-                                    <p:anim calcmode="lin" valueType="num">
-                                      <p:cBhvr additive="base">
-                                        <p:cTn id="47" dur="500"/>
-                                        <p:tgtEl>
-                                          <p:spTgt spid="3">
-                                            <p:txEl>
-                                              <p:pRg st="8" end="8"/>
-                                            </p:txEl>
-                                          </p:spTgt>
-                                        </p:tgtEl>
-                                        <p:attrNameLst>
-                                          <p:attrName>ppt_y</p:attrName>
-                                        </p:attrNameLst>
-                                      </p:cBhvr>
-                                      <p:tavLst>
-                                        <p:tav tm="0">
-                                          <p:val>
-                                            <p:strVal val="#ppt_y+#ppt_h*1.125000"/>
-                                          </p:val>
-                                        </p:tav>
-                                        <p:tav tm="100000">
-                                          <p:val>
-                                            <p:strVal val="#ppt_y"/>
-                                          </p:val>
-                                        </p:tav>
-                                      </p:tavLst>
-                                    </p:anim>
-                                    <p:animEffect transition="in" filter="wipe(up)">
-                                      <p:cBhvr>
-                                        <p:cTn id="48" dur="500"/>
-                                        <p:tgtEl>
-                                          <p:spTgt spid="3">
-                                            <p:txEl>
-                                              <p:pRg st="8" end="8"/>
-                                            </p:txEl>
-                                          </p:spTgt>
-                                        </p:tgtEl>
-                                      </p:cBhvr>
-                                    </p:animEffect>
-                                  </p:childTnLst>
-                                </p:cTn>
-                              </p:par>
-                              <p:par>
-                                <p:cTn id="49" presetID="12" presetClass="entr" presetSubtype="4" fill="hold" grpId="0" nodeType="withEffect">
-                                  <p:stCondLst>
-                                    <p:cond delay="0"/>
-                                  </p:stCondLst>
-                                  <p:childTnLst>
-                                    <p:set>
-                                      <p:cBhvr>
-                                        <p:cTn id="50" dur="1" fill="hold">
-                                          <p:stCondLst>
-                                            <p:cond delay="0"/>
-                                          </p:stCondLst>
-                                        </p:cTn>
-                                        <p:tgtEl>
-                                          <p:spTgt spid="3">
-                                            <p:txEl>
-                                              <p:pRg st="9" end="9"/>
-                                            </p:txEl>
-                                          </p:spTgt>
-                                        </p:tgtEl>
-                                        <p:attrNameLst>
-                                          <p:attrName>style.visibility</p:attrName>
-                                        </p:attrNameLst>
-                                      </p:cBhvr>
-                                      <p:to>
-                                        <p:strVal val="visible"/>
-                                      </p:to>
-                                    </p:set>
-                                    <p:anim calcmode="lin" valueType="num">
-                                      <p:cBhvr additive="base">
-                                        <p:cTn id="51" dur="500"/>
-                                        <p:tgtEl>
-                                          <p:spTgt spid="3">
-                                            <p:txEl>
-                                              <p:pRg st="9" end="9"/>
-                                            </p:txEl>
-                                          </p:spTgt>
-                                        </p:tgtEl>
-                                        <p:attrNameLst>
-                                          <p:attrName>ppt_y</p:attrName>
-                                        </p:attrNameLst>
-                                      </p:cBhvr>
-                                      <p:tavLst>
-                                        <p:tav tm="0">
-                                          <p:val>
-                                            <p:strVal val="#ppt_y+#ppt_h*1.125000"/>
-                                          </p:val>
-                                        </p:tav>
-                                        <p:tav tm="100000">
-                                          <p:val>
-                                            <p:strVal val="#ppt_y"/>
-                                          </p:val>
-                                        </p:tav>
-                                      </p:tavLst>
-                                    </p:anim>
-                                    <p:animEffect transition="in" filter="wipe(up)">
-                                      <p:cBhvr>
-                                        <p:cTn id="52" dur="500"/>
-                                        <p:tgtEl>
-                                          <p:spTgt spid="3">
-                                            <p:txEl>
-                                              <p:pRg st="9" end="9"/>
-                                            </p:txEl>
-                                          </p:spTgt>
-                                        </p:tgtEl>
-                                      </p:cBhvr>
-                                    </p:animEffect>
-                                  </p:childTnLst>
-                                </p:cTn>
-                              </p:par>
-                              <p:par>
-                                <p:cTn id="53" presetID="12" presetClass="entr" presetSubtype="4" fill="hold" grpId="0" nodeType="withEffect">
-                                  <p:stCondLst>
-                                    <p:cond delay="0"/>
-                                  </p:stCondLst>
-                                  <p:childTnLst>
-                                    <p:set>
-                                      <p:cBhvr>
-                                        <p:cTn id="54" dur="1" fill="hold">
-                                          <p:stCondLst>
-                                            <p:cond delay="0"/>
-                                          </p:stCondLst>
-                                        </p:cTn>
-                                        <p:tgtEl>
-                                          <p:spTgt spid="3">
-                                            <p:txEl>
-                                              <p:pRg st="10" end="10"/>
-                                            </p:txEl>
-                                          </p:spTgt>
-                                        </p:tgtEl>
-                                        <p:attrNameLst>
-                                          <p:attrName>style.visibility</p:attrName>
-                                        </p:attrNameLst>
-                                      </p:cBhvr>
-                                      <p:to>
-                                        <p:strVal val="visible"/>
-                                      </p:to>
-                                    </p:set>
-                                    <p:anim calcmode="lin" valueType="num">
-                                      <p:cBhvr additive="base">
-                                        <p:cTn id="55" dur="500"/>
-                                        <p:tgtEl>
-                                          <p:spTgt spid="3">
-                                            <p:txEl>
-                                              <p:pRg st="10" end="10"/>
-                                            </p:txEl>
-                                          </p:spTgt>
-                                        </p:tgtEl>
-                                        <p:attrNameLst>
-                                          <p:attrName>ppt_y</p:attrName>
-                                        </p:attrNameLst>
-                                      </p:cBhvr>
-                                      <p:tavLst>
-                                        <p:tav tm="0">
-                                          <p:val>
-                                            <p:strVal val="#ppt_y+#ppt_h*1.125000"/>
-                                          </p:val>
-                                        </p:tav>
-                                        <p:tav tm="100000">
-                                          <p:val>
-                                            <p:strVal val="#ppt_y"/>
-                                          </p:val>
-                                        </p:tav>
-                                      </p:tavLst>
-                                    </p:anim>
-                                    <p:animEffect transition="in" filter="wipe(up)">
-                                      <p:cBhvr>
-                                        <p:cTn id="56" dur="500"/>
-                                        <p:tgtEl>
-                                          <p:spTgt spid="3">
-                                            <p:txEl>
-                                              <p:pRg st="10" end="10"/>
                                             </p:txEl>
                                           </p:spTgt>
                                         </p:tgtEl>
@@ -10442,14 +11021,15 @@
         </p:nvSpPr>
         <p:spPr/>
         <p:txBody>
-          <a:bodyPr/>
+          <a:bodyPr>
+            <a:normAutofit/>
+          </a:bodyPr>
           <a:lstStyle/>
           <a:p>
             <a:r>
-              <a:rPr lang="en-US" dirty="0" smtClean="0"/>
-              <a:t>Comments</a:t>
-            </a:r>
-            <a:endParaRPr lang="en-US" dirty="0"/>
+              <a:rPr lang="en-US" dirty="0"/>
+              <a:t>Reserved Words - Keywords</a:t>
+            </a:r>
           </a:p>
         </p:txBody>
       </p:sp>
@@ -10463,50 +11043,223 @@
             <p:ph idx="1"/>
           </p:nvPr>
         </p:nvSpPr>
-        <p:spPr/>
-        <p:txBody>
-          <a:bodyPr/>
+        <p:spPr>
+          <a:xfrm>
+            <a:off x="533400" y="629323"/>
+            <a:ext cx="8404225" cy="3728916"/>
+          </a:xfrm>
+        </p:spPr>
+        <p:txBody>
+          <a:bodyPr numCol="4">
+            <a:noAutofit/>
+          </a:bodyPr>
           <a:lstStyle/>
           <a:p>
             <a:r>
-              <a:rPr lang="en-US" dirty="0" smtClean="0"/>
-              <a:t>The symbol # is used for introducing comments</a:t>
-            </a:r>
-          </a:p>
-          <a:p>
-            <a:r>
-              <a:rPr lang="en-US" dirty="0" smtClean="0"/>
-              <a:t>Everything after # is a comment and won’t be executed</a:t>
-            </a:r>
-            <a:endParaRPr lang="en-US" dirty="0"/>
+              <a:rPr lang="en-US" sz="1400" dirty="0"/>
+              <a:t>and </a:t>
+            </a:r>
+          </a:p>
+          <a:p>
+            <a:r>
+              <a:rPr lang="en-US" sz="1400" dirty="0"/>
+              <a:t>del </a:t>
+            </a:r>
+          </a:p>
+          <a:p>
+            <a:r>
+              <a:rPr lang="en-US" sz="1400" dirty="0"/>
+              <a:t>from </a:t>
+            </a:r>
+          </a:p>
+          <a:p>
+            <a:r>
+              <a:rPr lang="en-US" sz="1400" dirty="0"/>
+              <a:t>not </a:t>
+            </a:r>
+          </a:p>
+          <a:p>
+            <a:r>
+              <a:rPr lang="en-US" sz="1400" dirty="0"/>
+              <a:t>while </a:t>
+            </a:r>
+          </a:p>
+          <a:p>
+            <a:r>
+              <a:rPr lang="en-US" sz="1400" dirty="0"/>
+              <a:t>as </a:t>
+            </a:r>
+          </a:p>
+          <a:p>
+            <a:r>
+              <a:rPr lang="en-US" sz="1400" dirty="0" err="1"/>
+              <a:t>elif</a:t>
+            </a:r>
+            <a:r>
+              <a:rPr lang="en-US" sz="1400" dirty="0"/>
+              <a:t> </a:t>
+            </a:r>
+          </a:p>
+          <a:p>
+            <a:r>
+              <a:rPr lang="en-US" sz="1400" dirty="0"/>
+              <a:t>global </a:t>
+            </a:r>
+          </a:p>
+          <a:p>
+            <a:r>
+              <a:rPr lang="en-US" sz="1400" dirty="0"/>
+              <a:t>or </a:t>
+            </a:r>
+          </a:p>
+          <a:p>
+            <a:r>
+              <a:rPr lang="en-US" sz="1400" dirty="0"/>
+              <a:t>with </a:t>
+            </a:r>
+          </a:p>
+          <a:p>
+            <a:r>
+              <a:rPr lang="en-US" sz="1400" dirty="0"/>
+              <a:t>assert </a:t>
+            </a:r>
+          </a:p>
+          <a:p>
+            <a:r>
+              <a:rPr lang="en-US" sz="1400" dirty="0"/>
+              <a:t>else </a:t>
+            </a:r>
+          </a:p>
+          <a:p>
+            <a:r>
+              <a:rPr lang="en-US" sz="1400" dirty="0"/>
+              <a:t>if </a:t>
+            </a:r>
+          </a:p>
+          <a:p>
+            <a:r>
+              <a:rPr lang="en-US" sz="1400" dirty="0"/>
+              <a:t>pass </a:t>
+            </a:r>
+          </a:p>
+          <a:p>
+            <a:r>
+              <a:rPr lang="en-US" sz="1400" dirty="0"/>
+              <a:t>yield </a:t>
+            </a:r>
+          </a:p>
+          <a:p>
+            <a:r>
+              <a:rPr lang="en-US" sz="1400" dirty="0"/>
+              <a:t>break </a:t>
+            </a:r>
+          </a:p>
+          <a:p>
+            <a:r>
+              <a:rPr lang="en-US" sz="1400" dirty="0"/>
+              <a:t>except </a:t>
+            </a:r>
+          </a:p>
+          <a:p>
+            <a:r>
+              <a:rPr lang="en-US" sz="1400" dirty="0"/>
+              <a:t>import </a:t>
+            </a:r>
+          </a:p>
+          <a:p>
+            <a:r>
+              <a:rPr lang="en-US" sz="1400" dirty="0"/>
+              <a:t>print </a:t>
+            </a:r>
+          </a:p>
+          <a:p>
+            <a:r>
+              <a:rPr lang="en-US" sz="1400" dirty="0"/>
+              <a:t>class </a:t>
+            </a:r>
+          </a:p>
+          <a:p>
+            <a:r>
+              <a:rPr lang="en-US" sz="1400" dirty="0"/>
+              <a:t>exec </a:t>
+            </a:r>
+          </a:p>
+          <a:p>
+            <a:r>
+              <a:rPr lang="en-US" sz="1400" dirty="0"/>
+              <a:t>in </a:t>
+            </a:r>
+          </a:p>
+          <a:p>
+            <a:r>
+              <a:rPr lang="en-US" sz="1400" dirty="0"/>
+              <a:t>raise </a:t>
+            </a:r>
+          </a:p>
+          <a:p>
+            <a:r>
+              <a:rPr lang="en-US" sz="1400" dirty="0"/>
+              <a:t>continue </a:t>
+            </a:r>
+          </a:p>
+          <a:p>
+            <a:r>
+              <a:rPr lang="en-US" sz="1400" dirty="0"/>
+              <a:t>finally </a:t>
+            </a:r>
+          </a:p>
+          <a:p>
+            <a:r>
+              <a:rPr lang="en-US" sz="1400" dirty="0"/>
+              <a:t>is </a:t>
+            </a:r>
+          </a:p>
+          <a:p>
+            <a:r>
+              <a:rPr lang="en-US" sz="1400" dirty="0"/>
+              <a:t>return </a:t>
+            </a:r>
+          </a:p>
+          <a:p>
+            <a:r>
+              <a:rPr lang="en-US" sz="1400" dirty="0" err="1"/>
+              <a:t>def</a:t>
+            </a:r>
+            <a:r>
+              <a:rPr lang="en-US" sz="1400" dirty="0"/>
+              <a:t> </a:t>
+            </a:r>
+          </a:p>
+          <a:p>
+            <a:r>
+              <a:rPr lang="en-US" sz="1400" dirty="0"/>
+              <a:t>for </a:t>
+            </a:r>
+          </a:p>
+          <a:p>
+            <a:r>
+              <a:rPr lang="en-US" sz="1400" dirty="0"/>
+              <a:t>lambda </a:t>
+            </a:r>
+          </a:p>
+          <a:p>
+            <a:r>
+              <a:rPr lang="en-US" sz="1400" dirty="0"/>
+              <a:t>try</a:t>
+            </a:r>
           </a:p>
         </p:txBody>
       </p:sp>
     </p:spTree>
     <p:extLst>
       <p:ext uri="{BB962C8B-B14F-4D97-AF65-F5344CB8AC3E}">
-        <p14:creationId xmlns:p14="http://schemas.microsoft.com/office/powerpoint/2010/main" val="678224992"/>
+        <p14:creationId xmlns:p14="http://schemas.microsoft.com/office/powerpoint/2010/main" val="1969476062"/>
       </p:ext>
     </p:extLst>
   </p:cSld>
   <p:clrMapOvr>
     <a:masterClrMapping/>
   </p:clrMapOvr>
-  <mc:AlternateContent xmlns:mc="http://schemas.openxmlformats.org/markup-compatibility/2006" xmlns:p14="http://schemas.microsoft.com/office/powerpoint/2010/main">
-    <mc:Choice Requires="p14">
-      <p:transition spd="slow" p14:dur="2000"/>
-    </mc:Choice>
-    <mc:Fallback xmlns="">
-      <p:transition xmlns:p14="http://schemas.microsoft.com/office/powerpoint/2010/main" spd="slow"/>
-    </mc:Fallback>
-  </mc:AlternateContent>
-  <p:timing>
-    <p:tnLst>
-      <p:par>
-        <p:cTn id="1" dur="indefinite" restart="never" nodeType="tmRoot"/>
-      </p:par>
-    </p:tnLst>
-  </p:timing>
 </p:sld>
 </file>
 
@@ -10543,10 +11296,9 @@
           <a:lstStyle/>
           <a:p>
             <a:r>
-              <a:rPr lang="en-US" dirty="0" smtClean="0"/>
-              <a:t>Functions</a:t>
-            </a:r>
-            <a:endParaRPr lang="en-US" dirty="0"/>
+              <a:rPr lang="en-US" dirty="0"/>
+              <a:t>Math Operators</a:t>
+            </a:r>
           </a:p>
         </p:txBody>
       </p:sp>
@@ -10560,49 +11312,142 @@
             <p:ph idx="1"/>
           </p:nvPr>
         </p:nvSpPr>
-        <p:spPr/>
-        <p:txBody>
-          <a:bodyPr/>
+        <p:spPr>
+          <a:xfrm>
+            <a:off x="664472" y="583814"/>
+            <a:ext cx="7662864" cy="3911986"/>
+          </a:xfrm>
+        </p:spPr>
+        <p:txBody>
+          <a:bodyPr>
+            <a:noAutofit/>
+          </a:bodyPr>
           <a:lstStyle/>
           <a:p>
             <a:r>
-              <a:rPr lang="en-US" dirty="0" smtClean="0"/>
-              <a:t>Can be pre-defined or user-defined</a:t>
-            </a:r>
-          </a:p>
-          <a:p>
-            <a:r>
-              <a:rPr lang="en-US" dirty="0" smtClean="0"/>
-              <a:t>Can receive parameters within parenthesis</a:t>
-            </a:r>
-          </a:p>
-          <a:p>
-            <a:r>
-              <a:rPr lang="en-US" dirty="0" smtClean="0"/>
-              <a:t>Perform an action</a:t>
-            </a:r>
-            <a:endParaRPr lang="en-US" dirty="0"/>
+              <a:rPr lang="en-US" sz="1400" dirty="0"/>
+              <a:t>Python includes all basic math operators ( +, - , *, / )</a:t>
+            </a:r>
+          </a:p>
+          <a:p>
+            <a:r>
+              <a:rPr lang="en-US" sz="1400" dirty="0"/>
+              <a:t>There are additional operators available for exponentiation (**) and modulus (%)</a:t>
+            </a:r>
+          </a:p>
+          <a:p>
+            <a:r>
+              <a:rPr lang="en-US" sz="1400" dirty="0"/>
+              <a:t>The result of a division operation depends on the </a:t>
+            </a:r>
+            <a:r>
+              <a:rPr lang="en-US" sz="1400" dirty="0" err="1"/>
+              <a:t>datatype</a:t>
+            </a:r>
+            <a:r>
+              <a:rPr lang="en-US" sz="1400" dirty="0"/>
+              <a:t> of the value (floor division).</a:t>
+            </a:r>
+          </a:p>
+          <a:p>
+            <a:r>
+              <a:rPr lang="en-US" sz="1400" dirty="0"/>
+              <a:t>The addition operator can be used with strings as a </a:t>
+            </a:r>
+            <a:r>
+              <a:rPr lang="en-US" sz="1400" dirty="0" err="1"/>
+              <a:t>concatenator</a:t>
+            </a:r>
+            <a:endParaRPr lang="en-US" sz="1400" dirty="0"/>
+          </a:p>
+          <a:p>
+            <a:r>
+              <a:rPr lang="en-US" sz="1400" dirty="0"/>
+              <a:t>Rules of Precedence:</a:t>
+            </a:r>
+          </a:p>
+          <a:p>
+            <a:pPr lvl="1"/>
+            <a:r>
+              <a:rPr lang="en-US" sz="1200" b="1" dirty="0"/>
+              <a:t>P</a:t>
+            </a:r>
+            <a:r>
+              <a:rPr lang="en-US" sz="1400" dirty="0"/>
+              <a:t>arenthesis</a:t>
+            </a:r>
+          </a:p>
+          <a:p>
+            <a:pPr lvl="1"/>
+            <a:r>
+              <a:rPr lang="en-US" sz="1200" b="1" dirty="0"/>
+              <a:t>E</a:t>
+            </a:r>
+            <a:r>
+              <a:rPr lang="en-US" sz="1400" dirty="0"/>
+              <a:t>xponentiation</a:t>
+            </a:r>
+          </a:p>
+          <a:p>
+            <a:pPr lvl="1"/>
+            <a:r>
+              <a:rPr lang="en-US" sz="1200" b="1" dirty="0"/>
+              <a:t>M</a:t>
+            </a:r>
+            <a:r>
+              <a:rPr lang="en-US" sz="1400" dirty="0"/>
+              <a:t>ultiplication</a:t>
+            </a:r>
+          </a:p>
+          <a:p>
+            <a:pPr lvl="1"/>
+            <a:r>
+              <a:rPr lang="en-US" sz="1200" b="1" dirty="0"/>
+              <a:t>D</a:t>
+            </a:r>
+            <a:r>
+              <a:rPr lang="en-US" sz="1400" dirty="0"/>
+              <a:t>ivision</a:t>
+            </a:r>
+          </a:p>
+          <a:p>
+            <a:pPr lvl="1"/>
+            <a:r>
+              <a:rPr lang="en-US" sz="1200" b="1" dirty="0"/>
+              <a:t>A</a:t>
+            </a:r>
+            <a:r>
+              <a:rPr lang="en-US" sz="1400" dirty="0"/>
+              <a:t>ddition</a:t>
+            </a:r>
+          </a:p>
+          <a:p>
+            <a:pPr lvl="1"/>
+            <a:r>
+              <a:rPr lang="en-US" sz="1200" b="1" dirty="0" err="1"/>
+              <a:t>S</a:t>
+            </a:r>
+            <a:r>
+              <a:rPr lang="en-US" sz="1400" dirty="0" err="1"/>
+              <a:t>ubstraction</a:t>
+            </a:r>
+            <a:r>
+              <a:rPr lang="en-US" sz="1400" dirty="0"/>
+              <a:t> </a:t>
+            </a:r>
           </a:p>
         </p:txBody>
       </p:sp>
     </p:spTree>
     <p:extLst>
       <p:ext uri="{BB962C8B-B14F-4D97-AF65-F5344CB8AC3E}">
-        <p14:creationId xmlns:p14="http://schemas.microsoft.com/office/powerpoint/2010/main" val="3674070220"/>
+        <p14:creationId xmlns:p14="http://schemas.microsoft.com/office/powerpoint/2010/main" val="289255809"/>
       </p:ext>
     </p:extLst>
   </p:cSld>
   <p:clrMapOvr>
     <a:masterClrMapping/>
   </p:clrMapOvr>
-  <mc:AlternateContent xmlns:mc="http://schemas.openxmlformats.org/markup-compatibility/2006" xmlns:p14="http://schemas.microsoft.com/office/powerpoint/2010/main">
-    <mc:Choice Requires="p14">
-      <p:transition spd="slow" p14:dur="2000"/>
-    </mc:Choice>
-    <mc:Fallback xmlns="">
-      <p:transition xmlns:p14="http://schemas.microsoft.com/office/powerpoint/2010/main" spd="slow"/>
-    </mc:Fallback>
-  </mc:AlternateContent>
   <p:timing>
     <p:tnLst>
       <p:par>
@@ -10861,6 +11706,602 @@
                                           <p:spTgt spid="3">
                                             <p:txEl>
                                               <p:pRg st="2" end="2"/>
+                                            </p:txEl>
+                                          </p:spTgt>
+                                        </p:tgtEl>
+                                      </p:cBhvr>
+                                    </p:animEffect>
+                                  </p:childTnLst>
+                                </p:cTn>
+                              </p:par>
+                            </p:childTnLst>
+                          </p:cTn>
+                        </p:par>
+                      </p:childTnLst>
+                    </p:cTn>
+                  </p:par>
+                  <p:par>
+                    <p:cTn id="21" fill="hold">
+                      <p:stCondLst>
+                        <p:cond delay="indefinite"/>
+                      </p:stCondLst>
+                      <p:childTnLst>
+                        <p:par>
+                          <p:cTn id="22" fill="hold">
+                            <p:stCondLst>
+                              <p:cond delay="0"/>
+                            </p:stCondLst>
+                            <p:childTnLst>
+                              <p:par>
+                                <p:cTn id="23" presetID="12" presetClass="entr" presetSubtype="4" fill="hold" grpId="0" nodeType="clickEffect">
+                                  <p:stCondLst>
+                                    <p:cond delay="0"/>
+                                  </p:stCondLst>
+                                  <p:childTnLst>
+                                    <p:set>
+                                      <p:cBhvr>
+                                        <p:cTn id="24" dur="1" fill="hold">
+                                          <p:stCondLst>
+                                            <p:cond delay="0"/>
+                                          </p:stCondLst>
+                                        </p:cTn>
+                                        <p:tgtEl>
+                                          <p:spTgt spid="3">
+                                            <p:txEl>
+                                              <p:pRg st="3" end="3"/>
+                                            </p:txEl>
+                                          </p:spTgt>
+                                        </p:tgtEl>
+                                        <p:attrNameLst>
+                                          <p:attrName>style.visibility</p:attrName>
+                                        </p:attrNameLst>
+                                      </p:cBhvr>
+                                      <p:to>
+                                        <p:strVal val="visible"/>
+                                      </p:to>
+                                    </p:set>
+                                    <p:anim calcmode="lin" valueType="num">
+                                      <p:cBhvr additive="base">
+                                        <p:cTn id="25" dur="500"/>
+                                        <p:tgtEl>
+                                          <p:spTgt spid="3">
+                                            <p:txEl>
+                                              <p:pRg st="3" end="3"/>
+                                            </p:txEl>
+                                          </p:spTgt>
+                                        </p:tgtEl>
+                                        <p:attrNameLst>
+                                          <p:attrName>ppt_y</p:attrName>
+                                        </p:attrNameLst>
+                                      </p:cBhvr>
+                                      <p:tavLst>
+                                        <p:tav tm="0">
+                                          <p:val>
+                                            <p:strVal val="#ppt_y+#ppt_h*1.125000"/>
+                                          </p:val>
+                                        </p:tav>
+                                        <p:tav tm="100000">
+                                          <p:val>
+                                            <p:strVal val="#ppt_y"/>
+                                          </p:val>
+                                        </p:tav>
+                                      </p:tavLst>
+                                    </p:anim>
+                                    <p:animEffect transition="in" filter="wipe(up)">
+                                      <p:cBhvr>
+                                        <p:cTn id="26" dur="500"/>
+                                        <p:tgtEl>
+                                          <p:spTgt spid="3">
+                                            <p:txEl>
+                                              <p:pRg st="3" end="3"/>
+                                            </p:txEl>
+                                          </p:spTgt>
+                                        </p:tgtEl>
+                                      </p:cBhvr>
+                                    </p:animEffect>
+                                  </p:childTnLst>
+                                </p:cTn>
+                              </p:par>
+                            </p:childTnLst>
+                          </p:cTn>
+                        </p:par>
+                      </p:childTnLst>
+                    </p:cTn>
+                  </p:par>
+                  <p:par>
+                    <p:cTn id="27" fill="hold">
+                      <p:stCondLst>
+                        <p:cond delay="indefinite"/>
+                      </p:stCondLst>
+                      <p:childTnLst>
+                        <p:par>
+                          <p:cTn id="28" fill="hold">
+                            <p:stCondLst>
+                              <p:cond delay="0"/>
+                            </p:stCondLst>
+                            <p:childTnLst>
+                              <p:par>
+                                <p:cTn id="29" presetID="12" presetClass="entr" presetSubtype="4" fill="hold" grpId="0" nodeType="clickEffect">
+                                  <p:stCondLst>
+                                    <p:cond delay="0"/>
+                                  </p:stCondLst>
+                                  <p:childTnLst>
+                                    <p:set>
+                                      <p:cBhvr>
+                                        <p:cTn id="30" dur="1" fill="hold">
+                                          <p:stCondLst>
+                                            <p:cond delay="0"/>
+                                          </p:stCondLst>
+                                        </p:cTn>
+                                        <p:tgtEl>
+                                          <p:spTgt spid="3">
+                                            <p:txEl>
+                                              <p:pRg st="4" end="4"/>
+                                            </p:txEl>
+                                          </p:spTgt>
+                                        </p:tgtEl>
+                                        <p:attrNameLst>
+                                          <p:attrName>style.visibility</p:attrName>
+                                        </p:attrNameLst>
+                                      </p:cBhvr>
+                                      <p:to>
+                                        <p:strVal val="visible"/>
+                                      </p:to>
+                                    </p:set>
+                                    <p:anim calcmode="lin" valueType="num">
+                                      <p:cBhvr additive="base">
+                                        <p:cTn id="31" dur="500"/>
+                                        <p:tgtEl>
+                                          <p:spTgt spid="3">
+                                            <p:txEl>
+                                              <p:pRg st="4" end="4"/>
+                                            </p:txEl>
+                                          </p:spTgt>
+                                        </p:tgtEl>
+                                        <p:attrNameLst>
+                                          <p:attrName>ppt_y</p:attrName>
+                                        </p:attrNameLst>
+                                      </p:cBhvr>
+                                      <p:tavLst>
+                                        <p:tav tm="0">
+                                          <p:val>
+                                            <p:strVal val="#ppt_y+#ppt_h*1.125000"/>
+                                          </p:val>
+                                        </p:tav>
+                                        <p:tav tm="100000">
+                                          <p:val>
+                                            <p:strVal val="#ppt_y"/>
+                                          </p:val>
+                                        </p:tav>
+                                      </p:tavLst>
+                                    </p:anim>
+                                    <p:animEffect transition="in" filter="wipe(up)">
+                                      <p:cBhvr>
+                                        <p:cTn id="32" dur="500"/>
+                                        <p:tgtEl>
+                                          <p:spTgt spid="3">
+                                            <p:txEl>
+                                              <p:pRg st="4" end="4"/>
+                                            </p:txEl>
+                                          </p:spTgt>
+                                        </p:tgtEl>
+                                      </p:cBhvr>
+                                    </p:animEffect>
+                                  </p:childTnLst>
+                                </p:cTn>
+                              </p:par>
+                              <p:par>
+                                <p:cTn id="33" presetID="12" presetClass="entr" presetSubtype="4" fill="hold" grpId="0" nodeType="withEffect">
+                                  <p:stCondLst>
+                                    <p:cond delay="0"/>
+                                  </p:stCondLst>
+                                  <p:childTnLst>
+                                    <p:set>
+                                      <p:cBhvr>
+                                        <p:cTn id="34" dur="1" fill="hold">
+                                          <p:stCondLst>
+                                            <p:cond delay="0"/>
+                                          </p:stCondLst>
+                                        </p:cTn>
+                                        <p:tgtEl>
+                                          <p:spTgt spid="3">
+                                            <p:txEl>
+                                              <p:pRg st="5" end="5"/>
+                                            </p:txEl>
+                                          </p:spTgt>
+                                        </p:tgtEl>
+                                        <p:attrNameLst>
+                                          <p:attrName>style.visibility</p:attrName>
+                                        </p:attrNameLst>
+                                      </p:cBhvr>
+                                      <p:to>
+                                        <p:strVal val="visible"/>
+                                      </p:to>
+                                    </p:set>
+                                    <p:anim calcmode="lin" valueType="num">
+                                      <p:cBhvr additive="base">
+                                        <p:cTn id="35" dur="500"/>
+                                        <p:tgtEl>
+                                          <p:spTgt spid="3">
+                                            <p:txEl>
+                                              <p:pRg st="5" end="5"/>
+                                            </p:txEl>
+                                          </p:spTgt>
+                                        </p:tgtEl>
+                                        <p:attrNameLst>
+                                          <p:attrName>ppt_y</p:attrName>
+                                        </p:attrNameLst>
+                                      </p:cBhvr>
+                                      <p:tavLst>
+                                        <p:tav tm="0">
+                                          <p:val>
+                                            <p:strVal val="#ppt_y+#ppt_h*1.125000"/>
+                                          </p:val>
+                                        </p:tav>
+                                        <p:tav tm="100000">
+                                          <p:val>
+                                            <p:strVal val="#ppt_y"/>
+                                          </p:val>
+                                        </p:tav>
+                                      </p:tavLst>
+                                    </p:anim>
+                                    <p:animEffect transition="in" filter="wipe(up)">
+                                      <p:cBhvr>
+                                        <p:cTn id="36" dur="500"/>
+                                        <p:tgtEl>
+                                          <p:spTgt spid="3">
+                                            <p:txEl>
+                                              <p:pRg st="5" end="5"/>
+                                            </p:txEl>
+                                          </p:spTgt>
+                                        </p:tgtEl>
+                                      </p:cBhvr>
+                                    </p:animEffect>
+                                  </p:childTnLst>
+                                </p:cTn>
+                              </p:par>
+                              <p:par>
+                                <p:cTn id="37" presetID="12" presetClass="entr" presetSubtype="4" fill="hold" grpId="0" nodeType="withEffect">
+                                  <p:stCondLst>
+                                    <p:cond delay="0"/>
+                                  </p:stCondLst>
+                                  <p:childTnLst>
+                                    <p:set>
+                                      <p:cBhvr>
+                                        <p:cTn id="38" dur="1" fill="hold">
+                                          <p:stCondLst>
+                                            <p:cond delay="0"/>
+                                          </p:stCondLst>
+                                        </p:cTn>
+                                        <p:tgtEl>
+                                          <p:spTgt spid="3">
+                                            <p:txEl>
+                                              <p:pRg st="6" end="6"/>
+                                            </p:txEl>
+                                          </p:spTgt>
+                                        </p:tgtEl>
+                                        <p:attrNameLst>
+                                          <p:attrName>style.visibility</p:attrName>
+                                        </p:attrNameLst>
+                                      </p:cBhvr>
+                                      <p:to>
+                                        <p:strVal val="visible"/>
+                                      </p:to>
+                                    </p:set>
+                                    <p:anim calcmode="lin" valueType="num">
+                                      <p:cBhvr additive="base">
+                                        <p:cTn id="39" dur="500"/>
+                                        <p:tgtEl>
+                                          <p:spTgt spid="3">
+                                            <p:txEl>
+                                              <p:pRg st="6" end="6"/>
+                                            </p:txEl>
+                                          </p:spTgt>
+                                        </p:tgtEl>
+                                        <p:attrNameLst>
+                                          <p:attrName>ppt_y</p:attrName>
+                                        </p:attrNameLst>
+                                      </p:cBhvr>
+                                      <p:tavLst>
+                                        <p:tav tm="0">
+                                          <p:val>
+                                            <p:strVal val="#ppt_y+#ppt_h*1.125000"/>
+                                          </p:val>
+                                        </p:tav>
+                                        <p:tav tm="100000">
+                                          <p:val>
+                                            <p:strVal val="#ppt_y"/>
+                                          </p:val>
+                                        </p:tav>
+                                      </p:tavLst>
+                                    </p:anim>
+                                    <p:animEffect transition="in" filter="wipe(up)">
+                                      <p:cBhvr>
+                                        <p:cTn id="40" dur="500"/>
+                                        <p:tgtEl>
+                                          <p:spTgt spid="3">
+                                            <p:txEl>
+                                              <p:pRg st="6" end="6"/>
+                                            </p:txEl>
+                                          </p:spTgt>
+                                        </p:tgtEl>
+                                      </p:cBhvr>
+                                    </p:animEffect>
+                                  </p:childTnLst>
+                                </p:cTn>
+                              </p:par>
+                              <p:par>
+                                <p:cTn id="41" presetID="12" presetClass="entr" presetSubtype="4" fill="hold" grpId="0" nodeType="withEffect">
+                                  <p:stCondLst>
+                                    <p:cond delay="0"/>
+                                  </p:stCondLst>
+                                  <p:childTnLst>
+                                    <p:set>
+                                      <p:cBhvr>
+                                        <p:cTn id="42" dur="1" fill="hold">
+                                          <p:stCondLst>
+                                            <p:cond delay="0"/>
+                                          </p:stCondLst>
+                                        </p:cTn>
+                                        <p:tgtEl>
+                                          <p:spTgt spid="3">
+                                            <p:txEl>
+                                              <p:pRg st="7" end="7"/>
+                                            </p:txEl>
+                                          </p:spTgt>
+                                        </p:tgtEl>
+                                        <p:attrNameLst>
+                                          <p:attrName>style.visibility</p:attrName>
+                                        </p:attrNameLst>
+                                      </p:cBhvr>
+                                      <p:to>
+                                        <p:strVal val="visible"/>
+                                      </p:to>
+                                    </p:set>
+                                    <p:anim calcmode="lin" valueType="num">
+                                      <p:cBhvr additive="base">
+                                        <p:cTn id="43" dur="500"/>
+                                        <p:tgtEl>
+                                          <p:spTgt spid="3">
+                                            <p:txEl>
+                                              <p:pRg st="7" end="7"/>
+                                            </p:txEl>
+                                          </p:spTgt>
+                                        </p:tgtEl>
+                                        <p:attrNameLst>
+                                          <p:attrName>ppt_y</p:attrName>
+                                        </p:attrNameLst>
+                                      </p:cBhvr>
+                                      <p:tavLst>
+                                        <p:tav tm="0">
+                                          <p:val>
+                                            <p:strVal val="#ppt_y+#ppt_h*1.125000"/>
+                                          </p:val>
+                                        </p:tav>
+                                        <p:tav tm="100000">
+                                          <p:val>
+                                            <p:strVal val="#ppt_y"/>
+                                          </p:val>
+                                        </p:tav>
+                                      </p:tavLst>
+                                    </p:anim>
+                                    <p:animEffect transition="in" filter="wipe(up)">
+                                      <p:cBhvr>
+                                        <p:cTn id="44" dur="500"/>
+                                        <p:tgtEl>
+                                          <p:spTgt spid="3">
+                                            <p:txEl>
+                                              <p:pRg st="7" end="7"/>
+                                            </p:txEl>
+                                          </p:spTgt>
+                                        </p:tgtEl>
+                                      </p:cBhvr>
+                                    </p:animEffect>
+                                  </p:childTnLst>
+                                </p:cTn>
+                              </p:par>
+                              <p:par>
+                                <p:cTn id="45" presetID="12" presetClass="entr" presetSubtype="4" fill="hold" grpId="0" nodeType="withEffect">
+                                  <p:stCondLst>
+                                    <p:cond delay="0"/>
+                                  </p:stCondLst>
+                                  <p:childTnLst>
+                                    <p:set>
+                                      <p:cBhvr>
+                                        <p:cTn id="46" dur="1" fill="hold">
+                                          <p:stCondLst>
+                                            <p:cond delay="0"/>
+                                          </p:stCondLst>
+                                        </p:cTn>
+                                        <p:tgtEl>
+                                          <p:spTgt spid="3">
+                                            <p:txEl>
+                                              <p:pRg st="8" end="8"/>
+                                            </p:txEl>
+                                          </p:spTgt>
+                                        </p:tgtEl>
+                                        <p:attrNameLst>
+                                          <p:attrName>style.visibility</p:attrName>
+                                        </p:attrNameLst>
+                                      </p:cBhvr>
+                                      <p:to>
+                                        <p:strVal val="visible"/>
+                                      </p:to>
+                                    </p:set>
+                                    <p:anim calcmode="lin" valueType="num">
+                                      <p:cBhvr additive="base">
+                                        <p:cTn id="47" dur="500"/>
+                                        <p:tgtEl>
+                                          <p:spTgt spid="3">
+                                            <p:txEl>
+                                              <p:pRg st="8" end="8"/>
+                                            </p:txEl>
+                                          </p:spTgt>
+                                        </p:tgtEl>
+                                        <p:attrNameLst>
+                                          <p:attrName>ppt_y</p:attrName>
+                                        </p:attrNameLst>
+                                      </p:cBhvr>
+                                      <p:tavLst>
+                                        <p:tav tm="0">
+                                          <p:val>
+                                            <p:strVal val="#ppt_y+#ppt_h*1.125000"/>
+                                          </p:val>
+                                        </p:tav>
+                                        <p:tav tm="100000">
+                                          <p:val>
+                                            <p:strVal val="#ppt_y"/>
+                                          </p:val>
+                                        </p:tav>
+                                      </p:tavLst>
+                                    </p:anim>
+                                    <p:animEffect transition="in" filter="wipe(up)">
+                                      <p:cBhvr>
+                                        <p:cTn id="48" dur="500"/>
+                                        <p:tgtEl>
+                                          <p:spTgt spid="3">
+                                            <p:txEl>
+                                              <p:pRg st="8" end="8"/>
+                                            </p:txEl>
+                                          </p:spTgt>
+                                        </p:tgtEl>
+                                      </p:cBhvr>
+                                    </p:animEffect>
+                                  </p:childTnLst>
+                                </p:cTn>
+                              </p:par>
+                              <p:par>
+                                <p:cTn id="49" presetID="12" presetClass="entr" presetSubtype="4" fill="hold" grpId="0" nodeType="withEffect">
+                                  <p:stCondLst>
+                                    <p:cond delay="0"/>
+                                  </p:stCondLst>
+                                  <p:childTnLst>
+                                    <p:set>
+                                      <p:cBhvr>
+                                        <p:cTn id="50" dur="1" fill="hold">
+                                          <p:stCondLst>
+                                            <p:cond delay="0"/>
+                                          </p:stCondLst>
+                                        </p:cTn>
+                                        <p:tgtEl>
+                                          <p:spTgt spid="3">
+                                            <p:txEl>
+                                              <p:pRg st="9" end="9"/>
+                                            </p:txEl>
+                                          </p:spTgt>
+                                        </p:tgtEl>
+                                        <p:attrNameLst>
+                                          <p:attrName>style.visibility</p:attrName>
+                                        </p:attrNameLst>
+                                      </p:cBhvr>
+                                      <p:to>
+                                        <p:strVal val="visible"/>
+                                      </p:to>
+                                    </p:set>
+                                    <p:anim calcmode="lin" valueType="num">
+                                      <p:cBhvr additive="base">
+                                        <p:cTn id="51" dur="500"/>
+                                        <p:tgtEl>
+                                          <p:spTgt spid="3">
+                                            <p:txEl>
+                                              <p:pRg st="9" end="9"/>
+                                            </p:txEl>
+                                          </p:spTgt>
+                                        </p:tgtEl>
+                                        <p:attrNameLst>
+                                          <p:attrName>ppt_y</p:attrName>
+                                        </p:attrNameLst>
+                                      </p:cBhvr>
+                                      <p:tavLst>
+                                        <p:tav tm="0">
+                                          <p:val>
+                                            <p:strVal val="#ppt_y+#ppt_h*1.125000"/>
+                                          </p:val>
+                                        </p:tav>
+                                        <p:tav tm="100000">
+                                          <p:val>
+                                            <p:strVal val="#ppt_y"/>
+                                          </p:val>
+                                        </p:tav>
+                                      </p:tavLst>
+                                    </p:anim>
+                                    <p:animEffect transition="in" filter="wipe(up)">
+                                      <p:cBhvr>
+                                        <p:cTn id="52" dur="500"/>
+                                        <p:tgtEl>
+                                          <p:spTgt spid="3">
+                                            <p:txEl>
+                                              <p:pRg st="9" end="9"/>
+                                            </p:txEl>
+                                          </p:spTgt>
+                                        </p:tgtEl>
+                                      </p:cBhvr>
+                                    </p:animEffect>
+                                  </p:childTnLst>
+                                </p:cTn>
+                              </p:par>
+                              <p:par>
+                                <p:cTn id="53" presetID="12" presetClass="entr" presetSubtype="4" fill="hold" grpId="0" nodeType="withEffect">
+                                  <p:stCondLst>
+                                    <p:cond delay="0"/>
+                                  </p:stCondLst>
+                                  <p:childTnLst>
+                                    <p:set>
+                                      <p:cBhvr>
+                                        <p:cTn id="54" dur="1" fill="hold">
+                                          <p:stCondLst>
+                                            <p:cond delay="0"/>
+                                          </p:stCondLst>
+                                        </p:cTn>
+                                        <p:tgtEl>
+                                          <p:spTgt spid="3">
+                                            <p:txEl>
+                                              <p:pRg st="10" end="10"/>
+                                            </p:txEl>
+                                          </p:spTgt>
+                                        </p:tgtEl>
+                                        <p:attrNameLst>
+                                          <p:attrName>style.visibility</p:attrName>
+                                        </p:attrNameLst>
+                                      </p:cBhvr>
+                                      <p:to>
+                                        <p:strVal val="visible"/>
+                                      </p:to>
+                                    </p:set>
+                                    <p:anim calcmode="lin" valueType="num">
+                                      <p:cBhvr additive="base">
+                                        <p:cTn id="55" dur="500"/>
+                                        <p:tgtEl>
+                                          <p:spTgt spid="3">
+                                            <p:txEl>
+                                              <p:pRg st="10" end="10"/>
+                                            </p:txEl>
+                                          </p:spTgt>
+                                        </p:tgtEl>
+                                        <p:attrNameLst>
+                                          <p:attrName>ppt_y</p:attrName>
+                                        </p:attrNameLst>
+                                      </p:cBhvr>
+                                      <p:tavLst>
+                                        <p:tav tm="0">
+                                          <p:val>
+                                            <p:strVal val="#ppt_y+#ppt_h*1.125000"/>
+                                          </p:val>
+                                        </p:tav>
+                                        <p:tav tm="100000">
+                                          <p:val>
+                                            <p:strVal val="#ppt_y"/>
+                                          </p:val>
+                                        </p:tav>
+                                      </p:tavLst>
+                                    </p:anim>
+                                    <p:animEffect transition="in" filter="wipe(up)">
+                                      <p:cBhvr>
+                                        <p:cTn id="56" dur="500"/>
+                                        <p:tgtEl>
+                                          <p:spTgt spid="3">
+                                            <p:txEl>
+                                              <p:pRg st="10" end="10"/>
                                             </p:txEl>
                                           </p:spTgt>
                                         </p:tgtEl>
@@ -10936,10 +12377,9 @@
           <a:lstStyle/>
           <a:p>
             <a:r>
-              <a:rPr lang="en-US" dirty="0" smtClean="0"/>
-              <a:t>Print()</a:t>
-            </a:r>
-            <a:endParaRPr lang="en-US" dirty="0"/>
+              <a:rPr lang="en-US" dirty="0"/>
+              <a:t>Comments</a:t>
+            </a:r>
           </a:p>
         </p:txBody>
       </p:sp>
@@ -10953,183 +12393,120 @@
             <p:ph idx="1"/>
           </p:nvPr>
         </p:nvSpPr>
-        <p:spPr>
-          <a:xfrm>
-            <a:off x="533400" y="761663"/>
-            <a:ext cx="8229600" cy="1314237"/>
-          </a:xfrm>
-        </p:spPr>
-        <p:txBody>
-          <a:bodyPr>
-            <a:normAutofit/>
-          </a:bodyPr>
+        <p:spPr/>
+        <p:txBody>
+          <a:bodyPr/>
           <a:lstStyle/>
           <a:p>
             <a:r>
-              <a:rPr lang="en-US" dirty="0" smtClean="0"/>
-              <a:t>In 2.x. print is a statement</a:t>
-            </a:r>
-          </a:p>
-          <a:p>
-            <a:r>
-              <a:rPr lang="en-US" dirty="0" smtClean="0"/>
-              <a:t>In 3.x. print is a function</a:t>
-            </a:r>
-          </a:p>
-          <a:p>
-            <a:endParaRPr lang="en-US" dirty="0"/>
-          </a:p>
-        </p:txBody>
-      </p:sp>
-      <p:sp>
-        <p:nvSpPr>
-          <p:cNvPr id="4" name="TextBox 3"/>
-          <p:cNvSpPr txBox="1"/>
-          <p:nvPr/>
-        </p:nvSpPr>
-        <p:spPr>
-          <a:xfrm>
-            <a:off x="1697978" y="2309942"/>
-            <a:ext cx="1819654" cy="1200329"/>
-          </a:xfrm>
-          <a:prstGeom prst="rect">
-            <a:avLst/>
-          </a:prstGeom>
-          <a:noFill/>
-        </p:spPr>
-        <p:txBody>
-          <a:bodyPr wrap="none" rtlCol="0">
-            <a:spAutoFit/>
-          </a:bodyPr>
-          <a:lstStyle/>
-          <a:p>
-            <a:r>
-              <a:rPr lang="en-US" dirty="0" smtClean="0"/>
-              <a:t>Try:</a:t>
-            </a:r>
-          </a:p>
-          <a:p>
-            <a:endParaRPr lang="en-US" dirty="0"/>
-          </a:p>
-          <a:p>
-            <a:r>
-              <a:rPr lang="en-US" dirty="0" smtClean="0"/>
-              <a:t>&gt;&gt;&gt; x = “Hello”</a:t>
-            </a:r>
-          </a:p>
-          <a:p>
-            <a:r>
-              <a:rPr lang="en-US" dirty="0" smtClean="0"/>
-              <a:t>&gt;&gt;&gt; y = “World” </a:t>
-            </a:r>
-            <a:endParaRPr lang="en-US" dirty="0"/>
-          </a:p>
-        </p:txBody>
-      </p:sp>
-      <p:sp>
-        <p:nvSpPr>
-          <p:cNvPr id="5" name="Right Arrow 4"/>
-          <p:cNvSpPr/>
-          <p:nvPr/>
-        </p:nvSpPr>
-        <p:spPr>
-          <a:xfrm>
-            <a:off x="4021629" y="2928404"/>
-            <a:ext cx="1462813" cy="328866"/>
-          </a:xfrm>
-          <a:prstGeom prst="rightArrow">
-            <a:avLst/>
-          </a:prstGeom>
-        </p:spPr>
-        <p:style>
-          <a:lnRef idx="1">
-            <a:schemeClr val="accent1"/>
-          </a:lnRef>
-          <a:fillRef idx="3">
-            <a:schemeClr val="accent1"/>
-          </a:fillRef>
-          <a:effectRef idx="2">
-            <a:schemeClr val="accent1"/>
-          </a:effectRef>
-          <a:fontRef idx="minor">
-            <a:schemeClr val="lt1"/>
-          </a:fontRef>
-        </p:style>
-        <p:txBody>
-          <a:bodyPr rtlCol="0" anchor="ctr"/>
-          <a:lstStyle/>
-          <a:p>
-            <a:pPr algn="ctr"/>
-            <a:endParaRPr lang="en-US"/>
-          </a:p>
-        </p:txBody>
-      </p:sp>
-      <p:sp>
-        <p:nvSpPr>
-          <p:cNvPr id="6" name="TextBox 5"/>
-          <p:cNvSpPr txBox="1"/>
-          <p:nvPr/>
-        </p:nvSpPr>
-        <p:spPr>
-          <a:xfrm>
-            <a:off x="6067401" y="2492672"/>
-            <a:ext cx="1669748" cy="1200329"/>
-          </a:xfrm>
-          <a:prstGeom prst="rect">
-            <a:avLst/>
-          </a:prstGeom>
-          <a:noFill/>
-        </p:spPr>
-        <p:txBody>
-          <a:bodyPr wrap="none" rtlCol="0">
-            <a:spAutoFit/>
-          </a:bodyPr>
-          <a:lstStyle/>
-          <a:p>
-            <a:r>
-              <a:rPr lang="en-US" dirty="0" smtClean="0"/>
-              <a:t>&gt;&gt;&gt; print x</a:t>
-            </a:r>
-          </a:p>
-          <a:p>
-            <a:r>
-              <a:rPr lang="en-US" dirty="0" smtClean="0"/>
-              <a:t>&gt;&gt;&gt; print (x)</a:t>
-            </a:r>
-          </a:p>
-          <a:p>
-            <a:r>
-              <a:rPr lang="en-US" dirty="0" smtClean="0"/>
-              <a:t>&gt;&gt;&gt; print x, y</a:t>
-            </a:r>
-          </a:p>
-          <a:p>
-            <a:r>
-              <a:rPr lang="en-US" dirty="0" smtClean="0"/>
-              <a:t>&gt;&gt;&gt; print (x, y)</a:t>
-            </a:r>
-            <a:endParaRPr lang="en-US" dirty="0"/>
+              <a:rPr lang="en-US" dirty="0"/>
+              <a:t>The symbol # is used for introducing comments</a:t>
+            </a:r>
+          </a:p>
+          <a:p>
+            <a:r>
+              <a:rPr lang="en-US" dirty="0"/>
+              <a:t>Everything after # is a comment and won’t be executed</a:t>
+            </a:r>
           </a:p>
         </p:txBody>
       </p:sp>
     </p:spTree>
     <p:extLst>
       <p:ext uri="{BB962C8B-B14F-4D97-AF65-F5344CB8AC3E}">
-        <p14:creationId xmlns:p14="http://schemas.microsoft.com/office/powerpoint/2010/main" val="754215452"/>
+        <p14:creationId xmlns:p14="http://schemas.microsoft.com/office/powerpoint/2010/main" val="678224992"/>
       </p:ext>
     </p:extLst>
   </p:cSld>
   <p:clrMapOvr>
     <a:masterClrMapping/>
   </p:clrMapOvr>
-  <mc:AlternateContent xmlns:mc="http://schemas.openxmlformats.org/markup-compatibility/2006" xmlns:p14="http://schemas.microsoft.com/office/powerpoint/2010/main">
-    <mc:Choice Requires="p14">
-      <p:transition spd="slow" p14:dur="2000"/>
-    </mc:Choice>
-    <mc:Fallback xmlns="">
-      <p:transition xmlns:p14="http://schemas.microsoft.com/office/powerpoint/2010/main" spd="slow"/>
-    </mc:Fallback>
-  </mc:AlternateContent>
+</p:sld>
+</file>
+
+<file path=ppt/slides/slide9.xml><?xml version="1.0" encoding="utf-8"?>
+<p:sld xmlns:a="http://schemas.openxmlformats.org/drawingml/2006/main" xmlns:r="http://schemas.openxmlformats.org/officeDocument/2006/relationships" xmlns:p="http://schemas.openxmlformats.org/presentationml/2006/main">
+  <p:cSld>
+    <p:spTree>
+      <p:nvGrpSpPr>
+        <p:cNvPr id="1" name=""/>
+        <p:cNvGrpSpPr/>
+        <p:nvPr/>
+      </p:nvGrpSpPr>
+      <p:grpSpPr>
+        <a:xfrm>
+          <a:off x="0" y="0"/>
+          <a:ext cx="0" cy="0"/>
+          <a:chOff x="0" y="0"/>
+          <a:chExt cx="0" cy="0"/>
+        </a:xfrm>
+      </p:grpSpPr>
+      <p:sp>
+        <p:nvSpPr>
+          <p:cNvPr id="2" name="Title 1"/>
+          <p:cNvSpPr>
+            <a:spLocks noGrp="1"/>
+          </p:cNvSpPr>
+          <p:nvPr>
+            <p:ph type="title"/>
+          </p:nvPr>
+        </p:nvSpPr>
+        <p:spPr/>
+        <p:txBody>
+          <a:bodyPr/>
+          <a:lstStyle/>
+          <a:p>
+            <a:r>
+              <a:rPr lang="en-US" dirty="0"/>
+              <a:t>Functions</a:t>
+            </a:r>
+          </a:p>
+        </p:txBody>
+      </p:sp>
+      <p:sp>
+        <p:nvSpPr>
+          <p:cNvPr id="3" name="Content Placeholder 2"/>
+          <p:cNvSpPr>
+            <a:spLocks noGrp="1"/>
+          </p:cNvSpPr>
+          <p:nvPr>
+            <p:ph idx="1"/>
+          </p:nvPr>
+        </p:nvSpPr>
+        <p:spPr/>
+        <p:txBody>
+          <a:bodyPr/>
+          <a:lstStyle/>
+          <a:p>
+            <a:r>
+              <a:rPr lang="en-US" dirty="0"/>
+              <a:t>Can be pre-defined or user-defined</a:t>
+            </a:r>
+          </a:p>
+          <a:p>
+            <a:r>
+              <a:rPr lang="en-US" dirty="0"/>
+              <a:t>Can receive parameters within parenthesis</a:t>
+            </a:r>
+          </a:p>
+          <a:p>
+            <a:r>
+              <a:rPr lang="en-US" dirty="0"/>
+              <a:t>Perform an action</a:t>
+            </a:r>
+          </a:p>
+        </p:txBody>
+      </p:sp>
+    </p:spTree>
+    <p:extLst>
+      <p:ext uri="{BB962C8B-B14F-4D97-AF65-F5344CB8AC3E}">
+        <p14:creationId xmlns:p14="http://schemas.microsoft.com/office/powerpoint/2010/main" val="3674070220"/>
+      </p:ext>
+    </p:extLst>
+  </p:cSld>
+  <p:clrMapOvr>
+    <a:masterClrMapping/>
+  </p:clrMapOvr>
   <p:timing>
     <p:tnLst>
       <p:par>
@@ -11220,811 +12597,6 @@
                                   </p:childTnLst>
                                 </p:cTn>
                               </p:par>
-                              <p:par>
-                                <p:cTn id="9" presetID="12" presetClass="entr" presetSubtype="4" fill="hold" grpId="0" nodeType="withEffect">
-                                  <p:stCondLst>
-                                    <p:cond delay="0"/>
-                                  </p:stCondLst>
-                                  <p:childTnLst>
-                                    <p:set>
-                                      <p:cBhvr>
-                                        <p:cTn id="10" dur="1" fill="hold">
-                                          <p:stCondLst>
-                                            <p:cond delay="0"/>
-                                          </p:stCondLst>
-                                        </p:cTn>
-                                        <p:tgtEl>
-                                          <p:spTgt spid="3">
-                                            <p:txEl>
-                                              <p:pRg st="1" end="1"/>
-                                            </p:txEl>
-                                          </p:spTgt>
-                                        </p:tgtEl>
-                                        <p:attrNameLst>
-                                          <p:attrName>style.visibility</p:attrName>
-                                        </p:attrNameLst>
-                                      </p:cBhvr>
-                                      <p:to>
-                                        <p:strVal val="visible"/>
-                                      </p:to>
-                                    </p:set>
-                                    <p:anim calcmode="lin" valueType="num">
-                                      <p:cBhvr additive="base">
-                                        <p:cTn id="11" dur="500"/>
-                                        <p:tgtEl>
-                                          <p:spTgt spid="3">
-                                            <p:txEl>
-                                              <p:pRg st="1" end="1"/>
-                                            </p:txEl>
-                                          </p:spTgt>
-                                        </p:tgtEl>
-                                        <p:attrNameLst>
-                                          <p:attrName>ppt_y</p:attrName>
-                                        </p:attrNameLst>
-                                      </p:cBhvr>
-                                      <p:tavLst>
-                                        <p:tav tm="0">
-                                          <p:val>
-                                            <p:strVal val="#ppt_y+#ppt_h*1.125000"/>
-                                          </p:val>
-                                        </p:tav>
-                                        <p:tav tm="100000">
-                                          <p:val>
-                                            <p:strVal val="#ppt_y"/>
-                                          </p:val>
-                                        </p:tav>
-                                      </p:tavLst>
-                                    </p:anim>
-                                    <p:animEffect transition="in" filter="wipe(up)">
-                                      <p:cBhvr>
-                                        <p:cTn id="12" dur="500"/>
-                                        <p:tgtEl>
-                                          <p:spTgt spid="3">
-                                            <p:txEl>
-                                              <p:pRg st="1" end="1"/>
-                                            </p:txEl>
-                                          </p:spTgt>
-                                        </p:tgtEl>
-                                      </p:cBhvr>
-                                    </p:animEffect>
-                                  </p:childTnLst>
-                                </p:cTn>
-                              </p:par>
-                            </p:childTnLst>
-                          </p:cTn>
-                        </p:par>
-                      </p:childTnLst>
-                    </p:cTn>
-                  </p:par>
-                  <p:par>
-                    <p:cTn id="13" fill="hold">
-                      <p:stCondLst>
-                        <p:cond delay="indefinite"/>
-                      </p:stCondLst>
-                      <p:childTnLst>
-                        <p:par>
-                          <p:cTn id="14" fill="hold">
-                            <p:stCondLst>
-                              <p:cond delay="0"/>
-                            </p:stCondLst>
-                            <p:childTnLst>
-                              <p:par>
-                                <p:cTn id="15" presetID="2" presetClass="entr" presetSubtype="4" fill="hold" grpId="0" nodeType="clickEffect">
-                                  <p:stCondLst>
-                                    <p:cond delay="0"/>
-                                  </p:stCondLst>
-                                  <p:childTnLst>
-                                    <p:set>
-                                      <p:cBhvr>
-                                        <p:cTn id="16" dur="1" fill="hold">
-                                          <p:stCondLst>
-                                            <p:cond delay="0"/>
-                                          </p:stCondLst>
-                                        </p:cTn>
-                                        <p:tgtEl>
-                                          <p:spTgt spid="4"/>
-                                        </p:tgtEl>
-                                        <p:attrNameLst>
-                                          <p:attrName>style.visibility</p:attrName>
-                                        </p:attrNameLst>
-                                      </p:cBhvr>
-                                      <p:to>
-                                        <p:strVal val="visible"/>
-                                      </p:to>
-                                    </p:set>
-                                    <p:anim calcmode="lin" valueType="num">
-                                      <p:cBhvr additive="base">
-                                        <p:cTn id="17" dur="500" fill="hold"/>
-                                        <p:tgtEl>
-                                          <p:spTgt spid="4"/>
-                                        </p:tgtEl>
-                                        <p:attrNameLst>
-                                          <p:attrName>ppt_x</p:attrName>
-                                        </p:attrNameLst>
-                                      </p:cBhvr>
-                                      <p:tavLst>
-                                        <p:tav tm="0">
-                                          <p:val>
-                                            <p:strVal val="#ppt_x"/>
-                                          </p:val>
-                                        </p:tav>
-                                        <p:tav tm="100000">
-                                          <p:val>
-                                            <p:strVal val="#ppt_x"/>
-                                          </p:val>
-                                        </p:tav>
-                                      </p:tavLst>
-                                    </p:anim>
-                                    <p:anim calcmode="lin" valueType="num">
-                                      <p:cBhvr additive="base">
-                                        <p:cTn id="18" dur="500" fill="hold"/>
-                                        <p:tgtEl>
-                                          <p:spTgt spid="4"/>
-                                        </p:tgtEl>
-                                        <p:attrNameLst>
-                                          <p:attrName>ppt_y</p:attrName>
-                                        </p:attrNameLst>
-                                      </p:cBhvr>
-                                      <p:tavLst>
-                                        <p:tav tm="0">
-                                          <p:val>
-                                            <p:strVal val="1+#ppt_h/2"/>
-                                          </p:val>
-                                        </p:tav>
-                                        <p:tav tm="100000">
-                                          <p:val>
-                                            <p:strVal val="#ppt_y"/>
-                                          </p:val>
-                                        </p:tav>
-                                      </p:tavLst>
-                                    </p:anim>
-                                  </p:childTnLst>
-                                </p:cTn>
-                              </p:par>
-                            </p:childTnLst>
-                          </p:cTn>
-                        </p:par>
-                        <p:par>
-                          <p:cTn id="19" fill="hold">
-                            <p:stCondLst>
-                              <p:cond delay="500"/>
-                            </p:stCondLst>
-                            <p:childTnLst>
-                              <p:par>
-                                <p:cTn id="20" presetID="2" presetClass="entr" presetSubtype="4" fill="hold" grpId="0" nodeType="afterEffect">
-                                  <p:stCondLst>
-                                    <p:cond delay="0"/>
-                                  </p:stCondLst>
-                                  <p:childTnLst>
-                                    <p:set>
-                                      <p:cBhvr>
-                                        <p:cTn id="21" dur="1" fill="hold">
-                                          <p:stCondLst>
-                                            <p:cond delay="0"/>
-                                          </p:stCondLst>
-                                        </p:cTn>
-                                        <p:tgtEl>
-                                          <p:spTgt spid="5">
-                                            <p:bg/>
-                                          </p:spTgt>
-                                        </p:tgtEl>
-                                        <p:attrNameLst>
-                                          <p:attrName>style.visibility</p:attrName>
-                                        </p:attrNameLst>
-                                      </p:cBhvr>
-                                      <p:to>
-                                        <p:strVal val="visible"/>
-                                      </p:to>
-                                    </p:set>
-                                    <p:anim calcmode="lin" valueType="num">
-                                      <p:cBhvr additive="base">
-                                        <p:cTn id="22" dur="500" fill="hold"/>
-                                        <p:tgtEl>
-                                          <p:spTgt spid="5">
-                                            <p:bg/>
-                                          </p:spTgt>
-                                        </p:tgtEl>
-                                        <p:attrNameLst>
-                                          <p:attrName>ppt_x</p:attrName>
-                                        </p:attrNameLst>
-                                      </p:cBhvr>
-                                      <p:tavLst>
-                                        <p:tav tm="0">
-                                          <p:val>
-                                            <p:strVal val="#ppt_x"/>
-                                          </p:val>
-                                        </p:tav>
-                                        <p:tav tm="100000">
-                                          <p:val>
-                                            <p:strVal val="#ppt_x"/>
-                                          </p:val>
-                                        </p:tav>
-                                      </p:tavLst>
-                                    </p:anim>
-                                    <p:anim calcmode="lin" valueType="num">
-                                      <p:cBhvr additive="base">
-                                        <p:cTn id="23" dur="500" fill="hold"/>
-                                        <p:tgtEl>
-                                          <p:spTgt spid="5">
-                                            <p:bg/>
-                                          </p:spTgt>
-                                        </p:tgtEl>
-                                        <p:attrNameLst>
-                                          <p:attrName>ppt_y</p:attrName>
-                                        </p:attrNameLst>
-                                      </p:cBhvr>
-                                      <p:tavLst>
-                                        <p:tav tm="0">
-                                          <p:val>
-                                            <p:strVal val="1+#ppt_h/2"/>
-                                          </p:val>
-                                        </p:tav>
-                                        <p:tav tm="100000">
-                                          <p:val>
-                                            <p:strVal val="#ppt_y"/>
-                                          </p:val>
-                                        </p:tav>
-                                      </p:tavLst>
-                                    </p:anim>
-                                  </p:childTnLst>
-                                </p:cTn>
-                              </p:par>
-                              <p:par>
-                                <p:cTn id="24" presetID="2" presetClass="entr" presetSubtype="4" fill="hold" grpId="0" nodeType="withEffect" nodePh="1">
-                                  <p:stCondLst>
-                                    <p:cond delay="0"/>
-                                  </p:stCondLst>
-                                  <p:endCondLst>
-                                    <p:cond evt="begin" delay="0">
-                                      <p:tn val="24"/>
-                                    </p:cond>
-                                  </p:endCondLst>
-                                  <p:childTnLst>
-                                    <p:set>
-                                      <p:cBhvr>
-                                        <p:cTn id="25" dur="1" fill="hold">
-                                          <p:stCondLst>
-                                            <p:cond delay="0"/>
-                                          </p:stCondLst>
-                                        </p:cTn>
-                                        <p:tgtEl>
-                                          <p:spTgt spid="5">
-                                            <p:txEl>
-                                              <p:pRg st="0" end="0"/>
-                                            </p:txEl>
-                                          </p:spTgt>
-                                        </p:tgtEl>
-                                        <p:attrNameLst>
-                                          <p:attrName>style.visibility</p:attrName>
-                                        </p:attrNameLst>
-                                      </p:cBhvr>
-                                      <p:to>
-                                        <p:strVal val="visible"/>
-                                      </p:to>
-                                    </p:set>
-                                    <p:anim calcmode="lin" valueType="num">
-                                      <p:cBhvr additive="base">
-                                        <p:cTn id="26" dur="500" fill="hold"/>
-                                        <p:tgtEl>
-                                          <p:spTgt spid="5">
-                                            <p:txEl>
-                                              <p:pRg st="0" end="0"/>
-                                            </p:txEl>
-                                          </p:spTgt>
-                                        </p:tgtEl>
-                                        <p:attrNameLst>
-                                          <p:attrName>ppt_x</p:attrName>
-                                        </p:attrNameLst>
-                                      </p:cBhvr>
-                                      <p:tavLst>
-                                        <p:tav tm="0">
-                                          <p:val>
-                                            <p:strVal val="#ppt_x"/>
-                                          </p:val>
-                                        </p:tav>
-                                        <p:tav tm="100000">
-                                          <p:val>
-                                            <p:strVal val="#ppt_x"/>
-                                          </p:val>
-                                        </p:tav>
-                                      </p:tavLst>
-                                    </p:anim>
-                                    <p:anim calcmode="lin" valueType="num">
-                                      <p:cBhvr additive="base">
-                                        <p:cTn id="27" dur="500" fill="hold"/>
-                                        <p:tgtEl>
-                                          <p:spTgt spid="5">
-                                            <p:txEl>
-                                              <p:pRg st="0" end="0"/>
-                                            </p:txEl>
-                                          </p:spTgt>
-                                        </p:tgtEl>
-                                        <p:attrNameLst>
-                                          <p:attrName>ppt_y</p:attrName>
-                                        </p:attrNameLst>
-                                      </p:cBhvr>
-                                      <p:tavLst>
-                                        <p:tav tm="0">
-                                          <p:val>
-                                            <p:strVal val="1+#ppt_h/2"/>
-                                          </p:val>
-                                        </p:tav>
-                                        <p:tav tm="100000">
-                                          <p:val>
-                                            <p:strVal val="#ppt_y"/>
-                                          </p:val>
-                                        </p:tav>
-                                      </p:tavLst>
-                                    </p:anim>
-                                  </p:childTnLst>
-                                </p:cTn>
-                              </p:par>
-                              <p:par>
-                                <p:cTn id="28" presetID="2" presetClass="entr" presetSubtype="4" fill="hold" grpId="0" nodeType="withEffect">
-                                  <p:stCondLst>
-                                    <p:cond delay="0"/>
-                                  </p:stCondLst>
-                                  <p:childTnLst>
-                                    <p:set>
-                                      <p:cBhvr>
-                                        <p:cTn id="29" dur="1" fill="hold">
-                                          <p:stCondLst>
-                                            <p:cond delay="0"/>
-                                          </p:stCondLst>
-                                        </p:cTn>
-                                        <p:tgtEl>
-                                          <p:spTgt spid="6"/>
-                                        </p:tgtEl>
-                                        <p:attrNameLst>
-                                          <p:attrName>style.visibility</p:attrName>
-                                        </p:attrNameLst>
-                                      </p:cBhvr>
-                                      <p:to>
-                                        <p:strVal val="visible"/>
-                                      </p:to>
-                                    </p:set>
-                                    <p:anim calcmode="lin" valueType="num">
-                                      <p:cBhvr additive="base">
-                                        <p:cTn id="30" dur="500" fill="hold"/>
-                                        <p:tgtEl>
-                                          <p:spTgt spid="6"/>
-                                        </p:tgtEl>
-                                        <p:attrNameLst>
-                                          <p:attrName>ppt_x</p:attrName>
-                                        </p:attrNameLst>
-                                      </p:cBhvr>
-                                      <p:tavLst>
-                                        <p:tav tm="0">
-                                          <p:val>
-                                            <p:strVal val="#ppt_x"/>
-                                          </p:val>
-                                        </p:tav>
-                                        <p:tav tm="100000">
-                                          <p:val>
-                                            <p:strVal val="#ppt_x"/>
-                                          </p:val>
-                                        </p:tav>
-                                      </p:tavLst>
-                                    </p:anim>
-                                    <p:anim calcmode="lin" valueType="num">
-                                      <p:cBhvr additive="base">
-                                        <p:cTn id="31" dur="500" fill="hold"/>
-                                        <p:tgtEl>
-                                          <p:spTgt spid="6"/>
-                                        </p:tgtEl>
-                                        <p:attrNameLst>
-                                          <p:attrName>ppt_y</p:attrName>
-                                        </p:attrNameLst>
-                                      </p:cBhvr>
-                                      <p:tavLst>
-                                        <p:tav tm="0">
-                                          <p:val>
-                                            <p:strVal val="1+#ppt_h/2"/>
-                                          </p:val>
-                                        </p:tav>
-                                        <p:tav tm="100000">
-                                          <p:val>
-                                            <p:strVal val="#ppt_y"/>
-                                          </p:val>
-                                        </p:tav>
-                                      </p:tavLst>
-                                    </p:anim>
-                                  </p:childTnLst>
-                                </p:cTn>
-                              </p:par>
-                            </p:childTnLst>
-                          </p:cTn>
-                        </p:par>
-                      </p:childTnLst>
-                    </p:cTn>
-                  </p:par>
-                </p:childTnLst>
-              </p:cTn>
-              <p:prevCondLst>
-                <p:cond evt="onPrev" delay="0">
-                  <p:tgtEl>
-                    <p:sldTgt/>
-                  </p:tgtEl>
-                </p:cond>
-              </p:prevCondLst>
-              <p:nextCondLst>
-                <p:cond evt="onNext" delay="0">
-                  <p:tgtEl>
-                    <p:sldTgt/>
-                  </p:tgtEl>
-                </p:cond>
-              </p:nextCondLst>
-            </p:seq>
-          </p:childTnLst>
-        </p:cTn>
-      </p:par>
-    </p:tnLst>
-    <p:bldLst>
-      <p:bldP spid="3" grpId="0" build="allAtOnce" bldLvl="2"/>
-      <p:bldP spid="4" grpId="0"/>
-      <p:bldP spid="5" grpId="0" build="allAtOnce" bldLvl="2" animBg="1"/>
-      <p:bldP spid="6" grpId="0"/>
-    </p:bldLst>
-  </p:timing>
-</p:sld>
-</file>
-
-<file path=ppt/slides/slide9.xml><?xml version="1.0" encoding="utf-8"?>
-<p:sld xmlns:a="http://schemas.openxmlformats.org/drawingml/2006/main" xmlns:r="http://schemas.openxmlformats.org/officeDocument/2006/relationships" xmlns:p="http://schemas.openxmlformats.org/presentationml/2006/main">
-  <p:cSld>
-    <p:spTree>
-      <p:nvGrpSpPr>
-        <p:cNvPr id="1" name=""/>
-        <p:cNvGrpSpPr/>
-        <p:nvPr/>
-      </p:nvGrpSpPr>
-      <p:grpSpPr>
-        <a:xfrm>
-          <a:off x="0" y="0"/>
-          <a:ext cx="0" cy="0"/>
-          <a:chOff x="0" y="0"/>
-          <a:chExt cx="0" cy="0"/>
-        </a:xfrm>
-      </p:grpSpPr>
-      <p:sp>
-        <p:nvSpPr>
-          <p:cNvPr id="2" name="Title 1"/>
-          <p:cNvSpPr>
-            <a:spLocks noGrp="1"/>
-          </p:cNvSpPr>
-          <p:nvPr>
-            <p:ph type="title"/>
-          </p:nvPr>
-        </p:nvSpPr>
-        <p:spPr/>
-        <p:txBody>
-          <a:bodyPr/>
-          <a:lstStyle/>
-          <a:p>
-            <a:r>
-              <a:rPr lang="en-US" dirty="0" smtClean="0"/>
-              <a:t>Type()</a:t>
-            </a:r>
-            <a:endParaRPr lang="en-US" dirty="0"/>
-          </a:p>
-        </p:txBody>
-      </p:sp>
-      <p:sp>
-        <p:nvSpPr>
-          <p:cNvPr id="3" name="Content Placeholder 2"/>
-          <p:cNvSpPr>
-            <a:spLocks noGrp="1"/>
-          </p:cNvSpPr>
-          <p:nvPr>
-            <p:ph idx="1"/>
-          </p:nvPr>
-        </p:nvSpPr>
-        <p:spPr>
-          <a:xfrm>
-            <a:off x="727038" y="965914"/>
-            <a:ext cx="8229600" cy="871969"/>
-          </a:xfrm>
-        </p:spPr>
-        <p:txBody>
-          <a:bodyPr>
-            <a:normAutofit/>
-          </a:bodyPr>
-          <a:lstStyle/>
-          <a:p>
-            <a:r>
-              <a:rPr lang="en-US" dirty="0" smtClean="0"/>
-              <a:t>Displays the </a:t>
-            </a:r>
-            <a:r>
-              <a:rPr lang="en-US" dirty="0" err="1" smtClean="0"/>
-              <a:t>datatype</a:t>
-            </a:r>
-            <a:r>
-              <a:rPr lang="en-US" dirty="0" smtClean="0"/>
-              <a:t> of a given variable or value</a:t>
-            </a:r>
-          </a:p>
-          <a:p>
-            <a:pPr marL="0" indent="0">
-              <a:buNone/>
-            </a:pPr>
-            <a:endParaRPr lang="en-US" dirty="0"/>
-          </a:p>
-        </p:txBody>
-      </p:sp>
-      <p:sp>
-        <p:nvSpPr>
-          <p:cNvPr id="4" name="TextBox 3"/>
-          <p:cNvSpPr txBox="1"/>
-          <p:nvPr/>
-        </p:nvSpPr>
-        <p:spPr>
-          <a:xfrm>
-            <a:off x="727038" y="2233995"/>
-            <a:ext cx="2491525" cy="1754327"/>
-          </a:xfrm>
-          <a:prstGeom prst="rect">
-            <a:avLst/>
-          </a:prstGeom>
-          <a:noFill/>
-        </p:spPr>
-        <p:txBody>
-          <a:bodyPr wrap="none" rtlCol="0">
-            <a:spAutoFit/>
-          </a:bodyPr>
-          <a:lstStyle/>
-          <a:p>
-            <a:r>
-              <a:rPr lang="en-US" dirty="0" smtClean="0"/>
-              <a:t>Try:</a:t>
-            </a:r>
-          </a:p>
-          <a:p>
-            <a:endParaRPr lang="en-US" dirty="0"/>
-          </a:p>
-          <a:p>
-            <a:r>
-              <a:rPr lang="en-US" dirty="0" smtClean="0"/>
-              <a:t>&gt;&gt;&gt; a = “Hello World!”</a:t>
-            </a:r>
-          </a:p>
-          <a:p>
-            <a:r>
-              <a:rPr lang="en-US" dirty="0" smtClean="0"/>
-              <a:t>&gt;&gt;&gt; b = 5</a:t>
-            </a:r>
-          </a:p>
-          <a:p>
-            <a:r>
-              <a:rPr lang="en-US" dirty="0" smtClean="0"/>
-              <a:t>&gt;&gt;&gt; c = 2</a:t>
-            </a:r>
-          </a:p>
-          <a:p>
-            <a:r>
-              <a:rPr lang="en-US" dirty="0" smtClean="0"/>
-              <a:t>&gt;&gt;&gt; d = 3.0 </a:t>
-            </a:r>
-            <a:endParaRPr lang="en-US" dirty="0"/>
-          </a:p>
-        </p:txBody>
-      </p:sp>
-      <p:sp>
-        <p:nvSpPr>
-          <p:cNvPr id="5" name="Right Arrow 4"/>
-          <p:cNvSpPr/>
-          <p:nvPr/>
-        </p:nvSpPr>
-        <p:spPr>
-          <a:xfrm>
-            <a:off x="3720979" y="3032158"/>
-            <a:ext cx="1462813" cy="328866"/>
-          </a:xfrm>
-          <a:prstGeom prst="rightArrow">
-            <a:avLst/>
-          </a:prstGeom>
-        </p:spPr>
-        <p:style>
-          <a:lnRef idx="1">
-            <a:schemeClr val="accent1"/>
-          </a:lnRef>
-          <a:fillRef idx="3">
-            <a:schemeClr val="accent1"/>
-          </a:fillRef>
-          <a:effectRef idx="2">
-            <a:schemeClr val="accent1"/>
-          </a:effectRef>
-          <a:fontRef idx="minor">
-            <a:schemeClr val="lt1"/>
-          </a:fontRef>
-        </p:style>
-        <p:txBody>
-          <a:bodyPr rtlCol="0" anchor="ctr"/>
-          <a:lstStyle/>
-          <a:p>
-            <a:pPr algn="ctr"/>
-            <a:endParaRPr lang="en-US"/>
-          </a:p>
-        </p:txBody>
-      </p:sp>
-      <p:sp>
-        <p:nvSpPr>
-          <p:cNvPr id="6" name="TextBox 5"/>
-          <p:cNvSpPr txBox="1"/>
-          <p:nvPr/>
-        </p:nvSpPr>
-        <p:spPr>
-          <a:xfrm>
-            <a:off x="5686208" y="2622360"/>
-            <a:ext cx="1595697" cy="1477328"/>
-          </a:xfrm>
-          <a:prstGeom prst="rect">
-            <a:avLst/>
-          </a:prstGeom>
-          <a:noFill/>
-        </p:spPr>
-        <p:txBody>
-          <a:bodyPr wrap="none" rtlCol="0">
-            <a:spAutoFit/>
-          </a:bodyPr>
-          <a:lstStyle/>
-          <a:p>
-            <a:r>
-              <a:rPr lang="en-US" dirty="0" smtClean="0"/>
-              <a:t>&gt;&gt;&gt; type (a)</a:t>
-            </a:r>
-          </a:p>
-          <a:p>
-            <a:r>
-              <a:rPr lang="en-US" dirty="0" smtClean="0"/>
-              <a:t>&gt;&gt;&gt; </a:t>
-            </a:r>
-            <a:r>
-              <a:rPr lang="en-US" dirty="0"/>
-              <a:t>type </a:t>
-            </a:r>
-            <a:r>
-              <a:rPr lang="en-US" dirty="0" smtClean="0"/>
-              <a:t>(b)</a:t>
-            </a:r>
-          </a:p>
-          <a:p>
-            <a:r>
-              <a:rPr lang="en-US" dirty="0" smtClean="0"/>
-              <a:t>&gt;&gt;&gt; </a:t>
-            </a:r>
-            <a:r>
-              <a:rPr lang="en-US" dirty="0"/>
-              <a:t>type </a:t>
-            </a:r>
-            <a:r>
-              <a:rPr lang="en-US" dirty="0" smtClean="0"/>
-              <a:t>(d)</a:t>
-            </a:r>
-          </a:p>
-          <a:p>
-            <a:r>
-              <a:rPr lang="en-US" dirty="0" smtClean="0"/>
-              <a:t>&gt;&gt;&gt; type (b/c)</a:t>
-            </a:r>
-          </a:p>
-          <a:p>
-            <a:r>
-              <a:rPr lang="en-US" dirty="0" smtClean="0"/>
-              <a:t>&gt;&gt;&gt; type (b/d)</a:t>
-            </a:r>
-            <a:endParaRPr lang="en-US" dirty="0"/>
-          </a:p>
-        </p:txBody>
-      </p:sp>
-    </p:spTree>
-    <p:extLst>
-      <p:ext uri="{BB962C8B-B14F-4D97-AF65-F5344CB8AC3E}">
-        <p14:creationId xmlns:p14="http://schemas.microsoft.com/office/powerpoint/2010/main" val="4113767863"/>
-      </p:ext>
-    </p:extLst>
-  </p:cSld>
-  <p:clrMapOvr>
-    <a:masterClrMapping/>
-  </p:clrMapOvr>
-  <mc:AlternateContent xmlns:mc="http://schemas.openxmlformats.org/markup-compatibility/2006" xmlns:p14="http://schemas.microsoft.com/office/powerpoint/2010/main">
-    <mc:Choice Requires="p14">
-      <p:transition spd="slow" p14:dur="2000"/>
-    </mc:Choice>
-    <mc:Fallback xmlns="">
-      <p:transition xmlns:p14="http://schemas.microsoft.com/office/powerpoint/2010/main" spd="slow"/>
-    </mc:Fallback>
-  </mc:AlternateContent>
-  <p:timing>
-    <p:tnLst>
-      <p:par>
-        <p:cTn id="1" dur="indefinite" restart="never" nodeType="tmRoot">
-          <p:childTnLst>
-            <p:seq concurrent="1" nextAc="seek">
-              <p:cTn id="2" dur="indefinite" nodeType="mainSeq">
-                <p:childTnLst>
-                  <p:par>
-                    <p:cTn id="3" fill="hold">
-                      <p:stCondLst>
-                        <p:cond delay="indefinite"/>
-                      </p:stCondLst>
-                      <p:childTnLst>
-                        <p:par>
-                          <p:cTn id="4" fill="hold">
-                            <p:stCondLst>
-                              <p:cond delay="0"/>
-                            </p:stCondLst>
-                            <p:childTnLst>
-                              <p:par>
-                                <p:cTn id="5" presetID="12" presetClass="entr" presetSubtype="4" fill="hold" grpId="0" nodeType="clickEffect">
-                                  <p:stCondLst>
-                                    <p:cond delay="0"/>
-                                  </p:stCondLst>
-                                  <p:childTnLst>
-                                    <p:set>
-                                      <p:cBhvr>
-                                        <p:cTn id="6" dur="1" fill="hold">
-                                          <p:stCondLst>
-                                            <p:cond delay="0"/>
-                                          </p:stCondLst>
-                                        </p:cTn>
-                                        <p:tgtEl>
-                                          <p:spTgt spid="3">
-                                            <p:txEl>
-                                              <p:pRg st="0" end="0"/>
-                                            </p:txEl>
-                                          </p:spTgt>
-                                        </p:tgtEl>
-                                        <p:attrNameLst>
-                                          <p:attrName>style.visibility</p:attrName>
-                                        </p:attrNameLst>
-                                      </p:cBhvr>
-                                      <p:to>
-                                        <p:strVal val="visible"/>
-                                      </p:to>
-                                    </p:set>
-                                    <p:anim calcmode="lin" valueType="num">
-                                      <p:cBhvr additive="base">
-                                        <p:cTn id="7" dur="500"/>
-                                        <p:tgtEl>
-                                          <p:spTgt spid="3">
-                                            <p:txEl>
-                                              <p:pRg st="0" end="0"/>
-                                            </p:txEl>
-                                          </p:spTgt>
-                                        </p:tgtEl>
-                                        <p:attrNameLst>
-                                          <p:attrName>ppt_y</p:attrName>
-                                        </p:attrNameLst>
-                                      </p:cBhvr>
-                                      <p:tavLst>
-                                        <p:tav tm="0">
-                                          <p:val>
-                                            <p:strVal val="#ppt_y+#ppt_h*1.125000"/>
-                                          </p:val>
-                                        </p:tav>
-                                        <p:tav tm="100000">
-                                          <p:val>
-                                            <p:strVal val="#ppt_y"/>
-                                          </p:val>
-                                        </p:tav>
-                                      </p:tavLst>
-                                    </p:anim>
-                                    <p:animEffect transition="in" filter="wipe(up)">
-                                      <p:cBhvr>
-                                        <p:cTn id="8" dur="500"/>
-                                        <p:tgtEl>
-                                          <p:spTgt spid="3">
-                                            <p:txEl>
-                                              <p:pRg st="0" end="0"/>
-                                            </p:txEl>
-                                          </p:spTgt>
-                                        </p:tgtEl>
-                                      </p:cBhvr>
-                                    </p:animEffect>
-                                  </p:childTnLst>
-                                </p:cTn>
-                              </p:par>
                             </p:childTnLst>
                           </p:cTn>
                         </p:par>
@@ -12044,7 +12616,7 @@
                             </p:stCondLst>
                             <p:childTnLst>
                               <p:par>
-                                <p:cTn id="11" presetID="2" presetClass="entr" presetSubtype="4" fill="hold" grpId="0" nodeType="clickEffect">
+                                <p:cTn id="11" presetID="12" presetClass="entr" presetSubtype="4" fill="hold" grpId="0" nodeType="clickEffect">
                                   <p:stCondLst>
                                     <p:cond delay="0"/>
                                   </p:stCondLst>
@@ -12057,7 +12629,11 @@
                                           </p:stCondLst>
                                         </p:cTn>
                                         <p:tgtEl>
-                                          <p:spTgt spid="4"/>
+                                          <p:spTgt spid="3">
+                                            <p:txEl>
+                                              <p:pRg st="1" end="1"/>
+                                            </p:txEl>
+                                          </p:spTgt>
                                         </p:tgtEl>
                                         <p:attrNameLst>
                                           <p:attrName>style.visibility</p:attrName>
@@ -12069,41 +12645,22 @@
                                     </p:set>
                                     <p:anim calcmode="lin" valueType="num">
                                       <p:cBhvr additive="base">
-                                        <p:cTn id="13" dur="500" fill="hold"/>
-                                        <p:tgtEl>
-                                          <p:spTgt spid="4"/>
+                                        <p:cTn id="13" dur="500"/>
+                                        <p:tgtEl>
+                                          <p:spTgt spid="3">
+                                            <p:txEl>
+                                              <p:pRg st="1" end="1"/>
+                                            </p:txEl>
+                                          </p:spTgt>
                                         </p:tgtEl>
                                         <p:attrNameLst>
-                                          <p:attrName>ppt_x</p:attrName>
+                                          <p:attrName>ppt_y</p:attrName>
                                         </p:attrNameLst>
                                       </p:cBhvr>
                                       <p:tavLst>
                                         <p:tav tm="0">
                                           <p:val>
-                                            <p:strVal val="#ppt_x"/>
-                                          </p:val>
-                                        </p:tav>
-                                        <p:tav tm="100000">
-                                          <p:val>
-                                            <p:strVal val="#ppt_x"/>
-                                          </p:val>
-                                        </p:tav>
-                                      </p:tavLst>
-                                    </p:anim>
-                                    <p:anim calcmode="lin" valueType="num">
-                                      <p:cBhvr additive="base">
-                                        <p:cTn id="14" dur="500" fill="hold"/>
-                                        <p:tgtEl>
-                                          <p:spTgt spid="4"/>
-                                        </p:tgtEl>
-                                        <p:attrNameLst>
-                                          <p:attrName>ppt_y</p:attrName>
-                                        </p:attrNameLst>
-                                      </p:cBhvr>
-                                      <p:tavLst>
-                                        <p:tav tm="0">
-                                          <p:val>
-                                            <p:strVal val="1+#ppt_h/2"/>
+                                            <p:strVal val="#ppt_y+#ppt_h*1.125000"/>
                                           </p:val>
                                         </p:tav>
                                         <p:tav tm="100000">
@@ -12113,24 +12670,58 @@
                                         </p:tav>
                                       </p:tavLst>
                                     </p:anim>
+                                    <p:animEffect transition="in" filter="wipe(up)">
+                                      <p:cBhvr>
+                                        <p:cTn id="14" dur="500"/>
+                                        <p:tgtEl>
+                                          <p:spTgt spid="3">
+                                            <p:txEl>
+                                              <p:pRg st="1" end="1"/>
+                                            </p:txEl>
+                                          </p:spTgt>
+                                        </p:tgtEl>
+                                      </p:cBhvr>
+                                    </p:animEffect>
                                   </p:childTnLst>
                                 </p:cTn>
                               </p:par>
+                            </p:childTnLst>
+                          </p:cTn>
+                        </p:par>
+                      </p:childTnLst>
+                    </p:cTn>
+                  </p:par>
+                  <p:par>
+                    <p:cTn id="15" fill="hold">
+                      <p:stCondLst>
+                        <p:cond delay="indefinite"/>
+                      </p:stCondLst>
+                      <p:childTnLst>
+                        <p:par>
+                          <p:cTn id="16" fill="hold">
+                            <p:stCondLst>
+                              <p:cond delay="0"/>
+                            </p:stCondLst>
+                            <p:childTnLst>
                               <p:par>
-                                <p:cTn id="15" presetID="2" presetClass="entr" presetSubtype="4" fill="hold" grpId="0" nodeType="withEffect">
+                                <p:cTn id="17" presetID="12" presetClass="entr" presetSubtype="4" fill="hold" grpId="0" nodeType="clickEffect">
                                   <p:stCondLst>
                                     <p:cond delay="0"/>
                                   </p:stCondLst>
                                   <p:childTnLst>
                                     <p:set>
                                       <p:cBhvr>
-                                        <p:cTn id="16" dur="1" fill="hold">
+                                        <p:cTn id="18" dur="1" fill="hold">
                                           <p:stCondLst>
                                             <p:cond delay="0"/>
                                           </p:stCondLst>
                                         </p:cTn>
                                         <p:tgtEl>
-                                          <p:spTgt spid="5"/>
+                                          <p:spTgt spid="3">
+                                            <p:txEl>
+                                              <p:pRg st="2" end="2"/>
+                                            </p:txEl>
+                                          </p:spTgt>
                                         </p:tgtEl>
                                         <p:attrNameLst>
                                           <p:attrName>style.visibility</p:attrName>
@@ -12142,41 +12733,22 @@
                                     </p:set>
                                     <p:anim calcmode="lin" valueType="num">
                                       <p:cBhvr additive="base">
-                                        <p:cTn id="17" dur="500" fill="hold"/>
-                                        <p:tgtEl>
-                                          <p:spTgt spid="5"/>
+                                        <p:cTn id="19" dur="500"/>
+                                        <p:tgtEl>
+                                          <p:spTgt spid="3">
+                                            <p:txEl>
+                                              <p:pRg st="2" end="2"/>
+                                            </p:txEl>
+                                          </p:spTgt>
                                         </p:tgtEl>
                                         <p:attrNameLst>
-                                          <p:attrName>ppt_x</p:attrName>
+                                          <p:attrName>ppt_y</p:attrName>
                                         </p:attrNameLst>
                                       </p:cBhvr>
                                       <p:tavLst>
                                         <p:tav tm="0">
                                           <p:val>
-                                            <p:strVal val="#ppt_x"/>
-                                          </p:val>
-                                        </p:tav>
-                                        <p:tav tm="100000">
-                                          <p:val>
-                                            <p:strVal val="#ppt_x"/>
-                                          </p:val>
-                                        </p:tav>
-                                      </p:tavLst>
-                                    </p:anim>
-                                    <p:anim calcmode="lin" valueType="num">
-                                      <p:cBhvr additive="base">
-                                        <p:cTn id="18" dur="500" fill="hold"/>
-                                        <p:tgtEl>
-                                          <p:spTgt spid="5"/>
-                                        </p:tgtEl>
-                                        <p:attrNameLst>
-                                          <p:attrName>ppt_y</p:attrName>
-                                        </p:attrNameLst>
-                                      </p:cBhvr>
-                                      <p:tavLst>
-                                        <p:tav tm="0">
-                                          <p:val>
-                                            <p:strVal val="1+#ppt_h/2"/>
+                                            <p:strVal val="#ppt_y+#ppt_h*1.125000"/>
                                           </p:val>
                                         </p:tav>
                                         <p:tav tm="100000">
@@ -12186,79 +12758,18 @@
                                         </p:tav>
                                       </p:tavLst>
                                     </p:anim>
-                                  </p:childTnLst>
-                                </p:cTn>
-                              </p:par>
-                              <p:par>
-                                <p:cTn id="19" presetID="2" presetClass="entr" presetSubtype="4" fill="hold" grpId="0" nodeType="withEffect">
-                                  <p:stCondLst>
-                                    <p:cond delay="0"/>
-                                  </p:stCondLst>
-                                  <p:childTnLst>
-                                    <p:set>
+                                    <p:animEffect transition="in" filter="wipe(up)">
                                       <p:cBhvr>
-                                        <p:cTn id="20" dur="1" fill="hold">
-                                          <p:stCondLst>
-                                            <p:cond delay="0"/>
-                                          </p:stCondLst>
-                                        </p:cTn>
-                                        <p:tgtEl>
-                                          <p:spTgt spid="6"/>
-                                        </p:tgtEl>
-                                        <p:attrNameLst>
-                                          <p:attrName>style.visibility</p:attrName>
-                                        </p:attrNameLst>
-                                      </p:cBhvr>
-                                      <p:to>
-                                        <p:strVal val="visible"/>
-                                      </p:to>
-                                    </p:set>
-                                    <p:anim calcmode="lin" valueType="num">
-                                      <p:cBhvr additive="base">
-                                        <p:cTn id="21" dur="500" fill="hold"/>
-                                        <p:tgtEl>
-                                          <p:spTgt spid="6"/>
-                                        </p:tgtEl>
-                                        <p:attrNameLst>
-                                          <p:attrName>ppt_x</p:attrName>
-                                        </p:attrNameLst>
-                                      </p:cBhvr>
-                                      <p:tavLst>
-                                        <p:tav tm="0">
-                                          <p:val>
-                                            <p:strVal val="#ppt_x"/>
-                                          </p:val>
-                                        </p:tav>
-                                        <p:tav tm="100000">
-                                          <p:val>
-                                            <p:strVal val="#ppt_x"/>
-                                          </p:val>
-                                        </p:tav>
-                                      </p:tavLst>
-                                    </p:anim>
-                                    <p:anim calcmode="lin" valueType="num">
-                                      <p:cBhvr additive="base">
-                                        <p:cTn id="22" dur="500" fill="hold"/>
-                                        <p:tgtEl>
-                                          <p:spTgt spid="6"/>
-                                        </p:tgtEl>
-                                        <p:attrNameLst>
-                                          <p:attrName>ppt_y</p:attrName>
-                                        </p:attrNameLst>
-                                      </p:cBhvr>
-                                      <p:tavLst>
-                                        <p:tav tm="0">
-                                          <p:val>
-                                            <p:strVal val="1+#ppt_h/2"/>
-                                          </p:val>
-                                        </p:tav>
-                                        <p:tav tm="100000">
-                                          <p:val>
-                                            <p:strVal val="#ppt_y"/>
-                                          </p:val>
-                                        </p:tav>
-                                      </p:tavLst>
-                                    </p:anim>
+                                        <p:cTn id="20" dur="500"/>
+                                        <p:tgtEl>
+                                          <p:spTgt spid="3">
+                                            <p:txEl>
+                                              <p:pRg st="2" end="2"/>
+                                            </p:txEl>
+                                          </p:spTgt>
+                                        </p:tgtEl>
+                                      </p:cBhvr>
+                                    </p:animEffect>
                                   </p:childTnLst>
                                 </p:cTn>
                               </p:par>
@@ -12291,9 +12802,6 @@
     </p:tnLst>
     <p:bldLst>
       <p:bldP spid="3" grpId="0" build="p"/>
-      <p:bldP spid="4" grpId="0"/>
-      <p:bldP spid="5" grpId="0" uiExpand="1" bldLvl="2" animBg="1"/>
-      <p:bldP spid="6" grpId="0"/>
     </p:bldLst>
   </p:timing>
 </p:sld>
@@ -12571,4 +13079,299 @@
     </a:ext>
   </a:extLst>
 </a:theme>
+</file>
+
+<file path=ppt/theme/theme2.xml><?xml version="1.0" encoding="utf-8"?>
+<a:theme xmlns:a="http://schemas.openxmlformats.org/drawingml/2006/main" name="Office Theme">
+  <a:themeElements>
+    <a:clrScheme name="Office">
+      <a:dk1>
+        <a:sysClr val="windowText" lastClr="000000"/>
+      </a:dk1>
+      <a:lt1>
+        <a:sysClr val="window" lastClr="FFFFFF"/>
+      </a:lt1>
+      <a:dk2>
+        <a:srgbClr val="44546A"/>
+      </a:dk2>
+      <a:lt2>
+        <a:srgbClr val="E7E6E6"/>
+      </a:lt2>
+      <a:accent1>
+        <a:srgbClr val="4472C4"/>
+      </a:accent1>
+      <a:accent2>
+        <a:srgbClr val="ED7D31"/>
+      </a:accent2>
+      <a:accent3>
+        <a:srgbClr val="A5A5A5"/>
+      </a:accent3>
+      <a:accent4>
+        <a:srgbClr val="FFC000"/>
+      </a:accent4>
+      <a:accent5>
+        <a:srgbClr val="5B9BD5"/>
+      </a:accent5>
+      <a:accent6>
+        <a:srgbClr val="70AD47"/>
+      </a:accent6>
+      <a:hlink>
+        <a:srgbClr val="0563C1"/>
+      </a:hlink>
+      <a:folHlink>
+        <a:srgbClr val="954F72"/>
+      </a:folHlink>
+    </a:clrScheme>
+    <a:fontScheme name="Office">
+      <a:majorFont>
+        <a:latin typeface="Calibri Light" panose="020F0302020204030204"/>
+        <a:ea typeface=""/>
+        <a:cs typeface=""/>
+        <a:font script="Jpan" typeface="游ゴシック Light"/>
+        <a:font script="Hang" typeface="맑은 고딕"/>
+        <a:font script="Hans" typeface="等线 Light"/>
+        <a:font script="Hant" typeface="新細明體"/>
+        <a:font script="Arab" typeface="Times New Roman"/>
+        <a:font script="Hebr" typeface="Times New Roman"/>
+        <a:font script="Thai" typeface="Angsana New"/>
+        <a:font script="Ethi" typeface="Nyala"/>
+        <a:font script="Beng" typeface="Vrinda"/>
+        <a:font script="Gujr" typeface="Shruti"/>
+        <a:font script="Khmr" typeface="MoolBoran"/>
+        <a:font script="Knda" typeface="Tunga"/>
+        <a:font script="Guru" typeface="Raavi"/>
+        <a:font script="Cans" typeface="Euphemia"/>
+        <a:font script="Cher" typeface="Plantagenet Cherokee"/>
+        <a:font script="Yiii" typeface="Microsoft Yi Baiti"/>
+        <a:font script="Tibt" typeface="Microsoft Himalaya"/>
+        <a:font script="Thaa" typeface="MV Boli"/>
+        <a:font script="Deva" typeface="Mangal"/>
+        <a:font script="Telu" typeface="Gautami"/>
+        <a:font script="Taml" typeface="Latha"/>
+        <a:font script="Syrc" typeface="Estrangelo Edessa"/>
+        <a:font script="Orya" typeface="Kalinga"/>
+        <a:font script="Mlym" typeface="Kartika"/>
+        <a:font script="Laoo" typeface="DokChampa"/>
+        <a:font script="Sinh" typeface="Iskoola Pota"/>
+        <a:font script="Mong" typeface="Mongolian Baiti"/>
+        <a:font script="Viet" typeface="Times New Roman"/>
+        <a:font script="Uigh" typeface="Microsoft Uighur"/>
+        <a:font script="Geor" typeface="Sylfaen"/>
+        <a:font script="Armn" typeface="Arial"/>
+        <a:font script="Bugi" typeface="Leelawadee UI"/>
+        <a:font script="Bopo" typeface="Microsoft JhengHei"/>
+        <a:font script="Java" typeface="Javanese Text"/>
+        <a:font script="Lisu" typeface="Segoe UI"/>
+        <a:font script="Mymr" typeface="Myanmar Text"/>
+        <a:font script="Nkoo" typeface="Ebrima"/>
+        <a:font script="Olck" typeface="Nirmala UI"/>
+        <a:font script="Osma" typeface="Ebrima"/>
+        <a:font script="Phag" typeface="Phagspa"/>
+        <a:font script="Syrn" typeface="Estrangelo Edessa"/>
+        <a:font script="Syrj" typeface="Estrangelo Edessa"/>
+        <a:font script="Syre" typeface="Estrangelo Edessa"/>
+        <a:font script="Sora" typeface="Nirmala UI"/>
+        <a:font script="Tale" typeface="Microsoft Tai Le"/>
+        <a:font script="Talu" typeface="Microsoft New Tai Lue"/>
+        <a:font script="Tfng" typeface="Ebrima"/>
+      </a:majorFont>
+      <a:minorFont>
+        <a:latin typeface="Calibri" panose="020F0502020204030204"/>
+        <a:ea typeface=""/>
+        <a:cs typeface=""/>
+        <a:font script="Jpan" typeface="游ゴシック"/>
+        <a:font script="Hang" typeface="맑은 고딕"/>
+        <a:font script="Hans" typeface="等线"/>
+        <a:font script="Hant" typeface="新細明體"/>
+        <a:font script="Arab" typeface="Arial"/>
+        <a:font script="Hebr" typeface="Arial"/>
+        <a:font script="Thai" typeface="Cordia New"/>
+        <a:font script="Ethi" typeface="Nyala"/>
+        <a:font script="Beng" typeface="Vrinda"/>
+        <a:font script="Gujr" typeface="Shruti"/>
+        <a:font script="Khmr" typeface="DaunPenh"/>
+        <a:font script="Knda" typeface="Tunga"/>
+        <a:font script="Guru" typeface="Raavi"/>
+        <a:font script="Cans" typeface="Euphemia"/>
+        <a:font script="Cher" typeface="Plantagenet Cherokee"/>
+        <a:font script="Yiii" typeface="Microsoft Yi Baiti"/>
+        <a:font script="Tibt" typeface="Microsoft Himalaya"/>
+        <a:font script="Thaa" typeface="MV Boli"/>
+        <a:font script="Deva" typeface="Mangal"/>
+        <a:font script="Telu" typeface="Gautami"/>
+        <a:font script="Taml" typeface="Latha"/>
+        <a:font script="Syrc" typeface="Estrangelo Edessa"/>
+        <a:font script="Orya" typeface="Kalinga"/>
+        <a:font script="Mlym" typeface="Kartika"/>
+        <a:font script="Laoo" typeface="DokChampa"/>
+        <a:font script="Sinh" typeface="Iskoola Pota"/>
+        <a:font script="Mong" typeface="Mongolian Baiti"/>
+        <a:font script="Viet" typeface="Arial"/>
+        <a:font script="Uigh" typeface="Microsoft Uighur"/>
+        <a:font script="Geor" typeface="Sylfaen"/>
+        <a:font script="Armn" typeface="Arial"/>
+        <a:font script="Bugi" typeface="Leelawadee UI"/>
+        <a:font script="Bopo" typeface="Microsoft JhengHei"/>
+        <a:font script="Java" typeface="Javanese Text"/>
+        <a:font script="Lisu" typeface="Segoe UI"/>
+        <a:font script="Mymr" typeface="Myanmar Text"/>
+        <a:font script="Nkoo" typeface="Ebrima"/>
+        <a:font script="Olck" typeface="Nirmala UI"/>
+        <a:font script="Osma" typeface="Ebrima"/>
+        <a:font script="Phag" typeface="Phagspa"/>
+        <a:font script="Syrn" typeface="Estrangelo Edessa"/>
+        <a:font script="Syrj" typeface="Estrangelo Edessa"/>
+        <a:font script="Syre" typeface="Estrangelo Edessa"/>
+        <a:font script="Sora" typeface="Nirmala UI"/>
+        <a:font script="Tale" typeface="Microsoft Tai Le"/>
+        <a:font script="Talu" typeface="Microsoft New Tai Lue"/>
+        <a:font script="Tfng" typeface="Ebrima"/>
+      </a:minorFont>
+    </a:fontScheme>
+    <a:fmtScheme name="Office">
+      <a:fillStyleLst>
+        <a:solidFill>
+          <a:schemeClr val="phClr"/>
+        </a:solidFill>
+        <a:gradFill rotWithShape="1">
+          <a:gsLst>
+            <a:gs pos="0">
+              <a:schemeClr val="phClr">
+                <a:lumMod val="110000"/>
+                <a:satMod val="105000"/>
+                <a:tint val="67000"/>
+              </a:schemeClr>
+            </a:gs>
+            <a:gs pos="50000">
+              <a:schemeClr val="phClr">
+                <a:lumMod val="105000"/>
+                <a:satMod val="103000"/>
+                <a:tint val="73000"/>
+              </a:schemeClr>
+            </a:gs>
+            <a:gs pos="100000">
+              <a:schemeClr val="phClr">
+                <a:lumMod val="105000"/>
+                <a:satMod val="109000"/>
+                <a:tint val="81000"/>
+              </a:schemeClr>
+            </a:gs>
+          </a:gsLst>
+          <a:lin ang="5400000" scaled="0"/>
+        </a:gradFill>
+        <a:gradFill rotWithShape="1">
+          <a:gsLst>
+            <a:gs pos="0">
+              <a:schemeClr val="phClr">
+                <a:satMod val="103000"/>
+                <a:lumMod val="102000"/>
+                <a:tint val="94000"/>
+              </a:schemeClr>
+            </a:gs>
+            <a:gs pos="50000">
+              <a:schemeClr val="phClr">
+                <a:satMod val="110000"/>
+                <a:lumMod val="100000"/>
+                <a:shade val="100000"/>
+              </a:schemeClr>
+            </a:gs>
+            <a:gs pos="100000">
+              <a:schemeClr val="phClr">
+                <a:lumMod val="99000"/>
+                <a:satMod val="120000"/>
+                <a:shade val="78000"/>
+              </a:schemeClr>
+            </a:gs>
+          </a:gsLst>
+          <a:lin ang="5400000" scaled="0"/>
+        </a:gradFill>
+      </a:fillStyleLst>
+      <a:lnStyleLst>
+        <a:ln w="6350" cap="flat" cmpd="sng" algn="ctr">
+          <a:solidFill>
+            <a:schemeClr val="phClr"/>
+          </a:solidFill>
+          <a:prstDash val="solid"/>
+          <a:miter lim="800000"/>
+        </a:ln>
+        <a:ln w="12700" cap="flat" cmpd="sng" algn="ctr">
+          <a:solidFill>
+            <a:schemeClr val="phClr"/>
+          </a:solidFill>
+          <a:prstDash val="solid"/>
+          <a:miter lim="800000"/>
+        </a:ln>
+        <a:ln w="19050" cap="flat" cmpd="sng" algn="ctr">
+          <a:solidFill>
+            <a:schemeClr val="phClr"/>
+          </a:solidFill>
+          <a:prstDash val="solid"/>
+          <a:miter lim="800000"/>
+        </a:ln>
+      </a:lnStyleLst>
+      <a:effectStyleLst>
+        <a:effectStyle>
+          <a:effectLst/>
+        </a:effectStyle>
+        <a:effectStyle>
+          <a:effectLst/>
+        </a:effectStyle>
+        <a:effectStyle>
+          <a:effectLst>
+            <a:outerShdw blurRad="57150" dist="19050" dir="5400000" algn="ctr" rotWithShape="0">
+              <a:srgbClr val="000000">
+                <a:alpha val="63000"/>
+              </a:srgbClr>
+            </a:outerShdw>
+          </a:effectLst>
+        </a:effectStyle>
+      </a:effectStyleLst>
+      <a:bgFillStyleLst>
+        <a:solidFill>
+          <a:schemeClr val="phClr"/>
+        </a:solidFill>
+        <a:solidFill>
+          <a:schemeClr val="phClr">
+            <a:tint val="95000"/>
+            <a:satMod val="170000"/>
+          </a:schemeClr>
+        </a:solidFill>
+        <a:gradFill rotWithShape="1">
+          <a:gsLst>
+            <a:gs pos="0">
+              <a:schemeClr val="phClr">
+                <a:tint val="93000"/>
+                <a:satMod val="150000"/>
+                <a:shade val="98000"/>
+                <a:lumMod val="102000"/>
+              </a:schemeClr>
+            </a:gs>
+            <a:gs pos="50000">
+              <a:schemeClr val="phClr">
+                <a:tint val="98000"/>
+                <a:satMod val="130000"/>
+                <a:shade val="90000"/>
+                <a:lumMod val="103000"/>
+              </a:schemeClr>
+            </a:gs>
+            <a:gs pos="100000">
+              <a:schemeClr val="phClr">
+                <a:shade val="63000"/>
+                <a:satMod val="120000"/>
+              </a:schemeClr>
+            </a:gs>
+          </a:gsLst>
+          <a:lin ang="5400000" scaled="0"/>
+        </a:gradFill>
+      </a:bgFillStyleLst>
+    </a:fmtScheme>
+  </a:themeElements>
+  <a:objectDefaults/>
+  <a:extraClrSchemeLst/>
+  <a:extLst>
+    <a:ext uri="{05A4C25C-085E-4340-85A3-A5531E510DB2}">
+      <thm15:themeFamily xmlns:thm15="http://schemas.microsoft.com/office/thememl/2012/main" name="Office Theme" id="{62F939B6-93AF-4DB8-9C6B-D6C7DFDC589F}" vid="{4A3C46E8-61CC-4603-A589-7422A47A8E4A}"/>
+    </a:ext>
+  </a:extLst>
+</a:theme>
 </file>